--- a/wigs/WIGS-W03.pptx
+++ b/wigs/WIGS-W03.pptx
@@ -6,10 +6,10 @@
     <p:sldMasterId id="2147483744" r:id="rId2"/>
   </p:sldMasterIdLst>
   <p:notesMasterIdLst>
-    <p:notesMasterId r:id="rId27"/>
+    <p:notesMasterId r:id="rId23"/>
   </p:notesMasterIdLst>
   <p:handoutMasterIdLst>
-    <p:handoutMasterId r:id="rId28"/>
+    <p:handoutMasterId r:id="rId24"/>
   </p:handoutMasterIdLst>
   <p:sldIdLst>
     <p:sldId id="331" r:id="rId3"/>
@@ -17,25 +17,21 @@
     <p:sldId id="333" r:id="rId5"/>
     <p:sldId id="334" r:id="rId6"/>
     <p:sldId id="335" r:id="rId7"/>
-    <p:sldId id="317" r:id="rId8"/>
-    <p:sldId id="342" r:id="rId9"/>
-    <p:sldId id="341" r:id="rId10"/>
-    <p:sldId id="340" r:id="rId11"/>
-    <p:sldId id="339" r:id="rId12"/>
-    <p:sldId id="338" r:id="rId13"/>
-    <p:sldId id="337" r:id="rId14"/>
-    <p:sldId id="348" r:id="rId15"/>
-    <p:sldId id="347" r:id="rId16"/>
-    <p:sldId id="346" r:id="rId17"/>
-    <p:sldId id="345" r:id="rId18"/>
-    <p:sldId id="344" r:id="rId19"/>
-    <p:sldId id="343" r:id="rId20"/>
-    <p:sldId id="354" r:id="rId21"/>
-    <p:sldId id="353" r:id="rId22"/>
-    <p:sldId id="352" r:id="rId23"/>
-    <p:sldId id="351" r:id="rId24"/>
-    <p:sldId id="350" r:id="rId25"/>
-    <p:sldId id="349" r:id="rId26"/>
+    <p:sldId id="342" r:id="rId8"/>
+    <p:sldId id="341" r:id="rId9"/>
+    <p:sldId id="340" r:id="rId10"/>
+    <p:sldId id="339" r:id="rId11"/>
+    <p:sldId id="338" r:id="rId12"/>
+    <p:sldId id="348" r:id="rId13"/>
+    <p:sldId id="347" r:id="rId14"/>
+    <p:sldId id="346" r:id="rId15"/>
+    <p:sldId id="345" r:id="rId16"/>
+    <p:sldId id="344" r:id="rId17"/>
+    <p:sldId id="354" r:id="rId18"/>
+    <p:sldId id="353" r:id="rId19"/>
+    <p:sldId id="352" r:id="rId20"/>
+    <p:sldId id="351" r:id="rId21"/>
+    <p:sldId id="350" r:id="rId22"/>
   </p:sldIdLst>
   <p:sldSz cx="12192000" cy="6858000"/>
   <p:notesSz cx="6858000" cy="9144000"/>
@@ -224,8 +220,11 @@
     <p1510:client id="{2C8DD82F-A090-DF99-3C7D-76D8502C5974}" v="561" dt="2020-05-11T22:49:44.946"/>
     <p1510:client id="{38679EC6-BA76-8764-30DA-36064D1F19DD}" v="689" dt="2020-05-12T17:56:26.795"/>
     <p1510:client id="{3A3E2971-ED84-3460-2328-E0F57289BF7A}" v="813" dt="2020-05-12T02:45:51.305"/>
+    <p1510:client id="{3F85905C-5020-DB77-4B15-6F220F0AE8BB}" v="2" dt="2020-07-16T00:50:07.086"/>
+    <p1510:client id="{75E9AAC0-57DE-341C-C1ED-EFCA9E028987}" v="4" dt="2020-07-13T22:07:37.811"/>
     <p1510:client id="{785D10A1-FBA5-6438-F536-C1028FB9E0CD}" v="28" dt="2020-05-12T23:42:58.565"/>
     <p1510:client id="{85D800C5-7B7B-D201-5CB6-2B479405B27F}" v="857" dt="2020-05-12T03:03:31.182"/>
+    <p1510:client id="{8EEC0169-C972-92BF-7276-1634537CD130}" v="57" dt="2020-07-15T20:28:15.766"/>
     <p1510:client id="{B0C47ABC-F8E1-8CF5-4483-FA6E24301490}" v="137" dt="2020-05-12T18:01:20.683"/>
     <p1510:client id="{C84F5E9A-1D1C-6C65-8D82-5DA097BE6588}" v="76" dt="2020-05-12T21:24:39.368"/>
     <p1510:client id="{CCD93488-2F69-76C1-D063-096482D03282}" v="13" dt="2020-05-12T03:04:42.219"/>
@@ -236,6 +235,115 @@
 
 <file path=ppt/changesInfos/changesInfo1.xml><?xml version="1.0" encoding="utf-8"?>
 <pc:chgInfo xmlns:a="http://schemas.openxmlformats.org/drawingml/2006/main" xmlns:r="http://schemas.openxmlformats.org/officeDocument/2006/relationships" xmlns:ac="http://schemas.microsoft.com/office/drawing/2013/main/command" xmlns:pc="http://schemas.microsoft.com/office/powerpoint/2013/main/command">
+  <pc:docChgLst>
+    <pc:chgData name="Porter, Chris" userId="S::portrchris@byui.edu::bacc3cf6-3423-4651-ad82-46a37d3432a1" providerId="AD" clId="Web-{CCD93488-2F69-76C1-D063-096482D03282}"/>
+    <pc:docChg chg="modSld">
+      <pc:chgData name="Porter, Chris" userId="S::portrchris@byui.edu::bacc3cf6-3423-4651-ad82-46a37d3432a1" providerId="AD" clId="Web-{CCD93488-2F69-76C1-D063-096482D03282}" dt="2020-05-12T03:04:15.311" v="7"/>
+      <pc:docMkLst>
+        <pc:docMk/>
+      </pc:docMkLst>
+      <pc:sldChg chg="modSp">
+        <pc:chgData name="Porter, Chris" userId="S::portrchris@byui.edu::bacc3cf6-3423-4651-ad82-46a37d3432a1" providerId="AD" clId="Web-{CCD93488-2F69-76C1-D063-096482D03282}" dt="2020-05-12T03:04:15.311" v="7"/>
+        <pc:sldMkLst>
+          <pc:docMk/>
+          <pc:sldMk cId="1381302934" sldId="331"/>
+        </pc:sldMkLst>
+        <pc:graphicFrameChg chg="mod modGraphic">
+          <ac:chgData name="Porter, Chris" userId="S::portrchris@byui.edu::bacc3cf6-3423-4651-ad82-46a37d3432a1" providerId="AD" clId="Web-{CCD93488-2F69-76C1-D063-096482D03282}" dt="2020-05-12T03:04:15.311" v="7"/>
+          <ac:graphicFrameMkLst>
+            <pc:docMk/>
+            <pc:sldMk cId="1381302934" sldId="331"/>
+            <ac:graphicFrameMk id="4" creationId="{00000000-0000-0000-0000-000000000000}"/>
+          </ac:graphicFrameMkLst>
+        </pc:graphicFrameChg>
+      </pc:sldChg>
+    </pc:docChg>
+  </pc:docChgLst>
+  <pc:docChgLst>
+    <pc:chgData name="Cheney, Spencer" userId="S::spencercheney@byui.edu::360f47fc-098b-4f01-9f2f-bd16741641cb" providerId="AD" clId="Web-{3A3E2971-ED84-3460-2328-E0F57289BF7A}"/>
+    <pc:docChg chg="modSld">
+      <pc:chgData name="Cheney, Spencer" userId="S::spencercheney@byui.edu::360f47fc-098b-4f01-9f2f-bd16741641cb" providerId="AD" clId="Web-{3A3E2971-ED84-3460-2328-E0F57289BF7A}" dt="2020-05-12T02:45:49.086" v="770"/>
+      <pc:docMkLst>
+        <pc:docMk/>
+      </pc:docMkLst>
+      <pc:sldChg chg="modSp">
+        <pc:chgData name="Cheney, Spencer" userId="S::spencercheney@byui.edu::360f47fc-098b-4f01-9f2f-bd16741641cb" providerId="AD" clId="Web-{3A3E2971-ED84-3460-2328-E0F57289BF7A}" dt="2020-05-12T02:45:49.086" v="770"/>
+        <pc:sldMkLst>
+          <pc:docMk/>
+          <pc:sldMk cId="2883114570" sldId="345"/>
+        </pc:sldMkLst>
+        <pc:graphicFrameChg chg="mod modGraphic">
+          <ac:chgData name="Cheney, Spencer" userId="S::spencercheney@byui.edu::360f47fc-098b-4f01-9f2f-bd16741641cb" providerId="AD" clId="Web-{3A3E2971-ED84-3460-2328-E0F57289BF7A}" dt="2020-05-12T02:45:49.086" v="770"/>
+          <ac:graphicFrameMkLst>
+            <pc:docMk/>
+            <pc:sldMk cId="2883114570" sldId="345"/>
+            <ac:graphicFrameMk id="3" creationId="{00000000-0000-0000-0000-000000000000}"/>
+          </ac:graphicFrameMkLst>
+        </pc:graphicFrameChg>
+      </pc:sldChg>
+      <pc:sldChg chg="modSp">
+        <pc:chgData name="Cheney, Spencer" userId="S::spencercheney@byui.edu::360f47fc-098b-4f01-9f2f-bd16741641cb" providerId="AD" clId="Web-{3A3E2971-ED84-3460-2328-E0F57289BF7A}" dt="2020-05-12T02:44:13.132" v="524" actId="20577"/>
+        <pc:sldMkLst>
+          <pc:docMk/>
+          <pc:sldMk cId="2628945978" sldId="346"/>
+        </pc:sldMkLst>
+        <pc:spChg chg="mod">
+          <ac:chgData name="Cheney, Spencer" userId="S::spencercheney@byui.edu::360f47fc-098b-4f01-9f2f-bd16741641cb" providerId="AD" clId="Web-{3A3E2971-ED84-3460-2328-E0F57289BF7A}" dt="2020-05-12T02:44:13.132" v="524" actId="20577"/>
+          <ac:spMkLst>
+            <pc:docMk/>
+            <pc:sldMk cId="2628945978" sldId="346"/>
+            <ac:spMk id="3" creationId="{00000000-0000-0000-0000-000000000000}"/>
+          </ac:spMkLst>
+        </pc:spChg>
+      </pc:sldChg>
+      <pc:sldChg chg="modSp">
+        <pc:chgData name="Cheney, Spencer" userId="S::spencercheney@byui.edu::360f47fc-098b-4f01-9f2f-bd16741641cb" providerId="AD" clId="Web-{3A3E2971-ED84-3460-2328-E0F57289BF7A}" dt="2020-05-12T02:44:05.085" v="485" actId="20577"/>
+        <pc:sldMkLst>
+          <pc:docMk/>
+          <pc:sldMk cId="3430079550" sldId="347"/>
+        </pc:sldMkLst>
+        <pc:spChg chg="mod">
+          <ac:chgData name="Cheney, Spencer" userId="S::spencercheney@byui.edu::360f47fc-098b-4f01-9f2f-bd16741641cb" providerId="AD" clId="Web-{3A3E2971-ED84-3460-2328-E0F57289BF7A}" dt="2020-05-12T02:44:05.085" v="485" actId="20577"/>
+          <ac:spMkLst>
+            <pc:docMk/>
+            <pc:sldMk cId="3430079550" sldId="347"/>
+            <ac:spMk id="3" creationId="{00000000-0000-0000-0000-000000000000}"/>
+          </ac:spMkLst>
+        </pc:spChg>
+      </pc:sldChg>
+      <pc:sldChg chg="modSp">
+        <pc:chgData name="Cheney, Spencer" userId="S::spencercheney@byui.edu::360f47fc-098b-4f01-9f2f-bd16741641cb" providerId="AD" clId="Web-{3A3E2971-ED84-3460-2328-E0F57289BF7A}" dt="2020-05-12T02:42:36.069" v="248"/>
+        <pc:sldMkLst>
+          <pc:docMk/>
+          <pc:sldMk cId="743153862" sldId="348"/>
+        </pc:sldMkLst>
+        <pc:spChg chg="mod">
+          <ac:chgData name="Cheney, Spencer" userId="S::spencercheney@byui.edu::360f47fc-098b-4f01-9f2f-bd16741641cb" providerId="AD" clId="Web-{3A3E2971-ED84-3460-2328-E0F57289BF7A}" dt="2020-05-12T02:40:51.897" v="0" actId="20577"/>
+          <ac:spMkLst>
+            <pc:docMk/>
+            <pc:sldMk cId="743153862" sldId="348"/>
+            <ac:spMk id="2" creationId="{00000000-0000-0000-0000-000000000000}"/>
+          </ac:spMkLst>
+        </pc:spChg>
+        <pc:graphicFrameChg chg="mod modGraphic">
+          <ac:chgData name="Cheney, Spencer" userId="S::spencercheney@byui.edu::360f47fc-098b-4f01-9f2f-bd16741641cb" providerId="AD" clId="Web-{3A3E2971-ED84-3460-2328-E0F57289BF7A}" dt="2020-05-12T02:42:11.678" v="238"/>
+          <ac:graphicFrameMkLst>
+            <pc:docMk/>
+            <pc:sldMk cId="743153862" sldId="348"/>
+            <ac:graphicFrameMk id="3" creationId="{00000000-0000-0000-0000-000000000000}"/>
+          </ac:graphicFrameMkLst>
+        </pc:graphicFrameChg>
+        <pc:graphicFrameChg chg="mod modGraphic">
+          <ac:chgData name="Cheney, Spencer" userId="S::spencercheney@byui.edu::360f47fc-098b-4f01-9f2f-bd16741641cb" providerId="AD" clId="Web-{3A3E2971-ED84-3460-2328-E0F57289BF7A}" dt="2020-05-12T02:42:36.069" v="248"/>
+          <ac:graphicFrameMkLst>
+            <pc:docMk/>
+            <pc:sldMk cId="743153862" sldId="348"/>
+            <ac:graphicFrameMk id="4" creationId="{00000000-0000-0000-0000-000000000000}"/>
+          </ac:graphicFrameMkLst>
+        </pc:graphicFrameChg>
+      </pc:sldChg>
+    </pc:docChg>
+  </pc:docChgLst>
   <pc:docChgLst>
     <pc:chgData name="Boe, Jonah" userId="S::jonahwb@byui.edu::0d5e1f00-1ebc-42bd-9eb7-862baab2db1c" providerId="AD" clId="Web-{C84F5E9A-1D1C-6C65-8D82-5DA097BE6588}"/>
     <pc:docChg chg="modSld">
@@ -269,23 +377,84 @@
     </pc:docChg>
   </pc:docChgLst>
   <pc:docChgLst>
-    <pc:chgData name="Cheney, Spencer" userId="S::spencercheney@byui.edu::360f47fc-098b-4f01-9f2f-bd16741641cb" providerId="AD" clId="Web-{2818EC38-4086-884A-CB34-B43072C16978}"/>
+    <pc:chgData name="Tolliver, Kyle" userId="S::kctolli@byui.edu::7cd0e227-5eec-47da-b0d1-6fddf0bfb0ee" providerId="AD" clId="Web-{3F85905C-5020-DB77-4B15-6F220F0AE8BB}"/>
     <pc:docChg chg="modSld">
-      <pc:chgData name="Cheney, Spencer" userId="S::spencercheney@byui.edu::360f47fc-098b-4f01-9f2f-bd16741641cb" providerId="AD" clId="Web-{2818EC38-4086-884A-CB34-B43072C16978}" dt="2020-05-12T20:00:32.722" v="3"/>
+      <pc:chgData name="Tolliver, Kyle" userId="S::kctolli@byui.edu::7cd0e227-5eec-47da-b0d1-6fddf0bfb0ee" providerId="AD" clId="Web-{3F85905C-5020-DB77-4B15-6F220F0AE8BB}" dt="2020-07-16T00:50:07.086" v="1"/>
       <pc:docMkLst>
         <pc:docMk/>
       </pc:docMkLst>
       <pc:sldChg chg="modSp">
-        <pc:chgData name="Cheney, Spencer" userId="S::spencercheney@byui.edu::360f47fc-098b-4f01-9f2f-bd16741641cb" providerId="AD" clId="Web-{2818EC38-4086-884A-CB34-B43072C16978}" dt="2020-05-12T20:00:32.722" v="3"/>
+        <pc:chgData name="Tolliver, Kyle" userId="S::kctolli@byui.edu::7cd0e227-5eec-47da-b0d1-6fddf0bfb0ee" providerId="AD" clId="Web-{3F85905C-5020-DB77-4B15-6F220F0AE8BB}" dt="2020-07-16T00:50:07.086" v="1"/>
         <pc:sldMkLst>
           <pc:docMk/>
-          <pc:sldMk cId="2883114570" sldId="345"/>
+          <pc:sldMk cId="2953551922" sldId="354"/>
         </pc:sldMkLst>
         <pc:graphicFrameChg chg="mod modGraphic">
-          <ac:chgData name="Cheney, Spencer" userId="S::spencercheney@byui.edu::360f47fc-098b-4f01-9f2f-bd16741641cb" providerId="AD" clId="Web-{2818EC38-4086-884A-CB34-B43072C16978}" dt="2020-05-12T20:00:32.722" v="3"/>
+          <ac:chgData name="Tolliver, Kyle" userId="S::kctolli@byui.edu::7cd0e227-5eec-47da-b0d1-6fddf0bfb0ee" providerId="AD" clId="Web-{3F85905C-5020-DB77-4B15-6F220F0AE8BB}" dt="2020-07-16T00:50:07.086" v="1"/>
           <ac:graphicFrameMkLst>
             <pc:docMk/>
-            <pc:sldMk cId="2883114570" sldId="345"/>
+            <pc:sldMk cId="2953551922" sldId="354"/>
+            <ac:graphicFrameMk id="4" creationId="{00000000-0000-0000-0000-000000000000}"/>
+          </ac:graphicFrameMkLst>
+        </pc:graphicFrameChg>
+      </pc:sldChg>
+    </pc:docChg>
+  </pc:docChgLst>
+  <pc:docChgLst>
+    <pc:chgData name="Boe, Jonah" userId="S::jonahwb@byui.edu::0d5e1f00-1ebc-42bd-9eb7-862baab2db1c" providerId="AD" clId="Web-{75E9AAC0-57DE-341C-C1ED-EFCA9E028987}"/>
+    <pc:docChg chg="delSld">
+      <pc:chgData name="Boe, Jonah" userId="S::jonahwb@byui.edu::0d5e1f00-1ebc-42bd-9eb7-862baab2db1c" providerId="AD" clId="Web-{75E9AAC0-57DE-341C-C1ED-EFCA9E028987}" dt="2020-07-13T22:07:37.811" v="3"/>
+      <pc:docMkLst>
+        <pc:docMk/>
+      </pc:docMkLst>
+      <pc:sldChg chg="del">
+        <pc:chgData name="Boe, Jonah" userId="S::jonahwb@byui.edu::0d5e1f00-1ebc-42bd-9eb7-862baab2db1c" providerId="AD" clId="Web-{75E9AAC0-57DE-341C-C1ED-EFCA9E028987}" dt="2020-07-13T22:07:24.482" v="0"/>
+        <pc:sldMkLst>
+          <pc:docMk/>
+          <pc:sldMk cId="1554097160" sldId="317"/>
+        </pc:sldMkLst>
+      </pc:sldChg>
+      <pc:sldChg chg="del">
+        <pc:chgData name="Boe, Jonah" userId="S::jonahwb@byui.edu::0d5e1f00-1ebc-42bd-9eb7-862baab2db1c" providerId="AD" clId="Web-{75E9AAC0-57DE-341C-C1ED-EFCA9E028987}" dt="2020-07-13T22:07:29.670" v="1"/>
+        <pc:sldMkLst>
+          <pc:docMk/>
+          <pc:sldMk cId="1428113768" sldId="337"/>
+        </pc:sldMkLst>
+      </pc:sldChg>
+      <pc:sldChg chg="del">
+        <pc:chgData name="Boe, Jonah" userId="S::jonahwb@byui.edu::0d5e1f00-1ebc-42bd-9eb7-862baab2db1c" providerId="AD" clId="Web-{75E9AAC0-57DE-341C-C1ED-EFCA9E028987}" dt="2020-07-13T22:07:34.686" v="2"/>
+        <pc:sldMkLst>
+          <pc:docMk/>
+          <pc:sldMk cId="466236758" sldId="343"/>
+        </pc:sldMkLst>
+      </pc:sldChg>
+      <pc:sldChg chg="del">
+        <pc:chgData name="Boe, Jonah" userId="S::jonahwb@byui.edu::0d5e1f00-1ebc-42bd-9eb7-862baab2db1c" providerId="AD" clId="Web-{75E9AAC0-57DE-341C-C1ED-EFCA9E028987}" dt="2020-07-13T22:07:37.811" v="3"/>
+        <pc:sldMkLst>
+          <pc:docMk/>
+          <pc:sldMk cId="4248487052" sldId="349"/>
+        </pc:sldMkLst>
+      </pc:sldChg>
+    </pc:docChg>
+  </pc:docChgLst>
+  <pc:docChgLst>
+    <pc:chgData name="Tolliver, Kyle" userId="S::kctolli@byui.edu::7cd0e227-5eec-47da-b0d1-6fddf0bfb0ee" providerId="AD" clId="Web-{785D10A1-FBA5-6438-F536-C1028FB9E0CD}"/>
+    <pc:docChg chg="modSld">
+      <pc:chgData name="Tolliver, Kyle" userId="S::kctolli@byui.edu::7cd0e227-5eec-47da-b0d1-6fddf0bfb0ee" providerId="AD" clId="Web-{785D10A1-FBA5-6438-F536-C1028FB9E0CD}" dt="2020-05-12T23:42:57.159" v="21"/>
+      <pc:docMkLst>
+        <pc:docMk/>
+      </pc:docMkLst>
+      <pc:sldChg chg="modSp">
+        <pc:chgData name="Tolliver, Kyle" userId="S::kctolli@byui.edu::7cd0e227-5eec-47da-b0d1-6fddf0bfb0ee" providerId="AD" clId="Web-{785D10A1-FBA5-6438-F536-C1028FB9E0CD}" dt="2020-05-12T23:42:57.159" v="21"/>
+        <pc:sldMkLst>
+          <pc:docMk/>
+          <pc:sldMk cId="2953551922" sldId="354"/>
+        </pc:sldMkLst>
+        <pc:graphicFrameChg chg="mod modGraphic">
+          <ac:chgData name="Tolliver, Kyle" userId="S::kctolli@byui.edu::7cd0e227-5eec-47da-b0d1-6fddf0bfb0ee" providerId="AD" clId="Web-{785D10A1-FBA5-6438-F536-C1028FB9E0CD}" dt="2020-05-12T23:42:57.159" v="21"/>
+          <ac:graphicFrameMkLst>
+            <pc:docMk/>
+            <pc:sldMk cId="2953551922" sldId="354"/>
             <ac:graphicFrameMk id="4" creationId="{00000000-0000-0000-0000-000000000000}"/>
           </ac:graphicFrameMkLst>
         </pc:graphicFrameChg>
@@ -401,84 +570,31 @@
     </pc:docChg>
   </pc:docChgLst>
   <pc:docChgLst>
-    <pc:chgData name="Cheney, Spencer" userId="S::spencercheney@byui.edu::360f47fc-098b-4f01-9f2f-bd16741641cb" providerId="AD" clId="Web-{3A3E2971-ED84-3460-2328-E0F57289BF7A}"/>
+    <pc:chgData name="Boe, Jonah" userId="S::jonahwb@byui.edu::0d5e1f00-1ebc-42bd-9eb7-862baab2db1c" providerId="AD" clId="Web-{8EEC0169-C972-92BF-7276-1634537CD130}"/>
     <pc:docChg chg="modSld">
-      <pc:chgData name="Cheney, Spencer" userId="S::spencercheney@byui.edu::360f47fc-098b-4f01-9f2f-bd16741641cb" providerId="AD" clId="Web-{3A3E2971-ED84-3460-2328-E0F57289BF7A}" dt="2020-05-12T02:45:49.086" v="770"/>
+      <pc:chgData name="Boe, Jonah" userId="S::jonahwb@byui.edu::0d5e1f00-1ebc-42bd-9eb7-862baab2db1c" providerId="AD" clId="Web-{8EEC0169-C972-92BF-7276-1634537CD130}" dt="2020-07-15T20:28:14.313" v="31"/>
       <pc:docMkLst>
         <pc:docMk/>
       </pc:docMkLst>
       <pc:sldChg chg="modSp">
-        <pc:chgData name="Cheney, Spencer" userId="S::spencercheney@byui.edu::360f47fc-098b-4f01-9f2f-bd16741641cb" providerId="AD" clId="Web-{3A3E2971-ED84-3460-2328-E0F57289BF7A}" dt="2020-05-12T02:45:49.086" v="770"/>
+        <pc:chgData name="Boe, Jonah" userId="S::jonahwb@byui.edu::0d5e1f00-1ebc-42bd-9eb7-862baab2db1c" providerId="AD" clId="Web-{8EEC0169-C972-92BF-7276-1634537CD130}" dt="2020-07-15T20:28:14.313" v="31"/>
         <pc:sldMkLst>
           <pc:docMk/>
-          <pc:sldMk cId="2883114570" sldId="345"/>
+          <pc:sldMk cId="2176578462" sldId="342"/>
         </pc:sldMkLst>
         <pc:graphicFrameChg chg="mod modGraphic">
-          <ac:chgData name="Cheney, Spencer" userId="S::spencercheney@byui.edu::360f47fc-098b-4f01-9f2f-bd16741641cb" providerId="AD" clId="Web-{3A3E2971-ED84-3460-2328-E0F57289BF7A}" dt="2020-05-12T02:45:49.086" v="770"/>
+          <ac:chgData name="Boe, Jonah" userId="S::jonahwb@byui.edu::0d5e1f00-1ebc-42bd-9eb7-862baab2db1c" providerId="AD" clId="Web-{8EEC0169-C972-92BF-7276-1634537CD130}" dt="2020-07-15T20:25:59.024" v="1"/>
           <ac:graphicFrameMkLst>
             <pc:docMk/>
-            <pc:sldMk cId="2883114570" sldId="345"/>
-            <ac:graphicFrameMk id="3" creationId="{00000000-0000-0000-0000-000000000000}"/>
-          </ac:graphicFrameMkLst>
-        </pc:graphicFrameChg>
-      </pc:sldChg>
-      <pc:sldChg chg="modSp">
-        <pc:chgData name="Cheney, Spencer" userId="S::spencercheney@byui.edu::360f47fc-098b-4f01-9f2f-bd16741641cb" providerId="AD" clId="Web-{3A3E2971-ED84-3460-2328-E0F57289BF7A}" dt="2020-05-12T02:44:13.132" v="524" actId="20577"/>
-        <pc:sldMkLst>
-          <pc:docMk/>
-          <pc:sldMk cId="2628945978" sldId="346"/>
-        </pc:sldMkLst>
-        <pc:spChg chg="mod">
-          <ac:chgData name="Cheney, Spencer" userId="S::spencercheney@byui.edu::360f47fc-098b-4f01-9f2f-bd16741641cb" providerId="AD" clId="Web-{3A3E2971-ED84-3460-2328-E0F57289BF7A}" dt="2020-05-12T02:44:13.132" v="524" actId="20577"/>
-          <ac:spMkLst>
-            <pc:docMk/>
-            <pc:sldMk cId="2628945978" sldId="346"/>
-            <ac:spMk id="3" creationId="{00000000-0000-0000-0000-000000000000}"/>
-          </ac:spMkLst>
-        </pc:spChg>
-      </pc:sldChg>
-      <pc:sldChg chg="modSp">
-        <pc:chgData name="Cheney, Spencer" userId="S::spencercheney@byui.edu::360f47fc-098b-4f01-9f2f-bd16741641cb" providerId="AD" clId="Web-{3A3E2971-ED84-3460-2328-E0F57289BF7A}" dt="2020-05-12T02:44:05.085" v="485" actId="20577"/>
-        <pc:sldMkLst>
-          <pc:docMk/>
-          <pc:sldMk cId="3430079550" sldId="347"/>
-        </pc:sldMkLst>
-        <pc:spChg chg="mod">
-          <ac:chgData name="Cheney, Spencer" userId="S::spencercheney@byui.edu::360f47fc-098b-4f01-9f2f-bd16741641cb" providerId="AD" clId="Web-{3A3E2971-ED84-3460-2328-E0F57289BF7A}" dt="2020-05-12T02:44:05.085" v="485" actId="20577"/>
-          <ac:spMkLst>
-            <pc:docMk/>
-            <pc:sldMk cId="3430079550" sldId="347"/>
-            <ac:spMk id="3" creationId="{00000000-0000-0000-0000-000000000000}"/>
-          </ac:spMkLst>
-        </pc:spChg>
-      </pc:sldChg>
-      <pc:sldChg chg="modSp">
-        <pc:chgData name="Cheney, Spencer" userId="S::spencercheney@byui.edu::360f47fc-098b-4f01-9f2f-bd16741641cb" providerId="AD" clId="Web-{3A3E2971-ED84-3460-2328-E0F57289BF7A}" dt="2020-05-12T02:42:36.069" v="248"/>
-        <pc:sldMkLst>
-          <pc:docMk/>
-          <pc:sldMk cId="743153862" sldId="348"/>
-        </pc:sldMkLst>
-        <pc:spChg chg="mod">
-          <ac:chgData name="Cheney, Spencer" userId="S::spencercheney@byui.edu::360f47fc-098b-4f01-9f2f-bd16741641cb" providerId="AD" clId="Web-{3A3E2971-ED84-3460-2328-E0F57289BF7A}" dt="2020-05-12T02:40:51.897" v="0" actId="20577"/>
-          <ac:spMkLst>
-            <pc:docMk/>
-            <pc:sldMk cId="743153862" sldId="348"/>
-            <ac:spMk id="2" creationId="{00000000-0000-0000-0000-000000000000}"/>
-          </ac:spMkLst>
-        </pc:spChg>
-        <pc:graphicFrameChg chg="mod modGraphic">
-          <ac:chgData name="Cheney, Spencer" userId="S::spencercheney@byui.edu::360f47fc-098b-4f01-9f2f-bd16741641cb" providerId="AD" clId="Web-{3A3E2971-ED84-3460-2328-E0F57289BF7A}" dt="2020-05-12T02:42:11.678" v="238"/>
-          <ac:graphicFrameMkLst>
-            <pc:docMk/>
-            <pc:sldMk cId="743153862" sldId="348"/>
+            <pc:sldMk cId="2176578462" sldId="342"/>
             <ac:graphicFrameMk id="3" creationId="{00000000-0000-0000-0000-000000000000}"/>
           </ac:graphicFrameMkLst>
         </pc:graphicFrameChg>
         <pc:graphicFrameChg chg="mod modGraphic">
-          <ac:chgData name="Cheney, Spencer" userId="S::spencercheney@byui.edu::360f47fc-098b-4f01-9f2f-bd16741641cb" providerId="AD" clId="Web-{3A3E2971-ED84-3460-2328-E0F57289BF7A}" dt="2020-05-12T02:42:36.069" v="248"/>
+          <ac:chgData name="Boe, Jonah" userId="S::jonahwb@byui.edu::0d5e1f00-1ebc-42bd-9eb7-862baab2db1c" providerId="AD" clId="Web-{8EEC0169-C972-92BF-7276-1634537CD130}" dt="2020-07-15T20:28:14.313" v="31"/>
           <ac:graphicFrameMkLst>
             <pc:docMk/>
-            <pc:sldMk cId="743153862" sldId="348"/>
+            <pc:sldMk cId="2176578462" sldId="342"/>
             <ac:graphicFrameMk id="4" creationId="{00000000-0000-0000-0000-000000000000}"/>
           </ac:graphicFrameMkLst>
         </pc:graphicFrameChg>
@@ -486,65 +602,94 @@
     </pc:docChg>
   </pc:docChgLst>
   <pc:docChgLst>
-    <pc:chgData name="Porter, Chris" userId="S::portrchris@byui.edu::bacc3cf6-3423-4651-ad82-46a37d3432a1" providerId="AD" clId="Web-{CCD93488-2F69-76C1-D063-096482D03282}"/>
+    <pc:chgData name="Tolliver, Kyle" userId="S::kctolli@byui.edu::7cd0e227-5eec-47da-b0d1-6fddf0bfb0ee" providerId="AD" clId="Web-{2C8DD82F-A090-DF99-3C7D-76D8502C5974}"/>
     <pc:docChg chg="modSld">
-      <pc:chgData name="Porter, Chris" userId="S::portrchris@byui.edu::bacc3cf6-3423-4651-ad82-46a37d3432a1" providerId="AD" clId="Web-{CCD93488-2F69-76C1-D063-096482D03282}" dt="2020-05-12T03:04:15.311" v="7"/>
+      <pc:chgData name="Tolliver, Kyle" userId="S::kctolli@byui.edu::7cd0e227-5eec-47da-b0d1-6fddf0bfb0ee" providerId="AD" clId="Web-{2C8DD82F-A090-DF99-3C7D-76D8502C5974}" dt="2020-05-11T22:49:44.946" v="536" actId="20577"/>
       <pc:docMkLst>
         <pc:docMk/>
       </pc:docMkLst>
       <pc:sldChg chg="modSp">
-        <pc:chgData name="Porter, Chris" userId="S::portrchris@byui.edu::bacc3cf6-3423-4651-ad82-46a37d3432a1" providerId="AD" clId="Web-{CCD93488-2F69-76C1-D063-096482D03282}" dt="2020-05-12T03:04:15.311" v="7"/>
+        <pc:chgData name="Tolliver, Kyle" userId="S::kctolli@byui.edu::7cd0e227-5eec-47da-b0d1-6fddf0bfb0ee" providerId="AD" clId="Web-{2C8DD82F-A090-DF99-3C7D-76D8502C5974}" dt="2020-05-11T22:49:21.211" v="534" actId="20577"/>
         <pc:sldMkLst>
           <pc:docMk/>
-          <pc:sldMk cId="1381302934" sldId="331"/>
-        </pc:sldMkLst>
-        <pc:graphicFrameChg chg="mod modGraphic">
-          <ac:chgData name="Porter, Chris" userId="S::portrchris@byui.edu::bacc3cf6-3423-4651-ad82-46a37d3432a1" providerId="AD" clId="Web-{CCD93488-2F69-76C1-D063-096482D03282}" dt="2020-05-12T03:04:15.311" v="7"/>
-          <ac:graphicFrameMkLst>
-            <pc:docMk/>
-            <pc:sldMk cId="1381302934" sldId="331"/>
-            <ac:graphicFrameMk id="4" creationId="{00000000-0000-0000-0000-000000000000}"/>
-          </ac:graphicFrameMkLst>
-        </pc:graphicFrameChg>
-      </pc:sldChg>
-    </pc:docChg>
-  </pc:docChgLst>
-  <pc:docChgLst>
-    <pc:chgData name="Porter, Chris" userId="S::portrchris@byui.edu::bacc3cf6-3423-4651-ad82-46a37d3432a1" providerId="AD" clId="Web-{B0C47ABC-F8E1-8CF5-4483-FA6E24301490}"/>
-    <pc:docChg chg="modSld">
-      <pc:chgData name="Porter, Chris" userId="S::portrchris@byui.edu::bacc3cf6-3423-4651-ad82-46a37d3432a1" providerId="AD" clId="Web-{B0C47ABC-F8E1-8CF5-4483-FA6E24301490}" dt="2020-05-12T18:01:20.433" v="135" actId="20577"/>
-      <pc:docMkLst>
-        <pc:docMk/>
-      </pc:docMkLst>
-      <pc:sldChg chg="modSp">
-        <pc:chgData name="Porter, Chris" userId="S::portrchris@byui.edu::bacc3cf6-3423-4651-ad82-46a37d3432a1" providerId="AD" clId="Web-{B0C47ABC-F8E1-8CF5-4483-FA6E24301490}" dt="2020-05-12T18:01:18.495" v="133" actId="20577"/>
-        <pc:sldMkLst>
-          <pc:docMk/>
-          <pc:sldMk cId="2606426039" sldId="333"/>
+          <pc:sldMk cId="1374183101" sldId="350"/>
         </pc:sldMkLst>
         <pc:spChg chg="mod">
-          <ac:chgData name="Porter, Chris" userId="S::portrchris@byui.edu::bacc3cf6-3423-4651-ad82-46a37d3432a1" providerId="AD" clId="Web-{B0C47ABC-F8E1-8CF5-4483-FA6E24301490}" dt="2020-05-12T18:01:18.495" v="133" actId="20577"/>
+          <ac:chgData name="Tolliver, Kyle" userId="S::kctolli@byui.edu::7cd0e227-5eec-47da-b0d1-6fddf0bfb0ee" providerId="AD" clId="Web-{2C8DD82F-A090-DF99-3C7D-76D8502C5974}" dt="2020-05-11T22:49:21.211" v="534" actId="20577"/>
           <ac:spMkLst>
             <pc:docMk/>
-            <pc:sldMk cId="2606426039" sldId="333"/>
+            <pc:sldMk cId="1374183101" sldId="350"/>
             <ac:spMk id="3" creationId="{00000000-0000-0000-0000-000000000000}"/>
           </ac:spMkLst>
         </pc:spChg>
       </pc:sldChg>
       <pc:sldChg chg="modSp">
-        <pc:chgData name="Porter, Chris" userId="S::portrchris@byui.edu::bacc3cf6-3423-4651-ad82-46a37d3432a1" providerId="AD" clId="Web-{B0C47ABC-F8E1-8CF5-4483-FA6E24301490}" dt="2020-05-12T18:00:41.011" v="42" actId="20577"/>
+        <pc:chgData name="Tolliver, Kyle" userId="S::kctolli@byui.edu::7cd0e227-5eec-47da-b0d1-6fddf0bfb0ee" providerId="AD" clId="Web-{2C8DD82F-A090-DF99-3C7D-76D8502C5974}" dt="2020-05-11T22:45:58.137" v="385"/>
         <pc:sldMkLst>
           <pc:docMk/>
-          <pc:sldMk cId="3333040100" sldId="336"/>
+          <pc:sldMk cId="2158812019" sldId="351"/>
+        </pc:sldMkLst>
+        <pc:graphicFrameChg chg="mod modGraphic">
+          <ac:chgData name="Tolliver, Kyle" userId="S::kctolli@byui.edu::7cd0e227-5eec-47da-b0d1-6fddf0bfb0ee" providerId="AD" clId="Web-{2C8DD82F-A090-DF99-3C7D-76D8502C5974}" dt="2020-05-11T22:45:58.137" v="385"/>
+          <ac:graphicFrameMkLst>
+            <pc:docMk/>
+            <pc:sldMk cId="2158812019" sldId="351"/>
+            <ac:graphicFrameMk id="3" creationId="{00000000-0000-0000-0000-000000000000}"/>
+          </ac:graphicFrameMkLst>
+        </pc:graphicFrameChg>
+        <pc:graphicFrameChg chg="mod modGraphic">
+          <ac:chgData name="Tolliver, Kyle" userId="S::kctolli@byui.edu::7cd0e227-5eec-47da-b0d1-6fddf0bfb0ee" providerId="AD" clId="Web-{2C8DD82F-A090-DF99-3C7D-76D8502C5974}" dt="2020-05-11T22:44:20.460" v="283"/>
+          <ac:graphicFrameMkLst>
+            <pc:docMk/>
+            <pc:sldMk cId="2158812019" sldId="351"/>
+            <ac:graphicFrameMk id="4" creationId="{00000000-0000-0000-0000-000000000000}"/>
+          </ac:graphicFrameMkLst>
+        </pc:graphicFrameChg>
+      </pc:sldChg>
+      <pc:sldChg chg="modSp">
+        <pc:chgData name="Tolliver, Kyle" userId="S::kctolli@byui.edu::7cd0e227-5eec-47da-b0d1-6fddf0bfb0ee" providerId="AD" clId="Web-{2C8DD82F-A090-DF99-3C7D-76D8502C5974}" dt="2020-05-11T22:41:33.138" v="178" actId="20577"/>
+        <pc:sldMkLst>
+          <pc:docMk/>
+          <pc:sldMk cId="871459680" sldId="352"/>
         </pc:sldMkLst>
         <pc:spChg chg="mod">
-          <ac:chgData name="Porter, Chris" userId="S::portrchris@byui.edu::bacc3cf6-3423-4651-ad82-46a37d3432a1" providerId="AD" clId="Web-{B0C47ABC-F8E1-8CF5-4483-FA6E24301490}" dt="2020-05-12T18:00:41.011" v="42" actId="20577"/>
+          <ac:chgData name="Tolliver, Kyle" userId="S::kctolli@byui.edu::7cd0e227-5eec-47da-b0d1-6fddf0bfb0ee" providerId="AD" clId="Web-{2C8DD82F-A090-DF99-3C7D-76D8502C5974}" dt="2020-05-11T22:41:33.138" v="178" actId="20577"/>
           <ac:spMkLst>
             <pc:docMk/>
-            <pc:sldMk cId="3333040100" sldId="336"/>
+            <pc:sldMk cId="871459680" sldId="352"/>
             <ac:spMk id="3" creationId="{00000000-0000-0000-0000-000000000000}"/>
           </ac:spMkLst>
         </pc:spChg>
+      </pc:sldChg>
+      <pc:sldChg chg="modSp">
+        <pc:chgData name="Tolliver, Kyle" userId="S::kctolli@byui.edu::7cd0e227-5eec-47da-b0d1-6fddf0bfb0ee" providerId="AD" clId="Web-{2C8DD82F-A090-DF99-3C7D-76D8502C5974}" dt="2020-05-11T22:49:44.946" v="536" actId="20577"/>
+        <pc:sldMkLst>
+          <pc:docMk/>
+          <pc:sldMk cId="2897208300" sldId="353"/>
+        </pc:sldMkLst>
+        <pc:spChg chg="mod">
+          <ac:chgData name="Tolliver, Kyle" userId="S::kctolli@byui.edu::7cd0e227-5eec-47da-b0d1-6fddf0bfb0ee" providerId="AD" clId="Web-{2C8DD82F-A090-DF99-3C7D-76D8502C5974}" dt="2020-05-11T22:49:44.946" v="536" actId="20577"/>
+          <ac:spMkLst>
+            <pc:docMk/>
+            <pc:sldMk cId="2897208300" sldId="353"/>
+            <ac:spMk id="3" creationId="{00000000-0000-0000-0000-000000000000}"/>
+          </ac:spMkLst>
+        </pc:spChg>
+      </pc:sldChg>
+      <pc:sldChg chg="modSp">
+        <pc:chgData name="Tolliver, Kyle" userId="S::kctolli@byui.edu::7cd0e227-5eec-47da-b0d1-6fddf0bfb0ee" providerId="AD" clId="Web-{2C8DD82F-A090-DF99-3C7D-76D8502C5974}" dt="2020-05-11T22:39:22.881" v="25"/>
+        <pc:sldMkLst>
+          <pc:docMk/>
+          <pc:sldMk cId="2953551922" sldId="354"/>
+        </pc:sldMkLst>
+        <pc:graphicFrameChg chg="mod modGraphic">
+          <ac:chgData name="Tolliver, Kyle" userId="S::kctolli@byui.edu::7cd0e227-5eec-47da-b0d1-6fddf0bfb0ee" providerId="AD" clId="Web-{2C8DD82F-A090-DF99-3C7D-76D8502C5974}" dt="2020-05-11T22:39:22.881" v="25"/>
+          <ac:graphicFrameMkLst>
+            <pc:docMk/>
+            <pc:sldMk cId="2953551922" sldId="354"/>
+            <ac:graphicFrameMk id="3" creationId="{00000000-0000-0000-0000-000000000000}"/>
+          </ac:graphicFrameMkLst>
+        </pc:graphicFrameChg>
       </pc:sldChg>
     </pc:docChg>
   </pc:docChgLst>
@@ -700,23 +845,23 @@
     </pc:docChg>
   </pc:docChgLst>
   <pc:docChgLst>
-    <pc:chgData name="Tolliver, Kyle" userId="S::kctolli@byui.edu::7cd0e227-5eec-47da-b0d1-6fddf0bfb0ee" providerId="AD" clId="Web-{785D10A1-FBA5-6438-F536-C1028FB9E0CD}"/>
+    <pc:chgData name="Cheney, Spencer" userId="S::spencercheney@byui.edu::360f47fc-098b-4f01-9f2f-bd16741641cb" providerId="AD" clId="Web-{2818EC38-4086-884A-CB34-B43072C16978}"/>
     <pc:docChg chg="modSld">
-      <pc:chgData name="Tolliver, Kyle" userId="S::kctolli@byui.edu::7cd0e227-5eec-47da-b0d1-6fddf0bfb0ee" providerId="AD" clId="Web-{785D10A1-FBA5-6438-F536-C1028FB9E0CD}" dt="2020-05-12T23:42:57.159" v="21"/>
+      <pc:chgData name="Cheney, Spencer" userId="S::spencercheney@byui.edu::360f47fc-098b-4f01-9f2f-bd16741641cb" providerId="AD" clId="Web-{2818EC38-4086-884A-CB34-B43072C16978}" dt="2020-05-12T20:00:32.722" v="3"/>
       <pc:docMkLst>
         <pc:docMk/>
       </pc:docMkLst>
       <pc:sldChg chg="modSp">
-        <pc:chgData name="Tolliver, Kyle" userId="S::kctolli@byui.edu::7cd0e227-5eec-47da-b0d1-6fddf0bfb0ee" providerId="AD" clId="Web-{785D10A1-FBA5-6438-F536-C1028FB9E0CD}" dt="2020-05-12T23:42:57.159" v="21"/>
+        <pc:chgData name="Cheney, Spencer" userId="S::spencercheney@byui.edu::360f47fc-098b-4f01-9f2f-bd16741641cb" providerId="AD" clId="Web-{2818EC38-4086-884A-CB34-B43072C16978}" dt="2020-05-12T20:00:32.722" v="3"/>
         <pc:sldMkLst>
           <pc:docMk/>
-          <pc:sldMk cId="2953551922" sldId="354"/>
+          <pc:sldMk cId="2883114570" sldId="345"/>
         </pc:sldMkLst>
         <pc:graphicFrameChg chg="mod modGraphic">
-          <ac:chgData name="Tolliver, Kyle" userId="S::kctolli@byui.edu::7cd0e227-5eec-47da-b0d1-6fddf0bfb0ee" providerId="AD" clId="Web-{785D10A1-FBA5-6438-F536-C1028FB9E0CD}" dt="2020-05-12T23:42:57.159" v="21"/>
+          <ac:chgData name="Cheney, Spencer" userId="S::spencercheney@byui.edu::360f47fc-098b-4f01-9f2f-bd16741641cb" providerId="AD" clId="Web-{2818EC38-4086-884A-CB34-B43072C16978}" dt="2020-05-12T20:00:32.722" v="3"/>
           <ac:graphicFrameMkLst>
             <pc:docMk/>
-            <pc:sldMk cId="2953551922" sldId="354"/>
+            <pc:sldMk cId="2883114570" sldId="345"/>
             <ac:graphicFrameMk id="4" creationId="{00000000-0000-0000-0000-000000000000}"/>
           </ac:graphicFrameMkLst>
         </pc:graphicFrameChg>
@@ -724,94 +869,41 @@
     </pc:docChg>
   </pc:docChgLst>
   <pc:docChgLst>
-    <pc:chgData name="Tolliver, Kyle" userId="S::kctolli@byui.edu::7cd0e227-5eec-47da-b0d1-6fddf0bfb0ee" providerId="AD" clId="Web-{2C8DD82F-A090-DF99-3C7D-76D8502C5974}"/>
+    <pc:chgData name="Porter, Chris" userId="S::portrchris@byui.edu::bacc3cf6-3423-4651-ad82-46a37d3432a1" providerId="AD" clId="Web-{B0C47ABC-F8E1-8CF5-4483-FA6E24301490}"/>
     <pc:docChg chg="modSld">
-      <pc:chgData name="Tolliver, Kyle" userId="S::kctolli@byui.edu::7cd0e227-5eec-47da-b0d1-6fddf0bfb0ee" providerId="AD" clId="Web-{2C8DD82F-A090-DF99-3C7D-76D8502C5974}" dt="2020-05-11T22:49:44.946" v="536" actId="20577"/>
+      <pc:chgData name="Porter, Chris" userId="S::portrchris@byui.edu::bacc3cf6-3423-4651-ad82-46a37d3432a1" providerId="AD" clId="Web-{B0C47ABC-F8E1-8CF5-4483-FA6E24301490}" dt="2020-05-12T18:01:20.433" v="135" actId="20577"/>
       <pc:docMkLst>
         <pc:docMk/>
       </pc:docMkLst>
       <pc:sldChg chg="modSp">
-        <pc:chgData name="Tolliver, Kyle" userId="S::kctolli@byui.edu::7cd0e227-5eec-47da-b0d1-6fddf0bfb0ee" providerId="AD" clId="Web-{2C8DD82F-A090-DF99-3C7D-76D8502C5974}" dt="2020-05-11T22:49:21.211" v="534" actId="20577"/>
+        <pc:chgData name="Porter, Chris" userId="S::portrchris@byui.edu::bacc3cf6-3423-4651-ad82-46a37d3432a1" providerId="AD" clId="Web-{B0C47ABC-F8E1-8CF5-4483-FA6E24301490}" dt="2020-05-12T18:01:18.495" v="133" actId="20577"/>
         <pc:sldMkLst>
           <pc:docMk/>
-          <pc:sldMk cId="1374183101" sldId="350"/>
+          <pc:sldMk cId="2606426039" sldId="333"/>
         </pc:sldMkLst>
         <pc:spChg chg="mod">
-          <ac:chgData name="Tolliver, Kyle" userId="S::kctolli@byui.edu::7cd0e227-5eec-47da-b0d1-6fddf0bfb0ee" providerId="AD" clId="Web-{2C8DD82F-A090-DF99-3C7D-76D8502C5974}" dt="2020-05-11T22:49:21.211" v="534" actId="20577"/>
+          <ac:chgData name="Porter, Chris" userId="S::portrchris@byui.edu::bacc3cf6-3423-4651-ad82-46a37d3432a1" providerId="AD" clId="Web-{B0C47ABC-F8E1-8CF5-4483-FA6E24301490}" dt="2020-05-12T18:01:18.495" v="133" actId="20577"/>
           <ac:spMkLst>
             <pc:docMk/>
-            <pc:sldMk cId="1374183101" sldId="350"/>
+            <pc:sldMk cId="2606426039" sldId="333"/>
             <ac:spMk id="3" creationId="{00000000-0000-0000-0000-000000000000}"/>
           </ac:spMkLst>
         </pc:spChg>
       </pc:sldChg>
       <pc:sldChg chg="modSp">
-        <pc:chgData name="Tolliver, Kyle" userId="S::kctolli@byui.edu::7cd0e227-5eec-47da-b0d1-6fddf0bfb0ee" providerId="AD" clId="Web-{2C8DD82F-A090-DF99-3C7D-76D8502C5974}" dt="2020-05-11T22:45:58.137" v="385"/>
+        <pc:chgData name="Porter, Chris" userId="S::portrchris@byui.edu::bacc3cf6-3423-4651-ad82-46a37d3432a1" providerId="AD" clId="Web-{B0C47ABC-F8E1-8CF5-4483-FA6E24301490}" dt="2020-05-12T18:00:41.011" v="42" actId="20577"/>
         <pc:sldMkLst>
           <pc:docMk/>
-          <pc:sldMk cId="2158812019" sldId="351"/>
-        </pc:sldMkLst>
-        <pc:graphicFrameChg chg="mod modGraphic">
-          <ac:chgData name="Tolliver, Kyle" userId="S::kctolli@byui.edu::7cd0e227-5eec-47da-b0d1-6fddf0bfb0ee" providerId="AD" clId="Web-{2C8DD82F-A090-DF99-3C7D-76D8502C5974}" dt="2020-05-11T22:45:58.137" v="385"/>
-          <ac:graphicFrameMkLst>
-            <pc:docMk/>
-            <pc:sldMk cId="2158812019" sldId="351"/>
-            <ac:graphicFrameMk id="3" creationId="{00000000-0000-0000-0000-000000000000}"/>
-          </ac:graphicFrameMkLst>
-        </pc:graphicFrameChg>
-        <pc:graphicFrameChg chg="mod modGraphic">
-          <ac:chgData name="Tolliver, Kyle" userId="S::kctolli@byui.edu::7cd0e227-5eec-47da-b0d1-6fddf0bfb0ee" providerId="AD" clId="Web-{2C8DD82F-A090-DF99-3C7D-76D8502C5974}" dt="2020-05-11T22:44:20.460" v="283"/>
-          <ac:graphicFrameMkLst>
-            <pc:docMk/>
-            <pc:sldMk cId="2158812019" sldId="351"/>
-            <ac:graphicFrameMk id="4" creationId="{00000000-0000-0000-0000-000000000000}"/>
-          </ac:graphicFrameMkLst>
-        </pc:graphicFrameChg>
-      </pc:sldChg>
-      <pc:sldChg chg="modSp">
-        <pc:chgData name="Tolliver, Kyle" userId="S::kctolli@byui.edu::7cd0e227-5eec-47da-b0d1-6fddf0bfb0ee" providerId="AD" clId="Web-{2C8DD82F-A090-DF99-3C7D-76D8502C5974}" dt="2020-05-11T22:41:33.138" v="178" actId="20577"/>
-        <pc:sldMkLst>
-          <pc:docMk/>
-          <pc:sldMk cId="871459680" sldId="352"/>
+          <pc:sldMk cId="3333040100" sldId="336"/>
         </pc:sldMkLst>
         <pc:spChg chg="mod">
-          <ac:chgData name="Tolliver, Kyle" userId="S::kctolli@byui.edu::7cd0e227-5eec-47da-b0d1-6fddf0bfb0ee" providerId="AD" clId="Web-{2C8DD82F-A090-DF99-3C7D-76D8502C5974}" dt="2020-05-11T22:41:33.138" v="178" actId="20577"/>
+          <ac:chgData name="Porter, Chris" userId="S::portrchris@byui.edu::bacc3cf6-3423-4651-ad82-46a37d3432a1" providerId="AD" clId="Web-{B0C47ABC-F8E1-8CF5-4483-FA6E24301490}" dt="2020-05-12T18:00:41.011" v="42" actId="20577"/>
           <ac:spMkLst>
             <pc:docMk/>
-            <pc:sldMk cId="871459680" sldId="352"/>
+            <pc:sldMk cId="3333040100" sldId="336"/>
             <ac:spMk id="3" creationId="{00000000-0000-0000-0000-000000000000}"/>
           </ac:spMkLst>
         </pc:spChg>
-      </pc:sldChg>
-      <pc:sldChg chg="modSp">
-        <pc:chgData name="Tolliver, Kyle" userId="S::kctolli@byui.edu::7cd0e227-5eec-47da-b0d1-6fddf0bfb0ee" providerId="AD" clId="Web-{2C8DD82F-A090-DF99-3C7D-76D8502C5974}" dt="2020-05-11T22:49:44.946" v="536" actId="20577"/>
-        <pc:sldMkLst>
-          <pc:docMk/>
-          <pc:sldMk cId="2897208300" sldId="353"/>
-        </pc:sldMkLst>
-        <pc:spChg chg="mod">
-          <ac:chgData name="Tolliver, Kyle" userId="S::kctolli@byui.edu::7cd0e227-5eec-47da-b0d1-6fddf0bfb0ee" providerId="AD" clId="Web-{2C8DD82F-A090-DF99-3C7D-76D8502C5974}" dt="2020-05-11T22:49:44.946" v="536" actId="20577"/>
-          <ac:spMkLst>
-            <pc:docMk/>
-            <pc:sldMk cId="2897208300" sldId="353"/>
-            <ac:spMk id="3" creationId="{00000000-0000-0000-0000-000000000000}"/>
-          </ac:spMkLst>
-        </pc:spChg>
-      </pc:sldChg>
-      <pc:sldChg chg="modSp">
-        <pc:chgData name="Tolliver, Kyle" userId="S::kctolli@byui.edu::7cd0e227-5eec-47da-b0d1-6fddf0bfb0ee" providerId="AD" clId="Web-{2C8DD82F-A090-DF99-3C7D-76D8502C5974}" dt="2020-05-11T22:39:22.881" v="25"/>
-        <pc:sldMkLst>
-          <pc:docMk/>
-          <pc:sldMk cId="2953551922" sldId="354"/>
-        </pc:sldMkLst>
-        <pc:graphicFrameChg chg="mod modGraphic">
-          <ac:chgData name="Tolliver, Kyle" userId="S::kctolli@byui.edu::7cd0e227-5eec-47da-b0d1-6fddf0bfb0ee" providerId="AD" clId="Web-{2C8DD82F-A090-DF99-3C7D-76D8502C5974}" dt="2020-05-11T22:39:22.881" v="25"/>
-          <ac:graphicFrameMkLst>
-            <pc:docMk/>
-            <pc:sldMk cId="2953551922" sldId="354"/>
-            <ac:graphicFrameMk id="3" creationId="{00000000-0000-0000-0000-000000000000}"/>
-          </ac:graphicFrameMkLst>
-        </pc:graphicFrameChg>
       </pc:sldChg>
     </pc:docChg>
   </pc:docChgLst>
@@ -1320,10 +1412,10 @@
           </a:ln>
           <a:extLst>
             <a:ext uri="{FAA26D3D-D897-4be2-8F04-BA451C77F1D7}">
-              <ma14:placeholderFlag xmlns:ma14="http://schemas.microsoft.com/office/mac/drawingml/2011/main" xmlns="" val="1"/>
+              <ma14:placeholderFlag xmlns="" xmlns:ma14="http://schemas.microsoft.com/office/mac/drawingml/2011/main" val="1"/>
             </a:ext>
             <a:ext uri="{909E8E84-426E-40dd-AFC4-6F175D3DCCD1}">
-              <a14:hiddenFill xmlns:a14="http://schemas.microsoft.com/office/drawing/2010/main" xmlns="">
+              <a14:hiddenFill xmlns="" xmlns:a14="http://schemas.microsoft.com/office/drawing/2010/main">
                 <a:solidFill>
                   <a:srgbClr val="FFFFFF"/>
                 </a:solidFill>
@@ -1637,430 +1729,6 @@
     </a:lvl9pPr>
   </p:notesStyle>
 </p:notesMaster>
-</file>
-
-<file path=ppt/notesSlides/notesSlide1.xml><?xml version="1.0" encoding="utf-8"?>
-<p:notes xmlns:a="http://schemas.openxmlformats.org/drawingml/2006/main" xmlns:r="http://schemas.openxmlformats.org/officeDocument/2006/relationships" xmlns:p="http://schemas.openxmlformats.org/presentationml/2006/main">
-  <p:cSld>
-    <p:spTree>
-      <p:nvGrpSpPr>
-        <p:cNvPr id="1" name=""/>
-        <p:cNvGrpSpPr/>
-        <p:nvPr/>
-      </p:nvGrpSpPr>
-      <p:grpSpPr>
-        <a:xfrm>
-          <a:off x="0" y="0"/>
-          <a:ext cx="0" cy="0"/>
-          <a:chOff x="0" y="0"/>
-          <a:chExt cx="0" cy="0"/>
-        </a:xfrm>
-      </p:grpSpPr>
-      <p:sp>
-        <p:nvSpPr>
-          <p:cNvPr id="2" name="Slide Image Placeholder 1"/>
-          <p:cNvSpPr>
-            <a:spLocks noGrp="1" noRot="1" noChangeAspect="1"/>
-          </p:cNvSpPr>
-          <p:nvPr>
-            <p:ph type="sldImg"/>
-          </p:nvPr>
-        </p:nvSpPr>
-        <p:spPr/>
-      </p:sp>
-      <p:sp>
-        <p:nvSpPr>
-          <p:cNvPr id="3" name="Notes Placeholder 2"/>
-          <p:cNvSpPr>
-            <a:spLocks noGrp="1"/>
-          </p:cNvSpPr>
-          <p:nvPr>
-            <p:ph type="body" idx="1"/>
-          </p:nvPr>
-        </p:nvSpPr>
-        <p:spPr/>
-        <p:txBody>
-          <a:bodyPr/>
-          <a:lstStyle/>
-          <a:p>
-            <a:r>
-              <a:rPr lang="en-US"/>
-              <a:t>Taken</a:t>
-            </a:r>
-            <a:r>
-              <a:rPr lang="en-US" baseline="0"/>
-              <a:t> from Elder </a:t>
-            </a:r>
-            <a:r>
-              <a:rPr lang="en-US" baseline="0" err="1"/>
-              <a:t>Bednar’s</a:t>
-            </a:r>
-            <a:r>
-              <a:rPr lang="en-US" baseline="0"/>
-              <a:t> address:  http://www2.byui.edu/Presentations/Transcripts/Devotionals/2006_10_31_Bednar.htm</a:t>
-            </a:r>
-            <a:endParaRPr lang="en-US"/>
-          </a:p>
-        </p:txBody>
-      </p:sp>
-      <p:sp>
-        <p:nvSpPr>
-          <p:cNvPr id="4" name="Slide Number Placeholder 3"/>
-          <p:cNvSpPr>
-            <a:spLocks noGrp="1"/>
-          </p:cNvSpPr>
-          <p:nvPr>
-            <p:ph type="sldNum" sz="quarter" idx="10"/>
-          </p:nvPr>
-        </p:nvSpPr>
-        <p:spPr/>
-        <p:txBody>
-          <a:bodyPr/>
-          <a:lstStyle/>
-          <a:p>
-            <a:pPr>
-              <a:defRPr/>
-            </a:pPr>
-            <a:fld id="{51342D44-898C-604E-9C02-B4C04BCE3A57}" type="slidenum">
-              <a:rPr lang="en-US" smtClean="0"/>
-              <a:pPr>
-                <a:defRPr/>
-              </a:pPr>
-              <a:t>5</a:t>
-            </a:fld>
-            <a:endParaRPr lang="en-US"/>
-          </a:p>
-        </p:txBody>
-      </p:sp>
-    </p:spTree>
-    <p:extLst>
-      <p:ext uri="{BB962C8B-B14F-4D97-AF65-F5344CB8AC3E}">
-        <p14:creationId xmlns:p14="http://schemas.microsoft.com/office/powerpoint/2010/main" val="2014853306"/>
-      </p:ext>
-    </p:extLst>
-  </p:cSld>
-  <p:clrMapOvr>
-    <a:masterClrMapping/>
-  </p:clrMapOvr>
-</p:notes>
-</file>
-
-<file path=ppt/notesSlides/notesSlide2.xml><?xml version="1.0" encoding="utf-8"?>
-<p:notes xmlns:a="http://schemas.openxmlformats.org/drawingml/2006/main" xmlns:r="http://schemas.openxmlformats.org/officeDocument/2006/relationships" xmlns:p="http://schemas.openxmlformats.org/presentationml/2006/main">
-  <p:cSld>
-    <p:spTree>
-      <p:nvGrpSpPr>
-        <p:cNvPr id="1" name=""/>
-        <p:cNvGrpSpPr/>
-        <p:nvPr/>
-      </p:nvGrpSpPr>
-      <p:grpSpPr>
-        <a:xfrm>
-          <a:off x="0" y="0"/>
-          <a:ext cx="0" cy="0"/>
-          <a:chOff x="0" y="0"/>
-          <a:chExt cx="0" cy="0"/>
-        </a:xfrm>
-      </p:grpSpPr>
-      <p:sp>
-        <p:nvSpPr>
-          <p:cNvPr id="2" name="Slide Image Placeholder 1"/>
-          <p:cNvSpPr>
-            <a:spLocks noGrp="1" noRot="1" noChangeAspect="1"/>
-          </p:cNvSpPr>
-          <p:nvPr>
-            <p:ph type="sldImg"/>
-          </p:nvPr>
-        </p:nvSpPr>
-        <p:spPr/>
-      </p:sp>
-      <p:sp>
-        <p:nvSpPr>
-          <p:cNvPr id="3" name="Notes Placeholder 2"/>
-          <p:cNvSpPr>
-            <a:spLocks noGrp="1"/>
-          </p:cNvSpPr>
-          <p:nvPr>
-            <p:ph type="body" idx="1"/>
-          </p:nvPr>
-        </p:nvSpPr>
-        <p:spPr/>
-        <p:txBody>
-          <a:bodyPr/>
-          <a:lstStyle/>
-          <a:p>
-            <a:r>
-              <a:rPr lang="en-US"/>
-              <a:t>Taken</a:t>
-            </a:r>
-            <a:r>
-              <a:rPr lang="en-US" baseline="0"/>
-              <a:t> from Elder </a:t>
-            </a:r>
-            <a:r>
-              <a:rPr lang="en-US" baseline="0" err="1"/>
-              <a:t>Bednar’s</a:t>
-            </a:r>
-            <a:r>
-              <a:rPr lang="en-US" baseline="0"/>
-              <a:t> address:  http://www2.byui.edu/Presentations/Transcripts/Devotionals/2006_10_31_Bednar.htm</a:t>
-            </a:r>
-            <a:endParaRPr lang="en-US"/>
-          </a:p>
-        </p:txBody>
-      </p:sp>
-      <p:sp>
-        <p:nvSpPr>
-          <p:cNvPr id="4" name="Slide Number Placeholder 3"/>
-          <p:cNvSpPr>
-            <a:spLocks noGrp="1"/>
-          </p:cNvSpPr>
-          <p:nvPr>
-            <p:ph type="sldNum" sz="quarter" idx="10"/>
-          </p:nvPr>
-        </p:nvSpPr>
-        <p:spPr/>
-        <p:txBody>
-          <a:bodyPr/>
-          <a:lstStyle/>
-          <a:p>
-            <a:pPr>
-              <a:defRPr/>
-            </a:pPr>
-            <a:fld id="{51342D44-898C-604E-9C02-B4C04BCE3A57}" type="slidenum">
-              <a:rPr lang="en-US" smtClean="0"/>
-              <a:pPr>
-                <a:defRPr/>
-              </a:pPr>
-              <a:t>11</a:t>
-            </a:fld>
-            <a:endParaRPr lang="en-US"/>
-          </a:p>
-        </p:txBody>
-      </p:sp>
-    </p:spTree>
-    <p:extLst>
-      <p:ext uri="{BB962C8B-B14F-4D97-AF65-F5344CB8AC3E}">
-        <p14:creationId xmlns:p14="http://schemas.microsoft.com/office/powerpoint/2010/main" val="3959322124"/>
-      </p:ext>
-    </p:extLst>
-  </p:cSld>
-  <p:clrMapOvr>
-    <a:masterClrMapping/>
-  </p:clrMapOvr>
-</p:notes>
-</file>
-
-<file path=ppt/notesSlides/notesSlide3.xml><?xml version="1.0" encoding="utf-8"?>
-<p:notes xmlns:a="http://schemas.openxmlformats.org/drawingml/2006/main" xmlns:r="http://schemas.openxmlformats.org/officeDocument/2006/relationships" xmlns:p="http://schemas.openxmlformats.org/presentationml/2006/main">
-  <p:cSld>
-    <p:spTree>
-      <p:nvGrpSpPr>
-        <p:cNvPr id="1" name=""/>
-        <p:cNvGrpSpPr/>
-        <p:nvPr/>
-      </p:nvGrpSpPr>
-      <p:grpSpPr>
-        <a:xfrm>
-          <a:off x="0" y="0"/>
-          <a:ext cx="0" cy="0"/>
-          <a:chOff x="0" y="0"/>
-          <a:chExt cx="0" cy="0"/>
-        </a:xfrm>
-      </p:grpSpPr>
-      <p:sp>
-        <p:nvSpPr>
-          <p:cNvPr id="2" name="Slide Image Placeholder 1"/>
-          <p:cNvSpPr>
-            <a:spLocks noGrp="1" noRot="1" noChangeAspect="1"/>
-          </p:cNvSpPr>
-          <p:nvPr>
-            <p:ph type="sldImg"/>
-          </p:nvPr>
-        </p:nvSpPr>
-        <p:spPr/>
-      </p:sp>
-      <p:sp>
-        <p:nvSpPr>
-          <p:cNvPr id="3" name="Notes Placeholder 2"/>
-          <p:cNvSpPr>
-            <a:spLocks noGrp="1"/>
-          </p:cNvSpPr>
-          <p:nvPr>
-            <p:ph type="body" idx="1"/>
-          </p:nvPr>
-        </p:nvSpPr>
-        <p:spPr/>
-        <p:txBody>
-          <a:bodyPr/>
-          <a:lstStyle/>
-          <a:p>
-            <a:r>
-              <a:rPr lang="en-US"/>
-              <a:t>Taken</a:t>
-            </a:r>
-            <a:r>
-              <a:rPr lang="en-US" baseline="0"/>
-              <a:t> from Elder </a:t>
-            </a:r>
-            <a:r>
-              <a:rPr lang="en-US" baseline="0" err="1"/>
-              <a:t>Bednar’s</a:t>
-            </a:r>
-            <a:r>
-              <a:rPr lang="en-US" baseline="0"/>
-              <a:t> address:  http://www2.byui.edu/Presentations/Transcripts/Devotionals/2006_10_31_Bednar.htm</a:t>
-            </a:r>
-            <a:endParaRPr lang="en-US"/>
-          </a:p>
-        </p:txBody>
-      </p:sp>
-      <p:sp>
-        <p:nvSpPr>
-          <p:cNvPr id="4" name="Slide Number Placeholder 3"/>
-          <p:cNvSpPr>
-            <a:spLocks noGrp="1"/>
-          </p:cNvSpPr>
-          <p:nvPr>
-            <p:ph type="sldNum" sz="quarter" idx="10"/>
-          </p:nvPr>
-        </p:nvSpPr>
-        <p:spPr/>
-        <p:txBody>
-          <a:bodyPr/>
-          <a:lstStyle/>
-          <a:p>
-            <a:pPr>
-              <a:defRPr/>
-            </a:pPr>
-            <a:fld id="{51342D44-898C-604E-9C02-B4C04BCE3A57}" type="slidenum">
-              <a:rPr lang="en-US" smtClean="0"/>
-              <a:pPr>
-                <a:defRPr/>
-              </a:pPr>
-              <a:t>17</a:t>
-            </a:fld>
-            <a:endParaRPr lang="en-US"/>
-          </a:p>
-        </p:txBody>
-      </p:sp>
-    </p:spTree>
-    <p:extLst>
-      <p:ext uri="{BB962C8B-B14F-4D97-AF65-F5344CB8AC3E}">
-        <p14:creationId xmlns:p14="http://schemas.microsoft.com/office/powerpoint/2010/main" val="3587682391"/>
-      </p:ext>
-    </p:extLst>
-  </p:cSld>
-  <p:clrMapOvr>
-    <a:masterClrMapping/>
-  </p:clrMapOvr>
-</p:notes>
-</file>
-
-<file path=ppt/notesSlides/notesSlide4.xml><?xml version="1.0" encoding="utf-8"?>
-<p:notes xmlns:a="http://schemas.openxmlformats.org/drawingml/2006/main" xmlns:r="http://schemas.openxmlformats.org/officeDocument/2006/relationships" xmlns:p="http://schemas.openxmlformats.org/presentationml/2006/main">
-  <p:cSld>
-    <p:spTree>
-      <p:nvGrpSpPr>
-        <p:cNvPr id="1" name=""/>
-        <p:cNvGrpSpPr/>
-        <p:nvPr/>
-      </p:nvGrpSpPr>
-      <p:grpSpPr>
-        <a:xfrm>
-          <a:off x="0" y="0"/>
-          <a:ext cx="0" cy="0"/>
-          <a:chOff x="0" y="0"/>
-          <a:chExt cx="0" cy="0"/>
-        </a:xfrm>
-      </p:grpSpPr>
-      <p:sp>
-        <p:nvSpPr>
-          <p:cNvPr id="2" name="Slide Image Placeholder 1"/>
-          <p:cNvSpPr>
-            <a:spLocks noGrp="1" noRot="1" noChangeAspect="1"/>
-          </p:cNvSpPr>
-          <p:nvPr>
-            <p:ph type="sldImg"/>
-          </p:nvPr>
-        </p:nvSpPr>
-        <p:spPr/>
-      </p:sp>
-      <p:sp>
-        <p:nvSpPr>
-          <p:cNvPr id="3" name="Notes Placeholder 2"/>
-          <p:cNvSpPr>
-            <a:spLocks noGrp="1"/>
-          </p:cNvSpPr>
-          <p:nvPr>
-            <p:ph type="body" idx="1"/>
-          </p:nvPr>
-        </p:nvSpPr>
-        <p:spPr/>
-        <p:txBody>
-          <a:bodyPr/>
-          <a:lstStyle/>
-          <a:p>
-            <a:r>
-              <a:rPr lang="en-US"/>
-              <a:t>Taken</a:t>
-            </a:r>
-            <a:r>
-              <a:rPr lang="en-US" baseline="0"/>
-              <a:t> from Elder </a:t>
-            </a:r>
-            <a:r>
-              <a:rPr lang="en-US" baseline="0" err="1"/>
-              <a:t>Bednar’s</a:t>
-            </a:r>
-            <a:r>
-              <a:rPr lang="en-US" baseline="0"/>
-              <a:t> address:  http://www2.byui.edu/Presentations/Transcripts/Devotionals/2006_10_31_Bednar.htm</a:t>
-            </a:r>
-            <a:endParaRPr lang="en-US"/>
-          </a:p>
-        </p:txBody>
-      </p:sp>
-      <p:sp>
-        <p:nvSpPr>
-          <p:cNvPr id="4" name="Slide Number Placeholder 3"/>
-          <p:cNvSpPr>
-            <a:spLocks noGrp="1"/>
-          </p:cNvSpPr>
-          <p:nvPr>
-            <p:ph type="sldNum" sz="quarter" idx="10"/>
-          </p:nvPr>
-        </p:nvSpPr>
-        <p:spPr/>
-        <p:txBody>
-          <a:bodyPr/>
-          <a:lstStyle/>
-          <a:p>
-            <a:pPr>
-              <a:defRPr/>
-            </a:pPr>
-            <a:fld id="{51342D44-898C-604E-9C02-B4C04BCE3A57}" type="slidenum">
-              <a:rPr lang="en-US" smtClean="0"/>
-              <a:pPr>
-                <a:defRPr/>
-              </a:pPr>
-              <a:t>23</a:t>
-            </a:fld>
-            <a:endParaRPr lang="en-US"/>
-          </a:p>
-        </p:txBody>
-      </p:sp>
-    </p:spTree>
-    <p:extLst>
-      <p:ext uri="{BB962C8B-B14F-4D97-AF65-F5344CB8AC3E}">
-        <p14:creationId xmlns:p14="http://schemas.microsoft.com/office/powerpoint/2010/main" val="1849296689"/>
-      </p:ext>
-    </p:extLst>
-  </p:cSld>
-  <p:clrMapOvr>
-    <a:masterClrMapping/>
-  </p:clrMapOvr>
-</p:notes>
 </file>
 
 <file path=ppt/slideLayouts/slideLayout1.xml><?xml version="1.0" encoding="utf-8"?>
@@ -2505,14 +2173,14 @@
           </a:ln>
           <a:extLst>
             <a:ext uri="{909E8E84-426E-40dd-AFC4-6F175D3DCCD1}">
-              <a14:hiddenFill xmlns:a14="http://schemas.microsoft.com/office/drawing/2010/main" xmlns="">
+              <a14:hiddenFill xmlns="" xmlns:a14="http://schemas.microsoft.com/office/drawing/2010/main">
                 <a:solidFill>
                   <a:srgbClr val="FFFFFF"/>
                 </a:solidFill>
               </a14:hiddenFill>
             </a:ext>
             <a:ext uri="{91240B29-F687-4f45-9708-019B960494DF}">
-              <a14:hiddenLine xmlns:a14="http://schemas.microsoft.com/office/drawing/2010/main" xmlns="" w="9525">
+              <a14:hiddenLine xmlns="" xmlns:a14="http://schemas.microsoft.com/office/drawing/2010/main" w="9525">
                 <a:solidFill>
                   <a:srgbClr val="000000"/>
                 </a:solidFill>
@@ -5699,1440 +5367,6 @@
           <a:p>
             <a:r>
               <a:rPr lang="en-US"/>
-              <a:t>Goals for this coming week</a:t>
-            </a:r>
-            <a:br>
-              <a:rPr lang="en-US"/>
-            </a:br>
-            <a:r>
-              <a:rPr lang="en-US" sz="1200"/>
-              <a:t>(Ones that move the project forward the most)</a:t>
-            </a:r>
-          </a:p>
-        </p:txBody>
-      </p:sp>
-      <p:graphicFrame>
-        <p:nvGraphicFramePr>
-          <p:cNvPr id="3" name="Table 2"/>
-          <p:cNvGraphicFramePr>
-            <a:graphicFrameLocks noGrp="1"/>
-          </p:cNvGraphicFramePr>
-          <p:nvPr>
-            <p:extLst>
-              <p:ext uri="{D42A27DB-BD31-4B8C-83A1-F6EECF244321}">
-                <p14:modId xmlns:p14="http://schemas.microsoft.com/office/powerpoint/2010/main" val="403556623"/>
-              </p:ext>
-            </p:extLst>
-          </p:nvPr>
-        </p:nvGraphicFramePr>
-        <p:xfrm>
-          <a:off x="685800" y="1371600"/>
-          <a:ext cx="10896600" cy="2133599"/>
-        </p:xfrm>
-        <a:graphic>
-          <a:graphicData uri="http://schemas.openxmlformats.org/drawingml/2006/table">
-            <a:tbl>
-              <a:tblPr firstRow="1" lastCol="1" bandRow="1">
-                <a:tableStyleId>{2D5ABB26-0587-4C30-8999-92F81FD0307C}</a:tableStyleId>
-              </a:tblPr>
-              <a:tblGrid>
-                <a:gridCol w="9397068">
-                  <a:extLst>
-                    <a:ext uri="{9D8B030D-6E8A-4147-A177-3AD203B41FA5}">
-                      <a16:colId xmlns:a16="http://schemas.microsoft.com/office/drawing/2014/main" val="20000"/>
-                    </a:ext>
-                  </a:extLst>
-                </a:gridCol>
-                <a:gridCol w="799750">
-                  <a:extLst>
-                    <a:ext uri="{9D8B030D-6E8A-4147-A177-3AD203B41FA5}">
-                      <a16:colId xmlns:a16="http://schemas.microsoft.com/office/drawing/2014/main" val="20001"/>
-                    </a:ext>
-                  </a:extLst>
-                </a:gridCol>
-                <a:gridCol w="699782">
-                  <a:extLst>
-                    <a:ext uri="{9D8B030D-6E8A-4147-A177-3AD203B41FA5}">
-                      <a16:colId xmlns:a16="http://schemas.microsoft.com/office/drawing/2014/main" val="20002"/>
-                    </a:ext>
-                  </a:extLst>
-                </a:gridCol>
-              </a:tblGrid>
-              <a:tr h="609599">
-                <a:tc>
-                  <a:txBody>
-                    <a:bodyPr/>
-                    <a:lstStyle/>
-                    <a:p>
-                      <a:pPr algn="l" fontAlgn="ctr"/>
-                      <a:r>
-                        <a:rPr lang="en-US" sz="1100" u="none" strike="noStrike">
-                          <a:solidFill>
-                            <a:schemeClr val="bg1"/>
-                          </a:solidFill>
-                          <a:effectLst/>
-                        </a:rPr>
-                        <a:t>Goal/Task</a:t>
-                      </a:r>
-                      <a:endParaRPr lang="en-US" sz="1100" b="0" i="0" u="none" strike="noStrike">
-                        <a:solidFill>
-                          <a:schemeClr val="bg1"/>
-                        </a:solidFill>
-                        <a:effectLst/>
-                        <a:latin typeface="Calibri" panose="020F0502020204030204" pitchFamily="34" charset="0"/>
-                      </a:endParaRPr>
-                    </a:p>
-                  </a:txBody>
-                  <a:tcPr marL="9525" marR="9525" marT="9525" marB="0" anchor="ctr">
-                    <a:lnL w="12700" cap="flat" cmpd="sng" algn="ctr">
-                      <a:solidFill>
-                        <a:schemeClr val="bg1">
-                          <a:lumMod val="65000"/>
-                        </a:schemeClr>
-                      </a:solidFill>
-                      <a:prstDash val="solid"/>
-                      <a:round/>
-                      <a:headEnd type="none" w="med" len="med"/>
-                      <a:tailEnd type="none" w="med" len="med"/>
-                    </a:lnL>
-                    <a:lnR w="12700" cap="flat" cmpd="sng" algn="ctr">
-                      <a:solidFill>
-                        <a:schemeClr val="bg1">
-                          <a:lumMod val="65000"/>
-                        </a:schemeClr>
-                      </a:solidFill>
-                      <a:prstDash val="solid"/>
-                      <a:round/>
-                      <a:headEnd type="none" w="med" len="med"/>
-                      <a:tailEnd type="none" w="med" len="med"/>
-                    </a:lnR>
-                    <a:lnT w="12700" cap="flat" cmpd="sng" algn="ctr">
-                      <a:solidFill>
-                        <a:schemeClr val="bg1">
-                          <a:lumMod val="65000"/>
-                        </a:schemeClr>
-                      </a:solidFill>
-                      <a:prstDash val="solid"/>
-                      <a:round/>
-                      <a:headEnd type="none" w="med" len="med"/>
-                      <a:tailEnd type="none" w="med" len="med"/>
-                    </a:lnT>
-                    <a:lnB w="12700" cap="flat" cmpd="sng" algn="ctr">
-                      <a:solidFill>
-                        <a:schemeClr val="bg1">
-                          <a:lumMod val="65000"/>
-                        </a:schemeClr>
-                      </a:solidFill>
-                      <a:prstDash val="solid"/>
-                      <a:round/>
-                      <a:headEnd type="none" w="med" len="med"/>
-                      <a:tailEnd type="none" w="med" len="med"/>
-                    </a:lnB>
-                  </a:tcPr>
-                </a:tc>
-                <a:tc>
-                  <a:txBody>
-                    <a:bodyPr/>
-                    <a:lstStyle/>
-                    <a:p>
-                      <a:pPr marL="0" marR="0" indent="0" algn="ctr" defTabSz="457200" rtl="0" eaLnBrk="1" fontAlgn="ctr" latinLnBrk="0" hangingPunct="1">
-                        <a:lnSpc>
-                          <a:spcPct val="100000"/>
-                        </a:lnSpc>
-                        <a:spcBef>
-                          <a:spcPts val="0"/>
-                        </a:spcBef>
-                        <a:spcAft>
-                          <a:spcPts val="0"/>
-                        </a:spcAft>
-                        <a:buClrTx/>
-                        <a:buSzTx/>
-                        <a:buFontTx/>
-                        <a:buNone/>
-                        <a:tabLst/>
-                        <a:defRPr/>
-                      </a:pPr>
-                      <a:r>
-                        <a:rPr lang="en-US" sz="1100" u="none" strike="noStrike">
-                          <a:solidFill>
-                            <a:schemeClr val="bg1"/>
-                          </a:solidFill>
-                          <a:effectLst/>
-                        </a:rPr>
-                        <a:t>Stop Date (Est.)</a:t>
-                      </a:r>
-                      <a:endParaRPr lang="en-US" sz="1100" b="0" i="0" u="none" strike="noStrike">
-                        <a:solidFill>
-                          <a:schemeClr val="bg1"/>
-                        </a:solidFill>
-                        <a:effectLst/>
-                        <a:latin typeface="Calibri" panose="020F0502020204030204" pitchFamily="34" charset="0"/>
-                      </a:endParaRPr>
-                    </a:p>
-                  </a:txBody>
-                  <a:tcPr marL="9525" marR="9525" marT="9525" marB="0" anchor="ctr">
-                    <a:lnL w="12700" cap="flat" cmpd="sng" algn="ctr">
-                      <a:solidFill>
-                        <a:schemeClr val="bg1">
-                          <a:lumMod val="65000"/>
-                        </a:schemeClr>
-                      </a:solidFill>
-                      <a:prstDash val="solid"/>
-                      <a:round/>
-                      <a:headEnd type="none" w="med" len="med"/>
-                      <a:tailEnd type="none" w="med" len="med"/>
-                    </a:lnL>
-                    <a:lnR w="12700" cap="flat" cmpd="sng" algn="ctr">
-                      <a:solidFill>
-                        <a:schemeClr val="bg1">
-                          <a:lumMod val="65000"/>
-                        </a:schemeClr>
-                      </a:solidFill>
-                      <a:prstDash val="solid"/>
-                      <a:round/>
-                      <a:headEnd type="none" w="med" len="med"/>
-                      <a:tailEnd type="none" w="med" len="med"/>
-                    </a:lnR>
-                    <a:lnT w="12700" cap="flat" cmpd="sng" algn="ctr">
-                      <a:solidFill>
-                        <a:schemeClr val="bg1">
-                          <a:lumMod val="65000"/>
-                        </a:schemeClr>
-                      </a:solidFill>
-                      <a:prstDash val="solid"/>
-                      <a:round/>
-                      <a:headEnd type="none" w="med" len="med"/>
-                      <a:tailEnd type="none" w="med" len="med"/>
-                    </a:lnT>
-                    <a:lnB w="12700" cap="flat" cmpd="sng" algn="ctr">
-                      <a:solidFill>
-                        <a:schemeClr val="bg1">
-                          <a:lumMod val="65000"/>
-                        </a:schemeClr>
-                      </a:solidFill>
-                      <a:prstDash val="solid"/>
-                      <a:round/>
-                      <a:headEnd type="none" w="med" len="med"/>
-                      <a:tailEnd type="none" w="med" len="med"/>
-                    </a:lnB>
-                  </a:tcPr>
-                </a:tc>
-                <a:tc>
-                  <a:txBody>
-                    <a:bodyPr/>
-                    <a:lstStyle/>
-                    <a:p>
-                      <a:pPr algn="ctr" fontAlgn="ctr"/>
-                      <a:endParaRPr lang="en-US" sz="1100" u="none" strike="noStrike">
-                        <a:solidFill>
-                          <a:schemeClr val="bg1"/>
-                        </a:solidFill>
-                        <a:effectLst/>
-                      </a:endParaRPr>
-                    </a:p>
-                    <a:p>
-                      <a:pPr marL="0" marR="0" indent="0" algn="ctr" defTabSz="457200" rtl="0" eaLnBrk="1" fontAlgn="ctr" latinLnBrk="0" hangingPunct="1">
-                        <a:lnSpc>
-                          <a:spcPct val="100000"/>
-                        </a:lnSpc>
-                        <a:spcBef>
-                          <a:spcPts val="0"/>
-                        </a:spcBef>
-                        <a:spcAft>
-                          <a:spcPts val="0"/>
-                        </a:spcAft>
-                        <a:buClrTx/>
-                        <a:buSzTx/>
-                        <a:buFontTx/>
-                        <a:buNone/>
-                        <a:tabLst/>
-                        <a:defRPr/>
-                      </a:pPr>
-                      <a:r>
-                        <a:rPr lang="en-US" sz="1100" u="none" strike="noStrike">
-                          <a:solidFill>
-                            <a:schemeClr val="bg1"/>
-                          </a:solidFill>
-                          <a:effectLst/>
-                        </a:rPr>
-                        <a:t>Hours (Est.)</a:t>
-                      </a:r>
-                      <a:endParaRPr lang="en-US" sz="1100" b="0" i="0" u="none" strike="noStrike">
-                        <a:solidFill>
-                          <a:schemeClr val="bg1"/>
-                        </a:solidFill>
-                        <a:effectLst/>
-                        <a:latin typeface="Calibri" panose="020F0502020204030204" pitchFamily="34" charset="0"/>
-                      </a:endParaRPr>
-                    </a:p>
-                  </a:txBody>
-                  <a:tcPr marL="9525" marR="9525" marT="9525" marB="0" anchor="ctr">
-                    <a:lnL w="12700" cap="flat" cmpd="sng" algn="ctr">
-                      <a:solidFill>
-                        <a:schemeClr val="bg1">
-                          <a:lumMod val="65000"/>
-                        </a:schemeClr>
-                      </a:solidFill>
-                      <a:prstDash val="solid"/>
-                      <a:round/>
-                      <a:headEnd type="none" w="med" len="med"/>
-                      <a:tailEnd type="none" w="med" len="med"/>
-                    </a:lnL>
-                    <a:lnR w="12700" cap="flat" cmpd="sng" algn="ctr">
-                      <a:solidFill>
-                        <a:schemeClr val="bg1">
-                          <a:lumMod val="65000"/>
-                        </a:schemeClr>
-                      </a:solidFill>
-                      <a:prstDash val="solid"/>
-                      <a:round/>
-                      <a:headEnd type="none" w="med" len="med"/>
-                      <a:tailEnd type="none" w="med" len="med"/>
-                    </a:lnR>
-                    <a:lnT w="12700" cap="flat" cmpd="sng" algn="ctr">
-                      <a:solidFill>
-                        <a:schemeClr val="bg1">
-                          <a:lumMod val="65000"/>
-                        </a:schemeClr>
-                      </a:solidFill>
-                      <a:prstDash val="solid"/>
-                      <a:round/>
-                      <a:headEnd type="none" w="med" len="med"/>
-                      <a:tailEnd type="none" w="med" len="med"/>
-                    </a:lnT>
-                    <a:lnB w="12700" cap="flat" cmpd="sng" algn="ctr">
-                      <a:solidFill>
-                        <a:schemeClr val="bg1">
-                          <a:lumMod val="65000"/>
-                        </a:schemeClr>
-                      </a:solidFill>
-                      <a:prstDash val="solid"/>
-                      <a:round/>
-                      <a:headEnd type="none" w="med" len="med"/>
-                      <a:tailEnd type="none" w="med" len="med"/>
-                    </a:lnB>
-                  </a:tcPr>
-                </a:tc>
-                <a:extLst>
-                  <a:ext uri="{0D108BD9-81ED-4DB2-BD59-A6C34878D82A}">
-                    <a16:rowId xmlns:a16="http://schemas.microsoft.com/office/drawing/2014/main" val="10000"/>
-                  </a:ext>
-                </a:extLst>
-              </a:tr>
-              <a:tr h="381000">
-                <a:tc>
-                  <a:txBody>
-                    <a:bodyPr/>
-                    <a:lstStyle/>
-                    <a:p>
-                      <a:pPr algn="l" fontAlgn="b"/>
-                      <a:r>
-                        <a:rPr lang="en-US" sz="1100" u="none" strike="noStrike">
-                          <a:solidFill>
-                            <a:schemeClr val="bg1"/>
-                          </a:solidFill>
-                          <a:effectLst/>
-                        </a:rPr>
-                        <a:t> </a:t>
-                      </a:r>
-                      <a:r>
-                        <a:rPr lang="en-US" sz="1100" b="0" i="0" u="none" strike="noStrike" noProof="0">
-                          <a:solidFill>
-                            <a:schemeClr val="bg1"/>
-                          </a:solidFill>
-                          <a:effectLst/>
-                          <a:latin typeface="Arial"/>
-                        </a:rPr>
-                        <a:t>Finish soldiering PCB</a:t>
-                      </a:r>
-                      <a:endParaRPr lang="en-US" sz="1100" b="0" i="0" u="none" strike="noStrike">
-                        <a:solidFill>
-                          <a:schemeClr val="bg1"/>
-                        </a:solidFill>
-                        <a:effectLst/>
-                        <a:latin typeface="Calibri" panose="020F0502020204030204" pitchFamily="34" charset="0"/>
-                      </a:endParaRPr>
-                    </a:p>
-                  </a:txBody>
-                  <a:tcPr marL="9525" marR="9525" marT="9525" marB="0" anchor="ctr">
-                    <a:lnL w="12700" cap="flat" cmpd="sng" algn="ctr">
-                      <a:solidFill>
-                        <a:schemeClr val="bg1">
-                          <a:lumMod val="65000"/>
-                        </a:schemeClr>
-                      </a:solidFill>
-                      <a:prstDash val="solid"/>
-                      <a:round/>
-                      <a:headEnd type="none" w="med" len="med"/>
-                      <a:tailEnd type="none" w="med" len="med"/>
-                    </a:lnL>
-                    <a:lnR w="12700" cap="flat" cmpd="sng" algn="ctr">
-                      <a:solidFill>
-                        <a:schemeClr val="bg1">
-                          <a:lumMod val="65000"/>
-                        </a:schemeClr>
-                      </a:solidFill>
-                      <a:prstDash val="solid"/>
-                      <a:round/>
-                      <a:headEnd type="none" w="med" len="med"/>
-                      <a:tailEnd type="none" w="med" len="med"/>
-                    </a:lnR>
-                    <a:lnT w="12700" cap="flat" cmpd="sng" algn="ctr">
-                      <a:solidFill>
-                        <a:schemeClr val="bg1">
-                          <a:lumMod val="65000"/>
-                        </a:schemeClr>
-                      </a:solidFill>
-                      <a:prstDash val="solid"/>
-                      <a:round/>
-                      <a:headEnd type="none" w="med" len="med"/>
-                      <a:tailEnd type="none" w="med" len="med"/>
-                    </a:lnT>
-                    <a:lnB w="12700" cap="flat" cmpd="sng" algn="ctr">
-                      <a:solidFill>
-                        <a:schemeClr val="bg1">
-                          <a:lumMod val="65000"/>
-                        </a:schemeClr>
-                      </a:solidFill>
-                      <a:prstDash val="solid"/>
-                      <a:round/>
-                      <a:headEnd type="none" w="med" len="med"/>
-                      <a:tailEnd type="none" w="med" len="med"/>
-                    </a:lnB>
-                  </a:tcPr>
-                </a:tc>
-                <a:tc>
-                  <a:txBody>
-                    <a:bodyPr/>
-                    <a:lstStyle/>
-                    <a:p>
-                      <a:pPr algn="l" fontAlgn="b"/>
-                      <a:r>
-                        <a:rPr lang="en-US" sz="1100" b="0" i="0" u="none" strike="noStrike">
-                          <a:solidFill>
-                            <a:schemeClr val="bg1"/>
-                          </a:solidFill>
-                          <a:effectLst/>
-                          <a:latin typeface="Calibri"/>
-                        </a:rPr>
-                        <a:t>May 18, 2020</a:t>
-                      </a:r>
-                      <a:endParaRPr lang="en-US" sz="1100" b="0" i="0" u="none" strike="noStrike">
-                        <a:solidFill>
-                          <a:schemeClr val="bg1"/>
-                        </a:solidFill>
-                        <a:effectLst/>
-                        <a:latin typeface="Calibri" panose="020F0502020204030204" pitchFamily="34" charset="0"/>
-                      </a:endParaRPr>
-                    </a:p>
-                  </a:txBody>
-                  <a:tcPr marL="9525" marR="9525" marT="9525" marB="0" anchor="b">
-                    <a:lnL w="12700" cap="flat" cmpd="sng" algn="ctr">
-                      <a:solidFill>
-                        <a:schemeClr val="bg1">
-                          <a:lumMod val="65000"/>
-                        </a:schemeClr>
-                      </a:solidFill>
-                      <a:prstDash val="solid"/>
-                      <a:round/>
-                      <a:headEnd type="none" w="med" len="med"/>
-                      <a:tailEnd type="none" w="med" len="med"/>
-                    </a:lnL>
-                    <a:lnR w="12700" cap="flat" cmpd="sng" algn="ctr">
-                      <a:solidFill>
-                        <a:schemeClr val="bg1">
-                          <a:lumMod val="65000"/>
-                        </a:schemeClr>
-                      </a:solidFill>
-                      <a:prstDash val="solid"/>
-                      <a:round/>
-                      <a:headEnd type="none" w="med" len="med"/>
-                      <a:tailEnd type="none" w="med" len="med"/>
-                    </a:lnR>
-                    <a:lnT w="12700" cap="flat" cmpd="sng" algn="ctr">
-                      <a:solidFill>
-                        <a:schemeClr val="bg1">
-                          <a:lumMod val="65000"/>
-                        </a:schemeClr>
-                      </a:solidFill>
-                      <a:prstDash val="solid"/>
-                      <a:round/>
-                      <a:headEnd type="none" w="med" len="med"/>
-                      <a:tailEnd type="none" w="med" len="med"/>
-                    </a:lnT>
-                    <a:lnB w="12700" cap="flat" cmpd="sng" algn="ctr">
-                      <a:solidFill>
-                        <a:schemeClr val="bg1">
-                          <a:lumMod val="65000"/>
-                        </a:schemeClr>
-                      </a:solidFill>
-                      <a:prstDash val="solid"/>
-                      <a:round/>
-                      <a:headEnd type="none" w="med" len="med"/>
-                      <a:tailEnd type="none" w="med" len="med"/>
-                    </a:lnB>
-                  </a:tcPr>
-                </a:tc>
-                <a:tc>
-                  <a:txBody>
-                    <a:bodyPr/>
-                    <a:lstStyle/>
-                    <a:p>
-                      <a:pPr algn="ctr" fontAlgn="ctr"/>
-                      <a:r>
-                        <a:rPr lang="en-US" sz="1100" u="none" strike="noStrike">
-                          <a:solidFill>
-                            <a:schemeClr val="bg1"/>
-                          </a:solidFill>
-                          <a:effectLst/>
-                        </a:rPr>
-                        <a:t> 8</a:t>
-                      </a:r>
-                      <a:endParaRPr lang="en-US" sz="1100" b="0" i="0" u="none" strike="noStrike">
-                        <a:solidFill>
-                          <a:schemeClr val="bg1"/>
-                        </a:solidFill>
-                        <a:effectLst/>
-                        <a:latin typeface="Calibri" panose="020F0502020204030204" pitchFamily="34" charset="0"/>
-                      </a:endParaRPr>
-                    </a:p>
-                  </a:txBody>
-                  <a:tcPr marL="9525" marR="9525" marT="9525" marB="0" anchor="ctr">
-                    <a:lnL w="12700" cap="flat" cmpd="sng" algn="ctr">
-                      <a:solidFill>
-                        <a:schemeClr val="bg1">
-                          <a:lumMod val="65000"/>
-                        </a:schemeClr>
-                      </a:solidFill>
-                      <a:prstDash val="solid"/>
-                      <a:round/>
-                      <a:headEnd type="none" w="med" len="med"/>
-                      <a:tailEnd type="none" w="med" len="med"/>
-                    </a:lnL>
-                    <a:lnR w="12700" cap="flat" cmpd="sng" algn="ctr">
-                      <a:solidFill>
-                        <a:schemeClr val="bg1">
-                          <a:lumMod val="65000"/>
-                        </a:schemeClr>
-                      </a:solidFill>
-                      <a:prstDash val="solid"/>
-                      <a:round/>
-                      <a:headEnd type="none" w="med" len="med"/>
-                      <a:tailEnd type="none" w="med" len="med"/>
-                    </a:lnR>
-                    <a:lnT w="12700" cap="flat" cmpd="sng" algn="ctr">
-                      <a:solidFill>
-                        <a:schemeClr val="bg1">
-                          <a:lumMod val="65000"/>
-                        </a:schemeClr>
-                      </a:solidFill>
-                      <a:prstDash val="solid"/>
-                      <a:round/>
-                      <a:headEnd type="none" w="med" len="med"/>
-                      <a:tailEnd type="none" w="med" len="med"/>
-                    </a:lnT>
-                    <a:lnB w="12700" cap="flat" cmpd="sng" algn="ctr">
-                      <a:solidFill>
-                        <a:schemeClr val="bg1">
-                          <a:lumMod val="65000"/>
-                        </a:schemeClr>
-                      </a:solidFill>
-                      <a:prstDash val="solid"/>
-                      <a:round/>
-                      <a:headEnd type="none" w="med" len="med"/>
-                      <a:tailEnd type="none" w="med" len="med"/>
-                    </a:lnB>
-                  </a:tcPr>
-                </a:tc>
-                <a:extLst>
-                  <a:ext uri="{0D108BD9-81ED-4DB2-BD59-A6C34878D82A}">
-                    <a16:rowId xmlns:a16="http://schemas.microsoft.com/office/drawing/2014/main" val="10001"/>
-                  </a:ext>
-                </a:extLst>
-              </a:tr>
-              <a:tr h="381000">
-                <a:tc>
-                  <a:txBody>
-                    <a:bodyPr/>
-                    <a:lstStyle/>
-                    <a:p>
-                      <a:pPr lvl="0" algn="l">
-                        <a:buNone/>
-                      </a:pPr>
-                      <a:r>
-                        <a:rPr lang="en-US" sz="1100" b="0" i="0" u="none" strike="noStrike" noProof="0">
-                          <a:solidFill>
-                            <a:schemeClr val="bg1"/>
-                          </a:solidFill>
-                          <a:effectLst/>
-                        </a:rPr>
-                        <a:t> Start looking into RISC-V TMR</a:t>
-                      </a:r>
-                      <a:endParaRPr lang="en-US">
-                        <a:solidFill>
-                          <a:schemeClr val="bg1"/>
-                        </a:solidFill>
-                      </a:endParaRPr>
-                    </a:p>
-                  </a:txBody>
-                  <a:tcPr marL="9525" marR="9525" marT="9525" marB="0" anchor="ctr">
-                    <a:lnL w="12700" cap="flat" cmpd="sng" algn="ctr">
-                      <a:solidFill>
-                        <a:schemeClr val="bg1">
-                          <a:lumMod val="65000"/>
-                        </a:schemeClr>
-                      </a:solidFill>
-                      <a:prstDash val="solid"/>
-                      <a:round/>
-                      <a:headEnd type="none" w="med" len="med"/>
-                      <a:tailEnd type="none" w="med" len="med"/>
-                    </a:lnL>
-                    <a:lnR w="12700" cap="flat" cmpd="sng" algn="ctr">
-                      <a:solidFill>
-                        <a:schemeClr val="bg1">
-                          <a:lumMod val="65000"/>
-                        </a:schemeClr>
-                      </a:solidFill>
-                      <a:prstDash val="solid"/>
-                      <a:round/>
-                      <a:headEnd type="none" w="med" len="med"/>
-                      <a:tailEnd type="none" w="med" len="med"/>
-                    </a:lnR>
-                    <a:lnT w="12700" cap="flat" cmpd="sng" algn="ctr">
-                      <a:solidFill>
-                        <a:schemeClr val="bg1">
-                          <a:lumMod val="65000"/>
-                        </a:schemeClr>
-                      </a:solidFill>
-                      <a:prstDash val="solid"/>
-                      <a:round/>
-                      <a:headEnd type="none" w="med" len="med"/>
-                      <a:tailEnd type="none" w="med" len="med"/>
-                    </a:lnT>
-                    <a:lnB w="12700" cap="flat" cmpd="sng" algn="ctr">
-                      <a:solidFill>
-                        <a:schemeClr val="bg1">
-                          <a:lumMod val="65000"/>
-                        </a:schemeClr>
-                      </a:solidFill>
-                      <a:prstDash val="solid"/>
-                      <a:round/>
-                      <a:headEnd type="none" w="med" len="med"/>
-                      <a:tailEnd type="none" w="med" len="med"/>
-                    </a:lnB>
-                  </a:tcPr>
-                </a:tc>
-                <a:tc>
-                  <a:txBody>
-                    <a:bodyPr/>
-                    <a:lstStyle/>
-                    <a:p>
-                      <a:pPr algn="l" fontAlgn="b"/>
-                      <a:r>
-                        <a:rPr lang="en-US" sz="1100" b="0" i="0" u="none" strike="noStrike">
-                          <a:solidFill>
-                            <a:schemeClr val="bg1"/>
-                          </a:solidFill>
-                          <a:effectLst/>
-                          <a:latin typeface="Calibri"/>
-                        </a:rPr>
-                        <a:t>June 14, 2020</a:t>
-                      </a:r>
-                      <a:endParaRPr lang="en-US" sz="1100" b="0" i="0" u="none" strike="noStrike">
-                        <a:solidFill>
-                          <a:schemeClr val="bg1"/>
-                        </a:solidFill>
-                        <a:effectLst/>
-                        <a:latin typeface="Calibri" panose="020F0502020204030204" pitchFamily="34" charset="0"/>
-                      </a:endParaRPr>
-                    </a:p>
-                  </a:txBody>
-                  <a:tcPr marL="9525" marR="9525" marT="9525" marB="0" anchor="b">
-                    <a:lnL w="12700" cap="flat" cmpd="sng" algn="ctr">
-                      <a:solidFill>
-                        <a:schemeClr val="bg1">
-                          <a:lumMod val="65000"/>
-                        </a:schemeClr>
-                      </a:solidFill>
-                      <a:prstDash val="solid"/>
-                      <a:round/>
-                      <a:headEnd type="none" w="med" len="med"/>
-                      <a:tailEnd type="none" w="med" len="med"/>
-                    </a:lnL>
-                    <a:lnR w="12700" cap="flat" cmpd="sng" algn="ctr">
-                      <a:solidFill>
-                        <a:schemeClr val="bg1">
-                          <a:lumMod val="65000"/>
-                        </a:schemeClr>
-                      </a:solidFill>
-                      <a:prstDash val="solid"/>
-                      <a:round/>
-                      <a:headEnd type="none" w="med" len="med"/>
-                      <a:tailEnd type="none" w="med" len="med"/>
-                    </a:lnR>
-                    <a:lnT w="12700" cap="flat" cmpd="sng" algn="ctr">
-                      <a:solidFill>
-                        <a:schemeClr val="bg1">
-                          <a:lumMod val="65000"/>
-                        </a:schemeClr>
-                      </a:solidFill>
-                      <a:prstDash val="solid"/>
-                      <a:round/>
-                      <a:headEnd type="none" w="med" len="med"/>
-                      <a:tailEnd type="none" w="med" len="med"/>
-                    </a:lnT>
-                    <a:lnB w="12700" cap="flat" cmpd="sng" algn="ctr">
-                      <a:solidFill>
-                        <a:schemeClr val="bg1">
-                          <a:lumMod val="65000"/>
-                        </a:schemeClr>
-                      </a:solidFill>
-                      <a:prstDash val="solid"/>
-                      <a:round/>
-                      <a:headEnd type="none" w="med" len="med"/>
-                      <a:tailEnd type="none" w="med" len="med"/>
-                    </a:lnB>
-                  </a:tcPr>
-                </a:tc>
-                <a:tc>
-                  <a:txBody>
-                    <a:bodyPr/>
-                    <a:lstStyle/>
-                    <a:p>
-                      <a:pPr algn="ctr" fontAlgn="ctr"/>
-                      <a:r>
-                        <a:rPr lang="en-US" sz="1100" b="0" i="0" u="none" strike="noStrike">
-                          <a:solidFill>
-                            <a:schemeClr val="bg1"/>
-                          </a:solidFill>
-                          <a:effectLst/>
-                          <a:latin typeface="Calibri"/>
-                        </a:rPr>
-                        <a:t>1</a:t>
-                      </a:r>
-                      <a:endParaRPr lang="en-US" sz="1100" b="0" i="0" u="none" strike="noStrike">
-                        <a:solidFill>
-                          <a:schemeClr val="bg1"/>
-                        </a:solidFill>
-                        <a:effectLst/>
-                        <a:latin typeface="Calibri" panose="020F0502020204030204" pitchFamily="34" charset="0"/>
-                      </a:endParaRPr>
-                    </a:p>
-                  </a:txBody>
-                  <a:tcPr marL="9525" marR="9525" marT="9525" marB="0" anchor="ctr">
-                    <a:lnL w="12700" cap="flat" cmpd="sng" algn="ctr">
-                      <a:solidFill>
-                        <a:schemeClr val="bg1">
-                          <a:lumMod val="65000"/>
-                        </a:schemeClr>
-                      </a:solidFill>
-                      <a:prstDash val="solid"/>
-                      <a:round/>
-                      <a:headEnd type="none" w="med" len="med"/>
-                      <a:tailEnd type="none" w="med" len="med"/>
-                    </a:lnL>
-                    <a:lnR w="12700" cap="flat" cmpd="sng" algn="ctr">
-                      <a:solidFill>
-                        <a:schemeClr val="bg1">
-                          <a:lumMod val="65000"/>
-                        </a:schemeClr>
-                      </a:solidFill>
-                      <a:prstDash val="solid"/>
-                      <a:round/>
-                      <a:headEnd type="none" w="med" len="med"/>
-                      <a:tailEnd type="none" w="med" len="med"/>
-                    </a:lnR>
-                    <a:lnT w="12700" cap="flat" cmpd="sng" algn="ctr">
-                      <a:solidFill>
-                        <a:schemeClr val="bg1">
-                          <a:lumMod val="65000"/>
-                        </a:schemeClr>
-                      </a:solidFill>
-                      <a:prstDash val="solid"/>
-                      <a:round/>
-                      <a:headEnd type="none" w="med" len="med"/>
-                      <a:tailEnd type="none" w="med" len="med"/>
-                    </a:lnT>
-                    <a:lnB w="12700" cap="flat" cmpd="sng" algn="ctr">
-                      <a:solidFill>
-                        <a:schemeClr val="bg1">
-                          <a:lumMod val="65000"/>
-                        </a:schemeClr>
-                      </a:solidFill>
-                      <a:prstDash val="solid"/>
-                      <a:round/>
-                      <a:headEnd type="none" w="med" len="med"/>
-                      <a:tailEnd type="none" w="med" len="med"/>
-                    </a:lnB>
-                  </a:tcPr>
-                </a:tc>
-                <a:extLst>
-                  <a:ext uri="{0D108BD9-81ED-4DB2-BD59-A6C34878D82A}">
-                    <a16:rowId xmlns:a16="http://schemas.microsoft.com/office/drawing/2014/main" val="10002"/>
-                  </a:ext>
-                </a:extLst>
-              </a:tr>
-              <a:tr h="381000">
-                <a:tc>
-                  <a:txBody>
-                    <a:bodyPr/>
-                    <a:lstStyle/>
-                    <a:p>
-                      <a:pPr algn="l" fontAlgn="b"/>
-                      <a:endParaRPr lang="en-US" sz="1100" b="0" i="0" u="none" strike="noStrike">
-                        <a:solidFill>
-                          <a:schemeClr val="bg1"/>
-                        </a:solidFill>
-                        <a:effectLst/>
-                        <a:latin typeface="Calibri" panose="020F0502020204030204" pitchFamily="34" charset="0"/>
-                      </a:endParaRPr>
-                    </a:p>
-                  </a:txBody>
-                  <a:tcPr marL="9525" marR="9525" marT="9525" marB="0" anchor="ctr">
-                    <a:lnL w="12700" cap="flat" cmpd="sng" algn="ctr">
-                      <a:solidFill>
-                        <a:schemeClr val="bg1">
-                          <a:lumMod val="65000"/>
-                        </a:schemeClr>
-                      </a:solidFill>
-                      <a:prstDash val="solid"/>
-                      <a:round/>
-                      <a:headEnd type="none" w="med" len="med"/>
-                      <a:tailEnd type="none" w="med" len="med"/>
-                    </a:lnL>
-                    <a:lnR w="12700" cap="flat" cmpd="sng" algn="ctr">
-                      <a:solidFill>
-                        <a:schemeClr val="bg1">
-                          <a:lumMod val="65000"/>
-                        </a:schemeClr>
-                      </a:solidFill>
-                      <a:prstDash val="solid"/>
-                      <a:round/>
-                      <a:headEnd type="none" w="med" len="med"/>
-                      <a:tailEnd type="none" w="med" len="med"/>
-                    </a:lnR>
-                    <a:lnT w="12700" cap="flat" cmpd="sng" algn="ctr">
-                      <a:solidFill>
-                        <a:schemeClr val="bg1">
-                          <a:lumMod val="65000"/>
-                        </a:schemeClr>
-                      </a:solidFill>
-                      <a:prstDash val="solid"/>
-                      <a:round/>
-                      <a:headEnd type="none" w="med" len="med"/>
-                      <a:tailEnd type="none" w="med" len="med"/>
-                    </a:lnT>
-                    <a:lnB w="12700" cap="flat" cmpd="sng" algn="ctr">
-                      <a:solidFill>
-                        <a:schemeClr val="bg1">
-                          <a:lumMod val="65000"/>
-                        </a:schemeClr>
-                      </a:solidFill>
-                      <a:prstDash val="solid"/>
-                      <a:round/>
-                      <a:headEnd type="none" w="med" len="med"/>
-                      <a:tailEnd type="none" w="med" len="med"/>
-                    </a:lnB>
-                  </a:tcPr>
-                </a:tc>
-                <a:tc>
-                  <a:txBody>
-                    <a:bodyPr/>
-                    <a:lstStyle/>
-                    <a:p>
-                      <a:pPr algn="l" fontAlgn="b"/>
-                      <a:endParaRPr lang="en-US" sz="1100" b="0" i="0" u="none" strike="noStrike">
-                        <a:solidFill>
-                          <a:schemeClr val="bg1"/>
-                        </a:solidFill>
-                        <a:effectLst/>
-                        <a:latin typeface="Calibri" panose="020F0502020204030204" pitchFamily="34" charset="0"/>
-                      </a:endParaRPr>
-                    </a:p>
-                  </a:txBody>
-                  <a:tcPr marL="9525" marR="9525" marT="9525" marB="0" anchor="b">
-                    <a:lnL w="12700" cap="flat" cmpd="sng" algn="ctr">
-                      <a:solidFill>
-                        <a:schemeClr val="bg1">
-                          <a:lumMod val="65000"/>
-                        </a:schemeClr>
-                      </a:solidFill>
-                      <a:prstDash val="solid"/>
-                      <a:round/>
-                      <a:headEnd type="none" w="med" len="med"/>
-                      <a:tailEnd type="none" w="med" len="med"/>
-                    </a:lnL>
-                    <a:lnR w="12700" cap="flat" cmpd="sng" algn="ctr">
-                      <a:solidFill>
-                        <a:schemeClr val="bg1">
-                          <a:lumMod val="65000"/>
-                        </a:schemeClr>
-                      </a:solidFill>
-                      <a:prstDash val="solid"/>
-                      <a:round/>
-                      <a:headEnd type="none" w="med" len="med"/>
-                      <a:tailEnd type="none" w="med" len="med"/>
-                    </a:lnR>
-                    <a:lnT w="12700" cap="flat" cmpd="sng" algn="ctr">
-                      <a:solidFill>
-                        <a:schemeClr val="bg1">
-                          <a:lumMod val="65000"/>
-                        </a:schemeClr>
-                      </a:solidFill>
-                      <a:prstDash val="solid"/>
-                      <a:round/>
-                      <a:headEnd type="none" w="med" len="med"/>
-                      <a:tailEnd type="none" w="med" len="med"/>
-                    </a:lnT>
-                    <a:lnB w="12700" cap="flat" cmpd="sng" algn="ctr">
-                      <a:solidFill>
-                        <a:schemeClr val="bg1">
-                          <a:lumMod val="65000"/>
-                        </a:schemeClr>
-                      </a:solidFill>
-                      <a:prstDash val="solid"/>
-                      <a:round/>
-                      <a:headEnd type="none" w="med" len="med"/>
-                      <a:tailEnd type="none" w="med" len="med"/>
-                    </a:lnB>
-                  </a:tcPr>
-                </a:tc>
-                <a:tc>
-                  <a:txBody>
-                    <a:bodyPr/>
-                    <a:lstStyle/>
-                    <a:p>
-                      <a:pPr algn="ctr" fontAlgn="ctr"/>
-                      <a:endParaRPr lang="en-US" sz="1100" b="0" i="0" u="none" strike="noStrike">
-                        <a:solidFill>
-                          <a:schemeClr val="bg1"/>
-                        </a:solidFill>
-                        <a:effectLst/>
-                        <a:latin typeface="Calibri" panose="020F0502020204030204" pitchFamily="34" charset="0"/>
-                      </a:endParaRPr>
-                    </a:p>
-                  </a:txBody>
-                  <a:tcPr marL="9525" marR="9525" marT="9525" marB="0" anchor="ctr">
-                    <a:lnL w="12700" cap="flat" cmpd="sng" algn="ctr">
-                      <a:solidFill>
-                        <a:schemeClr val="bg1">
-                          <a:lumMod val="65000"/>
-                        </a:schemeClr>
-                      </a:solidFill>
-                      <a:prstDash val="solid"/>
-                      <a:round/>
-                      <a:headEnd type="none" w="med" len="med"/>
-                      <a:tailEnd type="none" w="med" len="med"/>
-                    </a:lnL>
-                    <a:lnR w="12700" cap="flat" cmpd="sng" algn="ctr">
-                      <a:solidFill>
-                        <a:schemeClr val="bg1">
-                          <a:lumMod val="65000"/>
-                        </a:schemeClr>
-                      </a:solidFill>
-                      <a:prstDash val="solid"/>
-                      <a:round/>
-                      <a:headEnd type="none" w="med" len="med"/>
-                      <a:tailEnd type="none" w="med" len="med"/>
-                    </a:lnR>
-                    <a:lnT w="12700" cap="flat" cmpd="sng" algn="ctr">
-                      <a:solidFill>
-                        <a:schemeClr val="bg1">
-                          <a:lumMod val="65000"/>
-                        </a:schemeClr>
-                      </a:solidFill>
-                      <a:prstDash val="solid"/>
-                      <a:round/>
-                      <a:headEnd type="none" w="med" len="med"/>
-                      <a:tailEnd type="none" w="med" len="med"/>
-                    </a:lnT>
-                    <a:lnB w="12700" cap="flat" cmpd="sng" algn="ctr">
-                      <a:solidFill>
-                        <a:schemeClr val="bg1">
-                          <a:lumMod val="65000"/>
-                        </a:schemeClr>
-                      </a:solidFill>
-                      <a:prstDash val="solid"/>
-                      <a:round/>
-                      <a:headEnd type="none" w="med" len="med"/>
-                      <a:tailEnd type="none" w="med" len="med"/>
-                    </a:lnB>
-                  </a:tcPr>
-                </a:tc>
-                <a:extLst>
-                  <a:ext uri="{0D108BD9-81ED-4DB2-BD59-A6C34878D82A}">
-                    <a16:rowId xmlns:a16="http://schemas.microsoft.com/office/drawing/2014/main" val="10003"/>
-                  </a:ext>
-                </a:extLst>
-              </a:tr>
-              <a:tr h="381000">
-                <a:tc>
-                  <a:txBody>
-                    <a:bodyPr/>
-                    <a:lstStyle/>
-                    <a:p>
-                      <a:pPr algn="l" fontAlgn="b"/>
-                      <a:endParaRPr lang="en-US" sz="1100" b="0" i="0" u="none" strike="noStrike">
-                        <a:solidFill>
-                          <a:schemeClr val="bg1"/>
-                        </a:solidFill>
-                        <a:effectLst/>
-                        <a:latin typeface="Calibri" panose="020F0502020204030204" pitchFamily="34" charset="0"/>
-                      </a:endParaRPr>
-                    </a:p>
-                  </a:txBody>
-                  <a:tcPr marL="9525" marR="9525" marT="9525" marB="0" anchor="ctr">
-                    <a:lnL w="12700" cap="flat" cmpd="sng" algn="ctr">
-                      <a:solidFill>
-                        <a:schemeClr val="bg1">
-                          <a:lumMod val="65000"/>
-                        </a:schemeClr>
-                      </a:solidFill>
-                      <a:prstDash val="solid"/>
-                      <a:round/>
-                      <a:headEnd type="none" w="med" len="med"/>
-                      <a:tailEnd type="none" w="med" len="med"/>
-                    </a:lnL>
-                    <a:lnR w="12700" cap="flat" cmpd="sng" algn="ctr">
-                      <a:solidFill>
-                        <a:schemeClr val="bg1">
-                          <a:lumMod val="65000"/>
-                        </a:schemeClr>
-                      </a:solidFill>
-                      <a:prstDash val="solid"/>
-                      <a:round/>
-                      <a:headEnd type="none" w="med" len="med"/>
-                      <a:tailEnd type="none" w="med" len="med"/>
-                    </a:lnR>
-                    <a:lnT w="12700" cap="flat" cmpd="sng" algn="ctr">
-                      <a:solidFill>
-                        <a:schemeClr val="bg1">
-                          <a:lumMod val="65000"/>
-                        </a:schemeClr>
-                      </a:solidFill>
-                      <a:prstDash val="solid"/>
-                      <a:round/>
-                      <a:headEnd type="none" w="med" len="med"/>
-                      <a:tailEnd type="none" w="med" len="med"/>
-                    </a:lnT>
-                    <a:lnB w="12700" cap="flat" cmpd="sng" algn="ctr">
-                      <a:solidFill>
-                        <a:schemeClr val="bg1">
-                          <a:lumMod val="65000"/>
-                        </a:schemeClr>
-                      </a:solidFill>
-                      <a:prstDash val="solid"/>
-                      <a:round/>
-                      <a:headEnd type="none" w="med" len="med"/>
-                      <a:tailEnd type="none" w="med" len="med"/>
-                    </a:lnB>
-                  </a:tcPr>
-                </a:tc>
-                <a:tc>
-                  <a:txBody>
-                    <a:bodyPr/>
-                    <a:lstStyle/>
-                    <a:p>
-                      <a:pPr algn="l" fontAlgn="b"/>
-                      <a:endParaRPr lang="en-US" sz="1100" b="0" i="0" u="none" strike="noStrike">
-                        <a:solidFill>
-                          <a:schemeClr val="bg1"/>
-                        </a:solidFill>
-                        <a:effectLst/>
-                        <a:latin typeface="Calibri" panose="020F0502020204030204" pitchFamily="34" charset="0"/>
-                      </a:endParaRPr>
-                    </a:p>
-                  </a:txBody>
-                  <a:tcPr marL="9525" marR="9525" marT="9525" marB="0" anchor="b">
-                    <a:lnL w="12700" cap="flat" cmpd="sng" algn="ctr">
-                      <a:solidFill>
-                        <a:schemeClr val="bg1">
-                          <a:lumMod val="65000"/>
-                        </a:schemeClr>
-                      </a:solidFill>
-                      <a:prstDash val="solid"/>
-                      <a:round/>
-                      <a:headEnd type="none" w="med" len="med"/>
-                      <a:tailEnd type="none" w="med" len="med"/>
-                    </a:lnL>
-                    <a:lnR w="12700" cap="flat" cmpd="sng" algn="ctr">
-                      <a:solidFill>
-                        <a:schemeClr val="bg1">
-                          <a:lumMod val="65000"/>
-                        </a:schemeClr>
-                      </a:solidFill>
-                      <a:prstDash val="solid"/>
-                      <a:round/>
-                      <a:headEnd type="none" w="med" len="med"/>
-                      <a:tailEnd type="none" w="med" len="med"/>
-                    </a:lnR>
-                    <a:lnT w="12700" cap="flat" cmpd="sng" algn="ctr">
-                      <a:solidFill>
-                        <a:schemeClr val="bg1">
-                          <a:lumMod val="65000"/>
-                        </a:schemeClr>
-                      </a:solidFill>
-                      <a:prstDash val="solid"/>
-                      <a:round/>
-                      <a:headEnd type="none" w="med" len="med"/>
-                      <a:tailEnd type="none" w="med" len="med"/>
-                    </a:lnT>
-                    <a:lnB w="12700" cap="flat" cmpd="sng" algn="ctr">
-                      <a:solidFill>
-                        <a:schemeClr val="bg1">
-                          <a:lumMod val="65000"/>
-                        </a:schemeClr>
-                      </a:solidFill>
-                      <a:prstDash val="solid"/>
-                      <a:round/>
-                      <a:headEnd type="none" w="med" len="med"/>
-                      <a:tailEnd type="none" w="med" len="med"/>
-                    </a:lnB>
-                  </a:tcPr>
-                </a:tc>
-                <a:tc>
-                  <a:txBody>
-                    <a:bodyPr/>
-                    <a:lstStyle/>
-                    <a:p>
-                      <a:pPr algn="ctr" fontAlgn="ctr"/>
-                      <a:endParaRPr lang="en-US" sz="1100" b="0" i="0" u="none" strike="noStrike">
-                        <a:solidFill>
-                          <a:schemeClr val="bg1"/>
-                        </a:solidFill>
-                        <a:effectLst/>
-                        <a:latin typeface="Calibri" panose="020F0502020204030204" pitchFamily="34" charset="0"/>
-                      </a:endParaRPr>
-                    </a:p>
-                  </a:txBody>
-                  <a:tcPr marL="9525" marR="9525" marT="9525" marB="0" anchor="ctr">
-                    <a:lnL w="12700" cap="flat" cmpd="sng" algn="ctr">
-                      <a:solidFill>
-                        <a:schemeClr val="bg1">
-                          <a:lumMod val="65000"/>
-                        </a:schemeClr>
-                      </a:solidFill>
-                      <a:prstDash val="solid"/>
-                      <a:round/>
-                      <a:headEnd type="none" w="med" len="med"/>
-                      <a:tailEnd type="none" w="med" len="med"/>
-                    </a:lnL>
-                    <a:lnR w="12700" cap="flat" cmpd="sng" algn="ctr">
-                      <a:solidFill>
-                        <a:schemeClr val="bg1">
-                          <a:lumMod val="65000"/>
-                        </a:schemeClr>
-                      </a:solidFill>
-                      <a:prstDash val="solid"/>
-                      <a:round/>
-                      <a:headEnd type="none" w="med" len="med"/>
-                      <a:tailEnd type="none" w="med" len="med"/>
-                    </a:lnR>
-                    <a:lnT w="12700" cap="flat" cmpd="sng" algn="ctr">
-                      <a:solidFill>
-                        <a:schemeClr val="bg1">
-                          <a:lumMod val="65000"/>
-                        </a:schemeClr>
-                      </a:solidFill>
-                      <a:prstDash val="solid"/>
-                      <a:round/>
-                      <a:headEnd type="none" w="med" len="med"/>
-                      <a:tailEnd type="none" w="med" len="med"/>
-                    </a:lnT>
-                    <a:lnB w="12700" cap="flat" cmpd="sng" algn="ctr">
-                      <a:solidFill>
-                        <a:schemeClr val="bg1">
-                          <a:lumMod val="65000"/>
-                        </a:schemeClr>
-                      </a:solidFill>
-                      <a:prstDash val="solid"/>
-                      <a:round/>
-                      <a:headEnd type="none" w="med" len="med"/>
-                      <a:tailEnd type="none" w="med" len="med"/>
-                    </a:lnB>
-                  </a:tcPr>
-                </a:tc>
-                <a:extLst>
-                  <a:ext uri="{0D108BD9-81ED-4DB2-BD59-A6C34878D82A}">
-                    <a16:rowId xmlns:a16="http://schemas.microsoft.com/office/drawing/2014/main" val="10004"/>
-                  </a:ext>
-                </a:extLst>
-              </a:tr>
-            </a:tbl>
-          </a:graphicData>
-        </a:graphic>
-      </p:graphicFrame>
-      <p:graphicFrame>
-        <p:nvGraphicFramePr>
-          <p:cNvPr id="4" name="Table 3"/>
-          <p:cNvGraphicFramePr>
-            <a:graphicFrameLocks noGrp="1"/>
-          </p:cNvGraphicFramePr>
-          <p:nvPr>
-            <p:extLst>
-              <p:ext uri="{D42A27DB-BD31-4B8C-83A1-F6EECF244321}">
-                <p14:modId xmlns:p14="http://schemas.microsoft.com/office/powerpoint/2010/main" val="3197709952"/>
-              </p:ext>
-            </p:extLst>
-          </p:nvPr>
-        </p:nvGraphicFramePr>
-        <p:xfrm>
-          <a:off x="5841826" y="4114800"/>
-          <a:ext cx="5749969" cy="609600"/>
-        </p:xfrm>
-        <a:graphic>
-          <a:graphicData uri="http://schemas.openxmlformats.org/drawingml/2006/table">
-            <a:tbl>
-              <a:tblPr lastCol="1" bandRow="1">
-                <a:tableStyleId>{2D5ABB26-0587-4C30-8999-92F81FD0307C}</a:tableStyleId>
-              </a:tblPr>
-              <a:tblGrid>
-                <a:gridCol w="5054774">
-                  <a:extLst>
-                    <a:ext uri="{9D8B030D-6E8A-4147-A177-3AD203B41FA5}">
-                      <a16:colId xmlns:a16="http://schemas.microsoft.com/office/drawing/2014/main" val="20000"/>
-                    </a:ext>
-                  </a:extLst>
-                </a:gridCol>
-                <a:gridCol w="695195">
-                  <a:extLst>
-                    <a:ext uri="{9D8B030D-6E8A-4147-A177-3AD203B41FA5}">
-                      <a16:colId xmlns:a16="http://schemas.microsoft.com/office/drawing/2014/main" val="20001"/>
-                    </a:ext>
-                  </a:extLst>
-                </a:gridCol>
-              </a:tblGrid>
-              <a:tr h="609600">
-                <a:tc>
-                  <a:txBody>
-                    <a:bodyPr/>
-                    <a:lstStyle/>
-                    <a:p>
-                      <a:pPr algn="ctr" fontAlgn="b"/>
-                      <a:r>
-                        <a:rPr lang="en-US" sz="1100" u="none" strike="noStrike">
-                          <a:solidFill>
-                            <a:schemeClr val="bg1"/>
-                          </a:solidFill>
-                          <a:effectLst/>
-                        </a:rPr>
-                        <a:t>Estimated time needed to work on </a:t>
-                      </a:r>
-                      <a:r>
-                        <a:rPr lang="en-US" sz="1100" u="none" strike="noStrike" baseline="0">
-                          <a:solidFill>
-                            <a:schemeClr val="bg1"/>
-                          </a:solidFill>
-                          <a:effectLst/>
-                        </a:rPr>
-                        <a:t>goals for this coming week (typ. 13 </a:t>
-                      </a:r>
-                      <a:r>
-                        <a:rPr lang="en-US" sz="1100" u="none" strike="noStrike" baseline="0" err="1">
-                          <a:solidFill>
-                            <a:schemeClr val="bg1"/>
-                          </a:solidFill>
-                          <a:effectLst/>
-                        </a:rPr>
-                        <a:t>hrs</a:t>
-                      </a:r>
-                      <a:r>
-                        <a:rPr lang="en-US" sz="1100" u="none" strike="noStrike" baseline="0">
-                          <a:solidFill>
-                            <a:schemeClr val="bg1"/>
-                          </a:solidFill>
-                          <a:effectLst/>
-                        </a:rPr>
-                        <a:t>)</a:t>
-                      </a:r>
-                      <a:endParaRPr lang="en-US" sz="1100" b="0" i="0" u="none" strike="noStrike">
-                        <a:solidFill>
-                          <a:schemeClr val="bg1"/>
-                        </a:solidFill>
-                        <a:effectLst/>
-                        <a:latin typeface="Calibri" panose="020F0502020204030204" pitchFamily="34" charset="0"/>
-                      </a:endParaRPr>
-                    </a:p>
-                  </a:txBody>
-                  <a:tcPr marL="9525" marR="9525" marT="9525" marB="0" anchor="ctr">
-                    <a:lnL w="12700" cap="flat" cmpd="sng" algn="ctr">
-                      <a:solidFill>
-                        <a:schemeClr val="bg1">
-                          <a:lumMod val="65000"/>
-                        </a:schemeClr>
-                      </a:solidFill>
-                      <a:prstDash val="solid"/>
-                      <a:round/>
-                      <a:headEnd type="none" w="med" len="med"/>
-                      <a:tailEnd type="none" w="med" len="med"/>
-                    </a:lnL>
-                    <a:lnR w="12700" cap="flat" cmpd="sng" algn="ctr">
-                      <a:solidFill>
-                        <a:schemeClr val="bg1">
-                          <a:lumMod val="65000"/>
-                        </a:schemeClr>
-                      </a:solidFill>
-                      <a:prstDash val="solid"/>
-                      <a:round/>
-                      <a:headEnd type="none" w="med" len="med"/>
-                      <a:tailEnd type="none" w="med" len="med"/>
-                    </a:lnR>
-                    <a:lnT w="12700" cap="flat" cmpd="sng" algn="ctr">
-                      <a:solidFill>
-                        <a:schemeClr val="bg1">
-                          <a:lumMod val="65000"/>
-                        </a:schemeClr>
-                      </a:solidFill>
-                      <a:prstDash val="solid"/>
-                      <a:round/>
-                      <a:headEnd type="none" w="med" len="med"/>
-                      <a:tailEnd type="none" w="med" len="med"/>
-                    </a:lnT>
-                    <a:lnB w="12700" cap="flat" cmpd="sng" algn="ctr">
-                      <a:solidFill>
-                        <a:schemeClr val="bg1">
-                          <a:lumMod val="65000"/>
-                        </a:schemeClr>
-                      </a:solidFill>
-                      <a:prstDash val="solid"/>
-                      <a:round/>
-                      <a:headEnd type="none" w="med" len="med"/>
-                      <a:tailEnd type="none" w="med" len="med"/>
-                    </a:lnB>
-                  </a:tcPr>
-                </a:tc>
-                <a:tc>
-                  <a:txBody>
-                    <a:bodyPr/>
-                    <a:lstStyle/>
-                    <a:p>
-                      <a:pPr algn="ctr" fontAlgn="b"/>
-                      <a:r>
-                        <a:rPr lang="en-US" sz="1100" b="0" i="0" u="none" strike="noStrike">
-                          <a:solidFill>
-                            <a:schemeClr val="bg1"/>
-                          </a:solidFill>
-                          <a:effectLst/>
-                          <a:latin typeface="Calibri"/>
-                        </a:rPr>
-                        <a:t>13.5</a:t>
-                      </a:r>
-                      <a:endParaRPr lang="en-US" sz="1100" b="0" i="0" u="none" strike="noStrike">
-                        <a:solidFill>
-                          <a:schemeClr val="bg1"/>
-                        </a:solidFill>
-                        <a:effectLst/>
-                        <a:latin typeface="Calibri" panose="020F0502020204030204" pitchFamily="34" charset="0"/>
-                      </a:endParaRPr>
-                    </a:p>
-                  </a:txBody>
-                  <a:tcPr marL="9525" marR="9525" marT="9525" marB="0" anchor="ctr">
-                    <a:lnL w="12700" cap="flat" cmpd="sng" algn="ctr">
-                      <a:solidFill>
-                        <a:schemeClr val="bg1">
-                          <a:lumMod val="65000"/>
-                        </a:schemeClr>
-                      </a:solidFill>
-                      <a:prstDash val="solid"/>
-                      <a:round/>
-                      <a:headEnd type="none" w="med" len="med"/>
-                      <a:tailEnd type="none" w="med" len="med"/>
-                    </a:lnL>
-                    <a:lnR w="12700" cap="flat" cmpd="sng" algn="ctr">
-                      <a:solidFill>
-                        <a:schemeClr val="bg1">
-                          <a:lumMod val="65000"/>
-                        </a:schemeClr>
-                      </a:solidFill>
-                      <a:prstDash val="solid"/>
-                      <a:round/>
-                      <a:headEnd type="none" w="med" len="med"/>
-                      <a:tailEnd type="none" w="med" len="med"/>
-                    </a:lnR>
-                    <a:lnT w="12700" cap="flat" cmpd="sng" algn="ctr">
-                      <a:solidFill>
-                        <a:schemeClr val="bg1">
-                          <a:lumMod val="65000"/>
-                        </a:schemeClr>
-                      </a:solidFill>
-                      <a:prstDash val="solid"/>
-                      <a:round/>
-                      <a:headEnd type="none" w="med" len="med"/>
-                      <a:tailEnd type="none" w="med" len="med"/>
-                    </a:lnT>
-                    <a:lnB w="12700" cap="flat" cmpd="sng" algn="ctr">
-                      <a:solidFill>
-                        <a:schemeClr val="bg1">
-                          <a:lumMod val="65000"/>
-                        </a:schemeClr>
-                      </a:solidFill>
-                      <a:prstDash val="solid"/>
-                      <a:round/>
-                      <a:headEnd type="none" w="med" len="med"/>
-                      <a:tailEnd type="none" w="med" len="med"/>
-                    </a:lnB>
-                  </a:tcPr>
-                </a:tc>
-                <a:extLst>
-                  <a:ext uri="{0D108BD9-81ED-4DB2-BD59-A6C34878D82A}">
-                    <a16:rowId xmlns:a16="http://schemas.microsoft.com/office/drawing/2014/main" val="10000"/>
-                  </a:ext>
-                </a:extLst>
-              </a:tr>
-            </a:tbl>
-          </a:graphicData>
-        </a:graphic>
-      </p:graphicFrame>
-    </p:spTree>
-    <p:extLst>
-      <p:ext uri="{BB962C8B-B14F-4D97-AF65-F5344CB8AC3E}">
-        <p14:creationId xmlns:p14="http://schemas.microsoft.com/office/powerpoint/2010/main" val="55566174"/>
-      </p:ext>
-    </p:extLst>
-  </p:cSld>
-  <p:clrMapOvr>
-    <a:masterClrMapping/>
-  </p:clrMapOvr>
-  <p:transition>
-    <p:fade/>
-  </p:transition>
-</p:sld>
-</file>
-
-<file path=ppt/slides/slide11.xml><?xml version="1.0" encoding="utf-8"?>
-<p:sld xmlns:a="http://schemas.openxmlformats.org/drawingml/2006/main" xmlns:r="http://schemas.openxmlformats.org/officeDocument/2006/relationships" xmlns:p="http://schemas.openxmlformats.org/presentationml/2006/main">
-  <p:cSld>
-    <p:spTree>
-      <p:nvGrpSpPr>
-        <p:cNvPr id="1" name=""/>
-        <p:cNvGrpSpPr/>
-        <p:nvPr/>
-      </p:nvGrpSpPr>
-      <p:grpSpPr>
-        <a:xfrm>
-          <a:off x="0" y="0"/>
-          <a:ext cx="0" cy="0"/>
-          <a:chOff x="0" y="0"/>
-          <a:chExt cx="0" cy="0"/>
-        </a:xfrm>
-      </p:grpSpPr>
-      <p:sp>
-        <p:nvSpPr>
-          <p:cNvPr id="2" name="Title 1"/>
-          <p:cNvSpPr>
-            <a:spLocks noGrp="1"/>
-          </p:cNvSpPr>
-          <p:nvPr>
-            <p:ph type="title"/>
-          </p:nvPr>
-        </p:nvSpPr>
-        <p:spPr/>
-        <p:txBody>
-          <a:bodyPr/>
-          <a:lstStyle/>
-          <a:p>
-            <a:r>
-              <a:rPr lang="en-US"/>
               <a:t>How can we help you achieve your goals?</a:t>
             </a:r>
           </a:p>
@@ -7198,107 +5432,7 @@
 </p:sld>
 </file>
 
-<file path=ppt/slides/slide12.xml><?xml version="1.0" encoding="utf-8"?>
-<p:sld xmlns:a="http://schemas.openxmlformats.org/drawingml/2006/main" xmlns:r="http://schemas.openxmlformats.org/officeDocument/2006/relationships" xmlns:p="http://schemas.openxmlformats.org/presentationml/2006/main">
-  <p:cSld>
-    <p:spTree>
-      <p:nvGrpSpPr>
-        <p:cNvPr id="1" name=""/>
-        <p:cNvGrpSpPr/>
-        <p:nvPr/>
-      </p:nvGrpSpPr>
-      <p:grpSpPr>
-        <a:xfrm>
-          <a:off x="0" y="0"/>
-          <a:ext cx="0" cy="0"/>
-          <a:chOff x="0" y="0"/>
-          <a:chExt cx="0" cy="0"/>
-        </a:xfrm>
-      </p:grpSpPr>
-      <p:sp>
-        <p:nvSpPr>
-          <p:cNvPr id="2" name="Rectangle 1"/>
-          <p:cNvSpPr/>
-          <p:nvPr/>
-        </p:nvSpPr>
-        <p:spPr bwMode="auto">
-          <a:xfrm>
-            <a:off x="-152400" y="-76200"/>
-            <a:ext cx="12573000" cy="6934200"/>
-          </a:xfrm>
-          <a:prstGeom prst="rect">
-            <a:avLst/>
-          </a:prstGeom>
-          <a:solidFill>
-            <a:schemeClr val="tx1"/>
-          </a:solidFill>
-          <a:ln w="9525" cap="flat" cmpd="sng" algn="ctr">
-            <a:solidFill>
-              <a:schemeClr val="tx1"/>
-            </a:solidFill>
-            <a:prstDash val="solid"/>
-            <a:round/>
-            <a:headEnd type="none" w="med" len="med"/>
-            <a:tailEnd type="none" w="med" len="med"/>
-          </a:ln>
-          <a:effectLst/>
-        </p:spPr>
-        <p:txBody>
-          <a:bodyPr vert="horz" wrap="square" lIns="91440" tIns="45720" rIns="91440" bIns="45720" numCol="1" rtlCol="0" anchor="t" anchorCtr="0" compatLnSpc="1">
-            <a:prstTxWarp prst="textNoShape">
-              <a:avLst/>
-            </a:prstTxWarp>
-          </a:bodyPr>
-          <a:lstStyle/>
-          <a:p>
-            <a:pPr marL="0" marR="0" indent="0" algn="l" defTabSz="914400" rtl="0" eaLnBrk="0" fontAlgn="base" latinLnBrk="0" hangingPunct="0">
-              <a:lnSpc>
-                <a:spcPct val="100000"/>
-              </a:lnSpc>
-              <a:spcBef>
-                <a:spcPct val="0"/>
-              </a:spcBef>
-              <a:spcAft>
-                <a:spcPct val="0"/>
-              </a:spcAft>
-              <a:buClrTx/>
-              <a:buSzTx/>
-              <a:buFontTx/>
-              <a:buNone/>
-              <a:tabLst/>
-            </a:pPr>
-            <a:endParaRPr kumimoji="0" lang="en-US" sz="2400" b="0" i="0" u="none" strike="noStrike" cap="none" normalizeH="0" baseline="0">
-              <a:ln>
-                <a:noFill/>
-              </a:ln>
-              <a:solidFill>
-                <a:schemeClr val="tx1"/>
-              </a:solidFill>
-              <a:effectLst/>
-              <a:latin typeface="Arial" pitchFamily="44" charset="0"/>
-              <a:ea typeface="ＭＳ Ｐゴシック" pitchFamily="44" charset="-128"/>
-              <a:cs typeface="ＭＳ Ｐゴシック" pitchFamily="44" charset="-128"/>
-            </a:endParaRPr>
-          </a:p>
-        </p:txBody>
-      </p:sp>
-    </p:spTree>
-    <p:extLst>
-      <p:ext uri="{BB962C8B-B14F-4D97-AF65-F5344CB8AC3E}">
-        <p14:creationId xmlns:p14="http://schemas.microsoft.com/office/powerpoint/2010/main" val="1428113768"/>
-      </p:ext>
-    </p:extLst>
-  </p:cSld>
-  <p:clrMapOvr>
-    <a:masterClrMapping/>
-  </p:clrMapOvr>
-  <p:transition>
-    <p:fade/>
-  </p:transition>
-</p:sld>
-</file>
-
-<file path=ppt/slides/slide13.xml><?xml version="1.0" encoding="utf-8"?>
+<file path=ppt/slides/slide11.xml><?xml version="1.0" encoding="utf-8"?>
 <p:sld xmlns:a="http://schemas.openxmlformats.org/drawingml/2006/main" xmlns:r="http://schemas.openxmlformats.org/officeDocument/2006/relationships" xmlns:p="http://schemas.openxmlformats.org/presentationml/2006/main">
   <p:cSld>
     <p:spTree>
@@ -8892,7 +7026,7 @@
 </p:sld>
 </file>
 
-<file path=ppt/slides/slide14.xml><?xml version="1.0" encoding="utf-8"?>
+<file path=ppt/slides/slide12.xml><?xml version="1.0" encoding="utf-8"?>
 <p:sld xmlns:a="http://schemas.openxmlformats.org/drawingml/2006/main" xmlns:r="http://schemas.openxmlformats.org/officeDocument/2006/relationships" xmlns:p="http://schemas.openxmlformats.org/presentationml/2006/main">
   <p:cSld>
     <p:spTree>
@@ -9242,7 +7376,7 @@
 </p:sld>
 </file>
 
-<file path=ppt/slides/slide15.xml><?xml version="1.0" encoding="utf-8"?>
+<file path=ppt/slides/slide13.xml><?xml version="1.0" encoding="utf-8"?>
 <p:sld xmlns:a="http://schemas.openxmlformats.org/drawingml/2006/main" xmlns:r="http://schemas.openxmlformats.org/officeDocument/2006/relationships" xmlns:p="http://schemas.openxmlformats.org/presentationml/2006/main">
   <p:cSld>
     <p:spTree>
@@ -9349,7 +7483,7 @@
 </p:sld>
 </file>
 
-<file path=ppt/slides/slide16.xml><?xml version="1.0" encoding="utf-8"?>
+<file path=ppt/slides/slide14.xml><?xml version="1.0" encoding="utf-8"?>
 <p:sld xmlns:a="http://schemas.openxmlformats.org/drawingml/2006/main" xmlns:r="http://schemas.openxmlformats.org/officeDocument/2006/relationships" xmlns:p="http://schemas.openxmlformats.org/presentationml/2006/main">
   <p:cSld>
     <p:spTree>
@@ -10801,7 +8935,7 @@
 </p:sld>
 </file>
 
-<file path=ppt/slides/slide17.xml><?xml version="1.0" encoding="utf-8"?>
+<file path=ppt/slides/slide15.xml><?xml version="1.0" encoding="utf-8"?>
 <p:sld xmlns:a="http://schemas.openxmlformats.org/drawingml/2006/main" xmlns:r="http://schemas.openxmlformats.org/officeDocument/2006/relationships" xmlns:p="http://schemas.openxmlformats.org/presentationml/2006/main">
   <p:cSld>
     <p:spTree>
@@ -10893,107 +9027,7 @@
 </p:sld>
 </file>
 
-<file path=ppt/slides/slide18.xml><?xml version="1.0" encoding="utf-8"?>
-<p:sld xmlns:a="http://schemas.openxmlformats.org/drawingml/2006/main" xmlns:r="http://schemas.openxmlformats.org/officeDocument/2006/relationships" xmlns:p="http://schemas.openxmlformats.org/presentationml/2006/main">
-  <p:cSld>
-    <p:spTree>
-      <p:nvGrpSpPr>
-        <p:cNvPr id="1" name=""/>
-        <p:cNvGrpSpPr/>
-        <p:nvPr/>
-      </p:nvGrpSpPr>
-      <p:grpSpPr>
-        <a:xfrm>
-          <a:off x="0" y="0"/>
-          <a:ext cx="0" cy="0"/>
-          <a:chOff x="0" y="0"/>
-          <a:chExt cx="0" cy="0"/>
-        </a:xfrm>
-      </p:grpSpPr>
-      <p:sp>
-        <p:nvSpPr>
-          <p:cNvPr id="2" name="Rectangle 1"/>
-          <p:cNvSpPr/>
-          <p:nvPr/>
-        </p:nvSpPr>
-        <p:spPr bwMode="auto">
-          <a:xfrm>
-            <a:off x="-152400" y="-76200"/>
-            <a:ext cx="12573000" cy="6934200"/>
-          </a:xfrm>
-          <a:prstGeom prst="rect">
-            <a:avLst/>
-          </a:prstGeom>
-          <a:solidFill>
-            <a:schemeClr val="tx1"/>
-          </a:solidFill>
-          <a:ln w="9525" cap="flat" cmpd="sng" algn="ctr">
-            <a:solidFill>
-              <a:schemeClr val="tx1"/>
-            </a:solidFill>
-            <a:prstDash val="solid"/>
-            <a:round/>
-            <a:headEnd type="none" w="med" len="med"/>
-            <a:tailEnd type="none" w="med" len="med"/>
-          </a:ln>
-          <a:effectLst/>
-        </p:spPr>
-        <p:txBody>
-          <a:bodyPr vert="horz" wrap="square" lIns="91440" tIns="45720" rIns="91440" bIns="45720" numCol="1" rtlCol="0" anchor="t" anchorCtr="0" compatLnSpc="1">
-            <a:prstTxWarp prst="textNoShape">
-              <a:avLst/>
-            </a:prstTxWarp>
-          </a:bodyPr>
-          <a:lstStyle/>
-          <a:p>
-            <a:pPr marL="0" marR="0" indent="0" algn="l" defTabSz="914400" rtl="0" eaLnBrk="0" fontAlgn="base" latinLnBrk="0" hangingPunct="0">
-              <a:lnSpc>
-                <a:spcPct val="100000"/>
-              </a:lnSpc>
-              <a:spcBef>
-                <a:spcPct val="0"/>
-              </a:spcBef>
-              <a:spcAft>
-                <a:spcPct val="0"/>
-              </a:spcAft>
-              <a:buClrTx/>
-              <a:buSzTx/>
-              <a:buFontTx/>
-              <a:buNone/>
-              <a:tabLst/>
-            </a:pPr>
-            <a:endParaRPr kumimoji="0" lang="en-US" sz="2400" b="0" i="0" u="none" strike="noStrike" cap="none" normalizeH="0" baseline="0">
-              <a:ln>
-                <a:noFill/>
-              </a:ln>
-              <a:solidFill>
-                <a:schemeClr val="tx1"/>
-              </a:solidFill>
-              <a:effectLst/>
-              <a:latin typeface="Arial" pitchFamily="44" charset="0"/>
-              <a:ea typeface="ＭＳ Ｐゴシック" pitchFamily="44" charset="-128"/>
-              <a:cs typeface="ＭＳ Ｐゴシック" pitchFamily="44" charset="-128"/>
-            </a:endParaRPr>
-          </a:p>
-        </p:txBody>
-      </p:sp>
-    </p:spTree>
-    <p:extLst>
-      <p:ext uri="{BB962C8B-B14F-4D97-AF65-F5344CB8AC3E}">
-        <p14:creationId xmlns:p14="http://schemas.microsoft.com/office/powerpoint/2010/main" val="466236758"/>
-      </p:ext>
-    </p:extLst>
-  </p:cSld>
-  <p:clrMapOvr>
-    <a:masterClrMapping/>
-  </p:clrMapOvr>
-  <p:transition>
-    <p:fade/>
-  </p:transition>
-</p:sld>
-</file>
-
-<file path=ppt/slides/slide19.xml><?xml version="1.0" encoding="utf-8"?>
+<file path=ppt/slides/slide16.xml><?xml version="1.0" encoding="utf-8"?>
 <p:sld xmlns:a="http://schemas.openxmlformats.org/drawingml/2006/main" xmlns:r="http://schemas.openxmlformats.org/officeDocument/2006/relationships" xmlns:p="http://schemas.openxmlformats.org/presentationml/2006/main">
   <p:cSld>
     <p:spTree>
@@ -12228,7 +10262,7 @@
           <p:nvPr>
             <p:extLst>
               <p:ext uri="{D42A27DB-BD31-4B8C-83A1-F6EECF244321}">
-                <p14:modId xmlns:p14="http://schemas.microsoft.com/office/powerpoint/2010/main" val="3354697961"/>
+                <p14:modId xmlns:p14="http://schemas.microsoft.com/office/powerpoint/2010/main" val="659329435"/>
               </p:ext>
             </p:extLst>
           </p:nvPr>
@@ -12363,7 +10397,7 @@
                           <a:effectLst/>
                           <a:latin typeface="Calibri"/>
                         </a:rPr>
-                        <a:t>1.3</a:t>
+                        <a:t>13</a:t>
                       </a:r>
                     </a:p>
                   </a:txBody>
@@ -12596,6 +10630,1877 @@
     <p:extLst>
       <p:ext uri="{BB962C8B-B14F-4D97-AF65-F5344CB8AC3E}">
         <p14:creationId xmlns:p14="http://schemas.microsoft.com/office/powerpoint/2010/main" val="2953551922"/>
+      </p:ext>
+    </p:extLst>
+  </p:cSld>
+  <p:clrMapOvr>
+    <a:masterClrMapping/>
+  </p:clrMapOvr>
+  <p:transition>
+    <p:fade/>
+  </p:transition>
+</p:sld>
+</file>
+
+<file path=ppt/slides/slide17.xml><?xml version="1.0" encoding="utf-8"?>
+<p:sld xmlns:a="http://schemas.openxmlformats.org/drawingml/2006/main" xmlns:r="http://schemas.openxmlformats.org/officeDocument/2006/relationships" xmlns:p="http://schemas.openxmlformats.org/presentationml/2006/main">
+  <p:cSld>
+    <p:spTree>
+      <p:nvGrpSpPr>
+        <p:cNvPr id="1" name=""/>
+        <p:cNvGrpSpPr/>
+        <p:nvPr/>
+      </p:nvGrpSpPr>
+      <p:grpSpPr>
+        <a:xfrm>
+          <a:off x="0" y="0"/>
+          <a:ext cx="0" cy="0"/>
+          <a:chOff x="0" y="0"/>
+          <a:chExt cx="0" cy="0"/>
+        </a:xfrm>
+      </p:grpSpPr>
+      <p:sp>
+        <p:nvSpPr>
+          <p:cNvPr id="2" name="Title 1"/>
+          <p:cNvSpPr>
+            <a:spLocks noGrp="1"/>
+          </p:cNvSpPr>
+          <p:nvPr>
+            <p:ph type="title"/>
+          </p:nvPr>
+        </p:nvSpPr>
+        <p:spPr/>
+        <p:txBody>
+          <a:bodyPr/>
+          <a:lstStyle/>
+          <a:p>
+            <a:r>
+              <a:rPr lang="en-US"/>
+              <a:t>Progress made during the week (Log)</a:t>
+            </a:r>
+            <a:br>
+              <a:rPr lang="en-US"/>
+            </a:br>
+            <a:r>
+              <a:rPr lang="en-US" sz="1400"/>
+              <a:t>(What I did)</a:t>
+            </a:r>
+            <a:endParaRPr lang="en-US"/>
+          </a:p>
+        </p:txBody>
+      </p:sp>
+      <p:sp>
+        <p:nvSpPr>
+          <p:cNvPr id="3" name="Content Placeholder 5"/>
+          <p:cNvSpPr txBox="1">
+            <a:spLocks/>
+          </p:cNvSpPr>
+          <p:nvPr/>
+        </p:nvSpPr>
+        <p:spPr>
+          <a:xfrm>
+            <a:off x="685800" y="1066800"/>
+            <a:ext cx="10896600" cy="5105400"/>
+          </a:xfrm>
+          <a:prstGeom prst="rect">
+            <a:avLst/>
+          </a:prstGeom>
+        </p:spPr>
+        <p:txBody>
+          <a:bodyPr anchor="t"/>
+          <a:lstStyle>
+            <a:lvl1pPr marL="342900" indent="-342900" algn="l" rtl="0" eaLnBrk="0" fontAlgn="base" hangingPunct="0">
+              <a:spcBef>
+                <a:spcPct val="20000"/>
+              </a:spcBef>
+              <a:spcAft>
+                <a:spcPct val="0"/>
+              </a:spcAft>
+              <a:buClr>
+                <a:srgbClr val="606060"/>
+              </a:buClr>
+              <a:buSzPct val="80000"/>
+              <a:buFont typeface="Times" charset="0"/>
+              <a:buChar char="•"/>
+              <a:defRPr sz="2400">
+                <a:solidFill>
+                  <a:srgbClr val="FFFFFF"/>
+                </a:solidFill>
+                <a:latin typeface="+mn-lt"/>
+                <a:ea typeface="ＭＳ Ｐゴシック" charset="0"/>
+                <a:cs typeface="MS PGothic" charset="0"/>
+              </a:defRPr>
+            </a:lvl1pPr>
+            <a:lvl2pPr marL="742950" indent="-285750" algn="l" rtl="0" eaLnBrk="0" fontAlgn="base" hangingPunct="0">
+              <a:spcBef>
+                <a:spcPct val="20000"/>
+              </a:spcBef>
+              <a:spcAft>
+                <a:spcPct val="0"/>
+              </a:spcAft>
+              <a:buClr>
+                <a:srgbClr val="606060"/>
+              </a:buClr>
+              <a:buSzPct val="80000"/>
+              <a:buFont typeface="Times" charset="0"/>
+              <a:buChar char="•"/>
+              <a:defRPr sz="2400">
+                <a:solidFill>
+                  <a:srgbClr val="FFFFFF"/>
+                </a:solidFill>
+                <a:latin typeface="+mn-lt"/>
+                <a:ea typeface="MS PGothic" panose="020B0600070205080204" pitchFamily="34" charset="-128"/>
+                <a:cs typeface="MS PGothic" charset="0"/>
+              </a:defRPr>
+            </a:lvl2pPr>
+            <a:lvl3pPr marL="1143000" indent="-228600" algn="l" rtl="0" eaLnBrk="0" fontAlgn="base" hangingPunct="0">
+              <a:spcBef>
+                <a:spcPct val="20000"/>
+              </a:spcBef>
+              <a:spcAft>
+                <a:spcPct val="0"/>
+              </a:spcAft>
+              <a:buClr>
+                <a:srgbClr val="606060"/>
+              </a:buClr>
+              <a:buSzPct val="80000"/>
+              <a:buFont typeface="Times" charset="0"/>
+              <a:buChar char="•"/>
+              <a:defRPr sz="2400">
+                <a:solidFill>
+                  <a:srgbClr val="FFFFFF"/>
+                </a:solidFill>
+                <a:latin typeface="+mn-lt"/>
+                <a:ea typeface="MS PGothic" panose="020B0600070205080204" pitchFamily="34" charset="-128"/>
+                <a:cs typeface="MS PGothic" charset="0"/>
+              </a:defRPr>
+            </a:lvl3pPr>
+            <a:lvl4pPr marL="1600200" indent="-228600" algn="l" rtl="0" eaLnBrk="0" fontAlgn="base" hangingPunct="0">
+              <a:spcBef>
+                <a:spcPct val="20000"/>
+              </a:spcBef>
+              <a:spcAft>
+                <a:spcPct val="0"/>
+              </a:spcAft>
+              <a:buClr>
+                <a:srgbClr val="606060"/>
+              </a:buClr>
+              <a:buSzPct val="80000"/>
+              <a:buFont typeface="Times" charset="0"/>
+              <a:buChar char="•"/>
+              <a:defRPr sz="2400">
+                <a:solidFill>
+                  <a:srgbClr val="FFFFFF"/>
+                </a:solidFill>
+                <a:latin typeface="+mn-lt"/>
+                <a:ea typeface="MS PGothic" panose="020B0600070205080204" pitchFamily="34" charset="-128"/>
+                <a:cs typeface="MS PGothic" charset="0"/>
+              </a:defRPr>
+            </a:lvl4pPr>
+            <a:lvl5pPr marL="2057400" indent="-228600" algn="l" rtl="0" eaLnBrk="0" fontAlgn="base" hangingPunct="0">
+              <a:spcBef>
+                <a:spcPct val="20000"/>
+              </a:spcBef>
+              <a:spcAft>
+                <a:spcPct val="0"/>
+              </a:spcAft>
+              <a:buClr>
+                <a:srgbClr val="606060"/>
+              </a:buClr>
+              <a:buSzPct val="80000"/>
+              <a:buFont typeface="Times" charset="0"/>
+              <a:buChar char="•"/>
+              <a:defRPr sz="2400">
+                <a:solidFill>
+                  <a:srgbClr val="FFFFFF"/>
+                </a:solidFill>
+                <a:latin typeface="+mn-lt"/>
+                <a:ea typeface="MS PGothic" panose="020B0600070205080204" pitchFamily="34" charset="-128"/>
+                <a:cs typeface="MS PGothic" charset="0"/>
+              </a:defRPr>
+            </a:lvl5pPr>
+            <a:lvl6pPr marL="2514600" indent="-228600" algn="l" rtl="0" fontAlgn="base">
+              <a:spcBef>
+                <a:spcPct val="20000"/>
+              </a:spcBef>
+              <a:spcAft>
+                <a:spcPct val="0"/>
+              </a:spcAft>
+              <a:buClr>
+                <a:srgbClr val="1C5696"/>
+              </a:buClr>
+              <a:buSzPct val="80000"/>
+              <a:buFont typeface="Times" pitchFamily="44" charset="0"/>
+              <a:buChar char="•"/>
+              <a:defRPr sz="2400">
+                <a:solidFill>
+                  <a:schemeClr val="tx1"/>
+                </a:solidFill>
+                <a:latin typeface="+mn-lt"/>
+                <a:ea typeface="+mn-ea"/>
+              </a:defRPr>
+            </a:lvl6pPr>
+            <a:lvl7pPr marL="2971800" indent="-228600" algn="l" rtl="0" fontAlgn="base">
+              <a:spcBef>
+                <a:spcPct val="20000"/>
+              </a:spcBef>
+              <a:spcAft>
+                <a:spcPct val="0"/>
+              </a:spcAft>
+              <a:buClr>
+                <a:srgbClr val="1C5696"/>
+              </a:buClr>
+              <a:buSzPct val="80000"/>
+              <a:buFont typeface="Times" pitchFamily="44" charset="0"/>
+              <a:buChar char="•"/>
+              <a:defRPr sz="2400">
+                <a:solidFill>
+                  <a:schemeClr val="tx1"/>
+                </a:solidFill>
+                <a:latin typeface="+mn-lt"/>
+                <a:ea typeface="+mn-ea"/>
+              </a:defRPr>
+            </a:lvl7pPr>
+            <a:lvl8pPr marL="3429000" indent="-228600" algn="l" rtl="0" fontAlgn="base">
+              <a:spcBef>
+                <a:spcPct val="20000"/>
+              </a:spcBef>
+              <a:spcAft>
+                <a:spcPct val="0"/>
+              </a:spcAft>
+              <a:buClr>
+                <a:srgbClr val="1C5696"/>
+              </a:buClr>
+              <a:buSzPct val="80000"/>
+              <a:buFont typeface="Times" pitchFamily="44" charset="0"/>
+              <a:buChar char="•"/>
+              <a:defRPr sz="2400">
+                <a:solidFill>
+                  <a:schemeClr val="tx1"/>
+                </a:solidFill>
+                <a:latin typeface="+mn-lt"/>
+                <a:ea typeface="+mn-ea"/>
+              </a:defRPr>
+            </a:lvl8pPr>
+            <a:lvl9pPr marL="3886200" indent="-228600" algn="l" rtl="0" fontAlgn="base">
+              <a:spcBef>
+                <a:spcPct val="20000"/>
+              </a:spcBef>
+              <a:spcAft>
+                <a:spcPct val="0"/>
+              </a:spcAft>
+              <a:buClr>
+                <a:srgbClr val="1C5696"/>
+              </a:buClr>
+              <a:buSzPct val="80000"/>
+              <a:buFont typeface="Times" pitchFamily="44" charset="0"/>
+              <a:buChar char="•"/>
+              <a:defRPr sz="2400">
+                <a:solidFill>
+                  <a:schemeClr val="tx1"/>
+                </a:solidFill>
+                <a:latin typeface="+mn-lt"/>
+                <a:ea typeface="+mn-ea"/>
+              </a:defRPr>
+            </a:lvl9pPr>
+          </a:lstStyle>
+          <a:p>
+            <a:pPr marL="0" indent="0">
+              <a:buFont typeface="Times" charset="0"/>
+              <a:buNone/>
+            </a:pPr>
+            <a:r>
+              <a:rPr lang="en-US" sz="1600" kern="0">
+                <a:ea typeface="ＭＳ Ｐゴシック"/>
+              </a:rPr>
+              <a:t>For example: Resources found (links, manuals), Designs created, Decisions made and corresponding rational, Photos of prototype progress, etc.</a:t>
+            </a:r>
+          </a:p>
+          <a:p>
+            <a:pPr marL="0" indent="0">
+              <a:buFont typeface="Times" charset="0"/>
+              <a:buNone/>
+            </a:pPr>
+            <a:endParaRPr lang="en-US" sz="1600" kern="0"/>
+          </a:p>
+          <a:p>
+            <a:pPr marL="0" indent="0">
+              <a:buNone/>
+            </a:pPr>
+            <a:r>
+              <a:rPr lang="en-US" sz="1600" kern="0">
+                <a:ea typeface="ＭＳ Ｐゴシック"/>
+              </a:rPr>
+              <a:t>Learned Microsemi tools</a:t>
+            </a:r>
+            <a:endParaRPr lang="en-US" sz="1600" kern="0"/>
+          </a:p>
+          <a:p>
+            <a:pPr marL="0" indent="0">
+              <a:buNone/>
+            </a:pPr>
+            <a:r>
+              <a:rPr lang="en-US" sz="1600" kern="0">
+                <a:ea typeface="ＭＳ Ｐゴシック"/>
+              </a:rPr>
+              <a:t>Researched the communication tools</a:t>
+            </a:r>
+            <a:endParaRPr lang="en-US" sz="1600" kern="0"/>
+          </a:p>
+          <a:p>
+            <a:pPr marL="0" indent="0">
+              <a:buNone/>
+            </a:pPr>
+            <a:endParaRPr lang="en-US" sz="1600" kern="0"/>
+          </a:p>
+          <a:p>
+            <a:pPr marL="0" indent="0">
+              <a:buNone/>
+            </a:pPr>
+            <a:r>
+              <a:rPr lang="en-US" sz="1600" kern="0">
+                <a:ea typeface="ＭＳ Ｐゴシック"/>
+              </a:rPr>
+              <a:t>Looked into the code for I2C and SPI</a:t>
+            </a:r>
+            <a:endParaRPr lang="en-US" sz="1600" kern="0"/>
+          </a:p>
+          <a:p>
+            <a:pPr marL="0" indent="0">
+              <a:buNone/>
+            </a:pPr>
+            <a:endParaRPr lang="en-US" sz="1200" kern="0"/>
+          </a:p>
+          <a:p>
+            <a:pPr marL="0" indent="0">
+              <a:buNone/>
+            </a:pPr>
+            <a:endParaRPr lang="en-US" sz="1200" kern="0"/>
+          </a:p>
+        </p:txBody>
+      </p:sp>
+    </p:spTree>
+    <p:extLst>
+      <p:ext uri="{BB962C8B-B14F-4D97-AF65-F5344CB8AC3E}">
+        <p14:creationId xmlns:p14="http://schemas.microsoft.com/office/powerpoint/2010/main" val="2897208300"/>
+      </p:ext>
+    </p:extLst>
+  </p:cSld>
+  <p:clrMapOvr>
+    <a:masterClrMapping/>
+  </p:clrMapOvr>
+  <p:transition>
+    <p:fade/>
+  </p:transition>
+</p:sld>
+</file>
+
+<file path=ppt/slides/slide18.xml><?xml version="1.0" encoding="utf-8"?>
+<p:sld xmlns:a="http://schemas.openxmlformats.org/drawingml/2006/main" xmlns:r="http://schemas.openxmlformats.org/officeDocument/2006/relationships" xmlns:p="http://schemas.openxmlformats.org/presentationml/2006/main">
+  <p:cSld>
+    <p:spTree>
+      <p:nvGrpSpPr>
+        <p:cNvPr id="1" name=""/>
+        <p:cNvGrpSpPr/>
+        <p:nvPr/>
+      </p:nvGrpSpPr>
+      <p:grpSpPr>
+        <a:xfrm>
+          <a:off x="0" y="0"/>
+          <a:ext cx="0" cy="0"/>
+          <a:chOff x="0" y="0"/>
+          <a:chExt cx="0" cy="0"/>
+        </a:xfrm>
+      </p:grpSpPr>
+      <p:sp>
+        <p:nvSpPr>
+          <p:cNvPr id="2" name="Title 1"/>
+          <p:cNvSpPr>
+            <a:spLocks noGrp="1"/>
+          </p:cNvSpPr>
+          <p:nvPr>
+            <p:ph type="title"/>
+          </p:nvPr>
+        </p:nvSpPr>
+        <p:spPr/>
+        <p:txBody>
+          <a:bodyPr/>
+          <a:lstStyle/>
+          <a:p>
+            <a:r>
+              <a:rPr lang="en-US"/>
+              <a:t>Difficulties encountered during the week </a:t>
+            </a:r>
+            <a:br>
+              <a:rPr lang="en-US"/>
+            </a:br>
+            <a:r>
+              <a:rPr lang="en-US" sz="1400"/>
+              <a:t>(What I did not do and why)</a:t>
+            </a:r>
+            <a:endParaRPr lang="en-US"/>
+          </a:p>
+        </p:txBody>
+      </p:sp>
+      <p:sp>
+        <p:nvSpPr>
+          <p:cNvPr id="3" name="TextBox 2"/>
+          <p:cNvSpPr txBox="1"/>
+          <p:nvPr/>
+        </p:nvSpPr>
+        <p:spPr>
+          <a:xfrm>
+            <a:off x="558452" y="1447800"/>
+            <a:ext cx="10820400" cy="461665"/>
+          </a:xfrm>
+          <a:prstGeom prst="rect">
+            <a:avLst/>
+          </a:prstGeom>
+          <a:noFill/>
+        </p:spPr>
+        <p:txBody>
+          <a:bodyPr wrap="square" rtlCol="0" anchor="t">
+            <a:spAutoFit/>
+          </a:bodyPr>
+          <a:lstStyle/>
+          <a:p>
+            <a:pPr marL="342900" indent="-342900">
+              <a:buFont typeface="Arial" panose="020B0604020202020204" pitchFamily="34" charset="0"/>
+              <a:buChar char="•"/>
+            </a:pPr>
+            <a:r>
+              <a:rPr lang="en-US">
+                <a:solidFill>
+                  <a:schemeClr val="bg1"/>
+                </a:solidFill>
+                <a:latin typeface="Arial"/>
+                <a:ea typeface="ＭＳ Ｐゴシック"/>
+              </a:rPr>
+              <a:t>VPN isn't letting me login</a:t>
+            </a:r>
+            <a:endParaRPr lang="en-US">
+              <a:solidFill>
+                <a:schemeClr val="bg1"/>
+              </a:solidFill>
+            </a:endParaRPr>
+          </a:p>
+        </p:txBody>
+      </p:sp>
+    </p:spTree>
+    <p:extLst>
+      <p:ext uri="{BB962C8B-B14F-4D97-AF65-F5344CB8AC3E}">
+        <p14:creationId xmlns:p14="http://schemas.microsoft.com/office/powerpoint/2010/main" val="871459680"/>
+      </p:ext>
+    </p:extLst>
+  </p:cSld>
+  <p:clrMapOvr>
+    <a:masterClrMapping/>
+  </p:clrMapOvr>
+  <p:transition>
+    <p:fade/>
+  </p:transition>
+</p:sld>
+</file>
+
+<file path=ppt/slides/slide19.xml><?xml version="1.0" encoding="utf-8"?>
+<p:sld xmlns:a="http://schemas.openxmlformats.org/drawingml/2006/main" xmlns:r="http://schemas.openxmlformats.org/officeDocument/2006/relationships" xmlns:p="http://schemas.openxmlformats.org/presentationml/2006/main">
+  <p:cSld>
+    <p:spTree>
+      <p:nvGrpSpPr>
+        <p:cNvPr id="1" name=""/>
+        <p:cNvGrpSpPr/>
+        <p:nvPr/>
+      </p:nvGrpSpPr>
+      <p:grpSpPr>
+        <a:xfrm>
+          <a:off x="0" y="0"/>
+          <a:ext cx="0" cy="0"/>
+          <a:chOff x="0" y="0"/>
+          <a:chExt cx="0" cy="0"/>
+        </a:xfrm>
+      </p:grpSpPr>
+      <p:sp>
+        <p:nvSpPr>
+          <p:cNvPr id="2" name="Title 1"/>
+          <p:cNvSpPr>
+            <a:spLocks noGrp="1"/>
+          </p:cNvSpPr>
+          <p:nvPr>
+            <p:ph type="title"/>
+          </p:nvPr>
+        </p:nvSpPr>
+        <p:spPr/>
+        <p:txBody>
+          <a:bodyPr/>
+          <a:lstStyle/>
+          <a:p>
+            <a:r>
+              <a:rPr lang="en-US"/>
+              <a:t>Goals for this coming week</a:t>
+            </a:r>
+            <a:br>
+              <a:rPr lang="en-US"/>
+            </a:br>
+            <a:r>
+              <a:rPr lang="en-US" sz="1200"/>
+              <a:t>(Ones that move the project forward the most)</a:t>
+            </a:r>
+          </a:p>
+        </p:txBody>
+      </p:sp>
+      <p:graphicFrame>
+        <p:nvGraphicFramePr>
+          <p:cNvPr id="3" name="Table 2"/>
+          <p:cNvGraphicFramePr>
+            <a:graphicFrameLocks noGrp="1"/>
+          </p:cNvGraphicFramePr>
+          <p:nvPr>
+            <p:extLst>
+              <p:ext uri="{D42A27DB-BD31-4B8C-83A1-F6EECF244321}">
+                <p14:modId xmlns:p14="http://schemas.microsoft.com/office/powerpoint/2010/main" val="3266269981"/>
+              </p:ext>
+            </p:extLst>
+          </p:nvPr>
+        </p:nvGraphicFramePr>
+        <p:xfrm>
+          <a:off x="685800" y="1371600"/>
+          <a:ext cx="10896600" cy="2133599"/>
+        </p:xfrm>
+        <a:graphic>
+          <a:graphicData uri="http://schemas.openxmlformats.org/drawingml/2006/table">
+            <a:tbl>
+              <a:tblPr firstRow="1" lastCol="1" bandRow="1">
+                <a:tableStyleId>{2D5ABB26-0587-4C30-8999-92F81FD0307C}</a:tableStyleId>
+              </a:tblPr>
+              <a:tblGrid>
+                <a:gridCol w="9397068">
+                  <a:extLst>
+                    <a:ext uri="{9D8B030D-6E8A-4147-A177-3AD203B41FA5}">
+                      <a16:colId xmlns:a16="http://schemas.microsoft.com/office/drawing/2014/main" val="20000"/>
+                    </a:ext>
+                  </a:extLst>
+                </a:gridCol>
+                <a:gridCol w="799750">
+                  <a:extLst>
+                    <a:ext uri="{9D8B030D-6E8A-4147-A177-3AD203B41FA5}">
+                      <a16:colId xmlns:a16="http://schemas.microsoft.com/office/drawing/2014/main" val="20001"/>
+                    </a:ext>
+                  </a:extLst>
+                </a:gridCol>
+                <a:gridCol w="699782">
+                  <a:extLst>
+                    <a:ext uri="{9D8B030D-6E8A-4147-A177-3AD203B41FA5}">
+                      <a16:colId xmlns:a16="http://schemas.microsoft.com/office/drawing/2014/main" val="20002"/>
+                    </a:ext>
+                  </a:extLst>
+                </a:gridCol>
+              </a:tblGrid>
+              <a:tr h="609599">
+                <a:tc>
+                  <a:txBody>
+                    <a:bodyPr/>
+                    <a:lstStyle/>
+                    <a:p>
+                      <a:pPr algn="l" fontAlgn="ctr"/>
+                      <a:r>
+                        <a:rPr lang="en-US" sz="1100" u="none" strike="noStrike">
+                          <a:solidFill>
+                            <a:schemeClr val="bg1"/>
+                          </a:solidFill>
+                          <a:effectLst/>
+                        </a:rPr>
+                        <a:t>Goal/Task</a:t>
+                      </a:r>
+                      <a:endParaRPr lang="en-US" sz="1100" b="0" i="0" u="none" strike="noStrike">
+                        <a:solidFill>
+                          <a:schemeClr val="bg1"/>
+                        </a:solidFill>
+                        <a:effectLst/>
+                        <a:latin typeface="Calibri" panose="020F0502020204030204" pitchFamily="34" charset="0"/>
+                      </a:endParaRPr>
+                    </a:p>
+                  </a:txBody>
+                  <a:tcPr marL="9525" marR="9525" marT="9525" marB="0" anchor="ctr">
+                    <a:lnL w="12700" cap="flat" cmpd="sng" algn="ctr">
+                      <a:solidFill>
+                        <a:schemeClr val="bg1">
+                          <a:lumMod val="65000"/>
+                        </a:schemeClr>
+                      </a:solidFill>
+                      <a:prstDash val="solid"/>
+                      <a:round/>
+                      <a:headEnd type="none" w="med" len="med"/>
+                      <a:tailEnd type="none" w="med" len="med"/>
+                    </a:lnL>
+                    <a:lnR w="12700" cap="flat" cmpd="sng" algn="ctr">
+                      <a:solidFill>
+                        <a:schemeClr val="bg1">
+                          <a:lumMod val="65000"/>
+                        </a:schemeClr>
+                      </a:solidFill>
+                      <a:prstDash val="solid"/>
+                      <a:round/>
+                      <a:headEnd type="none" w="med" len="med"/>
+                      <a:tailEnd type="none" w="med" len="med"/>
+                    </a:lnR>
+                    <a:lnT w="12700" cap="flat" cmpd="sng" algn="ctr">
+                      <a:solidFill>
+                        <a:schemeClr val="bg1">
+                          <a:lumMod val="65000"/>
+                        </a:schemeClr>
+                      </a:solidFill>
+                      <a:prstDash val="solid"/>
+                      <a:round/>
+                      <a:headEnd type="none" w="med" len="med"/>
+                      <a:tailEnd type="none" w="med" len="med"/>
+                    </a:lnT>
+                    <a:lnB w="12700" cap="flat" cmpd="sng" algn="ctr">
+                      <a:solidFill>
+                        <a:schemeClr val="bg1">
+                          <a:lumMod val="65000"/>
+                        </a:schemeClr>
+                      </a:solidFill>
+                      <a:prstDash val="solid"/>
+                      <a:round/>
+                      <a:headEnd type="none" w="med" len="med"/>
+                      <a:tailEnd type="none" w="med" len="med"/>
+                    </a:lnB>
+                  </a:tcPr>
+                </a:tc>
+                <a:tc>
+                  <a:txBody>
+                    <a:bodyPr/>
+                    <a:lstStyle/>
+                    <a:p>
+                      <a:pPr marL="0" marR="0" indent="0" algn="ctr" defTabSz="457200" rtl="0" eaLnBrk="1" fontAlgn="ctr" latinLnBrk="0" hangingPunct="1">
+                        <a:lnSpc>
+                          <a:spcPct val="100000"/>
+                        </a:lnSpc>
+                        <a:spcBef>
+                          <a:spcPts val="0"/>
+                        </a:spcBef>
+                        <a:spcAft>
+                          <a:spcPts val="0"/>
+                        </a:spcAft>
+                        <a:buClrTx/>
+                        <a:buSzTx/>
+                        <a:buFontTx/>
+                        <a:buNone/>
+                        <a:tabLst/>
+                        <a:defRPr/>
+                      </a:pPr>
+                      <a:r>
+                        <a:rPr lang="en-US" sz="1100" u="none" strike="noStrike">
+                          <a:solidFill>
+                            <a:schemeClr val="bg1"/>
+                          </a:solidFill>
+                          <a:effectLst/>
+                        </a:rPr>
+                        <a:t>Stop Date (Est.)</a:t>
+                      </a:r>
+                      <a:endParaRPr lang="en-US" sz="1100" b="0" i="0" u="none" strike="noStrike">
+                        <a:solidFill>
+                          <a:schemeClr val="bg1"/>
+                        </a:solidFill>
+                        <a:effectLst/>
+                        <a:latin typeface="Calibri" panose="020F0502020204030204" pitchFamily="34" charset="0"/>
+                      </a:endParaRPr>
+                    </a:p>
+                  </a:txBody>
+                  <a:tcPr marL="9525" marR="9525" marT="9525" marB="0" anchor="ctr">
+                    <a:lnL w="12700" cap="flat" cmpd="sng" algn="ctr">
+                      <a:solidFill>
+                        <a:schemeClr val="bg1">
+                          <a:lumMod val="65000"/>
+                        </a:schemeClr>
+                      </a:solidFill>
+                      <a:prstDash val="solid"/>
+                      <a:round/>
+                      <a:headEnd type="none" w="med" len="med"/>
+                      <a:tailEnd type="none" w="med" len="med"/>
+                    </a:lnL>
+                    <a:lnR w="12700" cap="flat" cmpd="sng" algn="ctr">
+                      <a:solidFill>
+                        <a:schemeClr val="bg1">
+                          <a:lumMod val="65000"/>
+                        </a:schemeClr>
+                      </a:solidFill>
+                      <a:prstDash val="solid"/>
+                      <a:round/>
+                      <a:headEnd type="none" w="med" len="med"/>
+                      <a:tailEnd type="none" w="med" len="med"/>
+                    </a:lnR>
+                    <a:lnT w="12700" cap="flat" cmpd="sng" algn="ctr">
+                      <a:solidFill>
+                        <a:schemeClr val="bg1">
+                          <a:lumMod val="65000"/>
+                        </a:schemeClr>
+                      </a:solidFill>
+                      <a:prstDash val="solid"/>
+                      <a:round/>
+                      <a:headEnd type="none" w="med" len="med"/>
+                      <a:tailEnd type="none" w="med" len="med"/>
+                    </a:lnT>
+                    <a:lnB w="12700" cap="flat" cmpd="sng" algn="ctr">
+                      <a:solidFill>
+                        <a:schemeClr val="bg1">
+                          <a:lumMod val="65000"/>
+                        </a:schemeClr>
+                      </a:solidFill>
+                      <a:prstDash val="solid"/>
+                      <a:round/>
+                      <a:headEnd type="none" w="med" len="med"/>
+                      <a:tailEnd type="none" w="med" len="med"/>
+                    </a:lnB>
+                  </a:tcPr>
+                </a:tc>
+                <a:tc>
+                  <a:txBody>
+                    <a:bodyPr/>
+                    <a:lstStyle/>
+                    <a:p>
+                      <a:pPr algn="ctr" fontAlgn="ctr"/>
+                      <a:endParaRPr lang="en-US" sz="1100" u="none" strike="noStrike">
+                        <a:solidFill>
+                          <a:schemeClr val="bg1"/>
+                        </a:solidFill>
+                        <a:effectLst/>
+                      </a:endParaRPr>
+                    </a:p>
+                    <a:p>
+                      <a:pPr marL="0" marR="0" indent="0" algn="ctr" defTabSz="457200" rtl="0" eaLnBrk="1" fontAlgn="ctr" latinLnBrk="0" hangingPunct="1">
+                        <a:lnSpc>
+                          <a:spcPct val="100000"/>
+                        </a:lnSpc>
+                        <a:spcBef>
+                          <a:spcPts val="0"/>
+                        </a:spcBef>
+                        <a:spcAft>
+                          <a:spcPts val="0"/>
+                        </a:spcAft>
+                        <a:buClrTx/>
+                        <a:buSzTx/>
+                        <a:buFontTx/>
+                        <a:buNone/>
+                        <a:tabLst/>
+                        <a:defRPr/>
+                      </a:pPr>
+                      <a:r>
+                        <a:rPr lang="en-US" sz="1100" u="none" strike="noStrike">
+                          <a:solidFill>
+                            <a:schemeClr val="bg1"/>
+                          </a:solidFill>
+                          <a:effectLst/>
+                        </a:rPr>
+                        <a:t>Hours (Est.)</a:t>
+                      </a:r>
+                      <a:endParaRPr lang="en-US" sz="1100" b="0" i="0" u="none" strike="noStrike">
+                        <a:solidFill>
+                          <a:schemeClr val="bg1"/>
+                        </a:solidFill>
+                        <a:effectLst/>
+                        <a:latin typeface="Calibri" panose="020F0502020204030204" pitchFamily="34" charset="0"/>
+                      </a:endParaRPr>
+                    </a:p>
+                  </a:txBody>
+                  <a:tcPr marL="9525" marR="9525" marT="9525" marB="0" anchor="ctr">
+                    <a:lnL w="12700" cap="flat" cmpd="sng" algn="ctr">
+                      <a:solidFill>
+                        <a:schemeClr val="bg1">
+                          <a:lumMod val="65000"/>
+                        </a:schemeClr>
+                      </a:solidFill>
+                      <a:prstDash val="solid"/>
+                      <a:round/>
+                      <a:headEnd type="none" w="med" len="med"/>
+                      <a:tailEnd type="none" w="med" len="med"/>
+                    </a:lnL>
+                    <a:lnR w="12700" cap="flat" cmpd="sng" algn="ctr">
+                      <a:solidFill>
+                        <a:schemeClr val="bg1">
+                          <a:lumMod val="65000"/>
+                        </a:schemeClr>
+                      </a:solidFill>
+                      <a:prstDash val="solid"/>
+                      <a:round/>
+                      <a:headEnd type="none" w="med" len="med"/>
+                      <a:tailEnd type="none" w="med" len="med"/>
+                    </a:lnR>
+                    <a:lnT w="12700" cap="flat" cmpd="sng" algn="ctr">
+                      <a:solidFill>
+                        <a:schemeClr val="bg1">
+                          <a:lumMod val="65000"/>
+                        </a:schemeClr>
+                      </a:solidFill>
+                      <a:prstDash val="solid"/>
+                      <a:round/>
+                      <a:headEnd type="none" w="med" len="med"/>
+                      <a:tailEnd type="none" w="med" len="med"/>
+                    </a:lnT>
+                    <a:lnB w="12700" cap="flat" cmpd="sng" algn="ctr">
+                      <a:solidFill>
+                        <a:schemeClr val="bg1">
+                          <a:lumMod val="65000"/>
+                        </a:schemeClr>
+                      </a:solidFill>
+                      <a:prstDash val="solid"/>
+                      <a:round/>
+                      <a:headEnd type="none" w="med" len="med"/>
+                      <a:tailEnd type="none" w="med" len="med"/>
+                    </a:lnB>
+                  </a:tcPr>
+                </a:tc>
+                <a:extLst>
+                  <a:ext uri="{0D108BD9-81ED-4DB2-BD59-A6C34878D82A}">
+                    <a16:rowId xmlns:a16="http://schemas.microsoft.com/office/drawing/2014/main" val="10000"/>
+                  </a:ext>
+                </a:extLst>
+              </a:tr>
+              <a:tr h="381000">
+                <a:tc>
+                  <a:txBody>
+                    <a:bodyPr/>
+                    <a:lstStyle/>
+                    <a:p>
+                      <a:pPr algn="l" fontAlgn="b"/>
+                      <a:r>
+                        <a:rPr lang="en-US" sz="1200" u="none" strike="noStrike">
+                          <a:solidFill>
+                            <a:schemeClr val="bg1"/>
+                          </a:solidFill>
+                          <a:effectLst/>
+                          <a:latin typeface="Arial"/>
+                        </a:rPr>
+                        <a:t> Course Work</a:t>
+                      </a:r>
+                      <a:endParaRPr lang="en-US" sz="1200" b="0" i="0" u="none" strike="noStrike">
+                        <a:solidFill>
+                          <a:schemeClr val="bg1"/>
+                        </a:solidFill>
+                        <a:effectLst/>
+                        <a:latin typeface="Arial"/>
+                      </a:endParaRPr>
+                    </a:p>
+                  </a:txBody>
+                  <a:tcPr marL="9525" marR="9525" marT="9525" marB="0" anchor="ctr">
+                    <a:lnL w="12700" cap="flat" cmpd="sng" algn="ctr">
+                      <a:solidFill>
+                        <a:schemeClr val="bg1">
+                          <a:lumMod val="65000"/>
+                        </a:schemeClr>
+                      </a:solidFill>
+                      <a:prstDash val="solid"/>
+                      <a:round/>
+                      <a:headEnd type="none" w="med" len="med"/>
+                      <a:tailEnd type="none" w="med" len="med"/>
+                    </a:lnL>
+                    <a:lnR w="12700" cap="flat" cmpd="sng" algn="ctr">
+                      <a:solidFill>
+                        <a:schemeClr val="bg1">
+                          <a:lumMod val="65000"/>
+                        </a:schemeClr>
+                      </a:solidFill>
+                      <a:prstDash val="solid"/>
+                      <a:round/>
+                      <a:headEnd type="none" w="med" len="med"/>
+                      <a:tailEnd type="none" w="med" len="med"/>
+                    </a:lnR>
+                    <a:lnT w="12700" cap="flat" cmpd="sng" algn="ctr">
+                      <a:solidFill>
+                        <a:schemeClr val="bg1">
+                          <a:lumMod val="65000"/>
+                        </a:schemeClr>
+                      </a:solidFill>
+                      <a:prstDash val="solid"/>
+                      <a:round/>
+                      <a:headEnd type="none" w="med" len="med"/>
+                      <a:tailEnd type="none" w="med" len="med"/>
+                    </a:lnT>
+                    <a:lnB w="12700" cap="flat" cmpd="sng" algn="ctr">
+                      <a:solidFill>
+                        <a:schemeClr val="bg1">
+                          <a:lumMod val="65000"/>
+                        </a:schemeClr>
+                      </a:solidFill>
+                      <a:prstDash val="solid"/>
+                      <a:round/>
+                      <a:headEnd type="none" w="med" len="med"/>
+                      <a:tailEnd type="none" w="med" len="med"/>
+                    </a:lnB>
+                  </a:tcPr>
+                </a:tc>
+                <a:tc>
+                  <a:txBody>
+                    <a:bodyPr/>
+                    <a:lstStyle/>
+                    <a:p>
+                      <a:pPr algn="l" fontAlgn="b"/>
+                      <a:r>
+                        <a:rPr lang="en-US" sz="1200" b="0" i="0" u="none" strike="noStrike">
+                          <a:solidFill>
+                            <a:schemeClr val="bg1"/>
+                          </a:solidFill>
+                          <a:effectLst/>
+                          <a:latin typeface="Arial"/>
+                        </a:rPr>
+                        <a:t>5/19</a:t>
+                      </a:r>
+                    </a:p>
+                  </a:txBody>
+                  <a:tcPr marL="9525" marR="9525" marT="9525" marB="0" anchor="b">
+                    <a:lnL w="12700" cap="flat" cmpd="sng" algn="ctr">
+                      <a:solidFill>
+                        <a:schemeClr val="bg1">
+                          <a:lumMod val="65000"/>
+                        </a:schemeClr>
+                      </a:solidFill>
+                      <a:prstDash val="solid"/>
+                      <a:round/>
+                      <a:headEnd type="none" w="med" len="med"/>
+                      <a:tailEnd type="none" w="med" len="med"/>
+                    </a:lnL>
+                    <a:lnR w="12700" cap="flat" cmpd="sng" algn="ctr">
+                      <a:solidFill>
+                        <a:schemeClr val="bg1">
+                          <a:lumMod val="65000"/>
+                        </a:schemeClr>
+                      </a:solidFill>
+                      <a:prstDash val="solid"/>
+                      <a:round/>
+                      <a:headEnd type="none" w="med" len="med"/>
+                      <a:tailEnd type="none" w="med" len="med"/>
+                    </a:lnR>
+                    <a:lnT w="12700" cap="flat" cmpd="sng" algn="ctr">
+                      <a:solidFill>
+                        <a:schemeClr val="bg1">
+                          <a:lumMod val="65000"/>
+                        </a:schemeClr>
+                      </a:solidFill>
+                      <a:prstDash val="solid"/>
+                      <a:round/>
+                      <a:headEnd type="none" w="med" len="med"/>
+                      <a:tailEnd type="none" w="med" len="med"/>
+                    </a:lnT>
+                    <a:lnB w="12700" cap="flat" cmpd="sng" algn="ctr">
+                      <a:solidFill>
+                        <a:schemeClr val="bg1">
+                          <a:lumMod val="65000"/>
+                        </a:schemeClr>
+                      </a:solidFill>
+                      <a:prstDash val="solid"/>
+                      <a:round/>
+                      <a:headEnd type="none" w="med" len="med"/>
+                      <a:tailEnd type="none" w="med" len="med"/>
+                    </a:lnB>
+                  </a:tcPr>
+                </a:tc>
+                <a:tc>
+                  <a:txBody>
+                    <a:bodyPr/>
+                    <a:lstStyle/>
+                    <a:p>
+                      <a:pPr algn="ctr" fontAlgn="ctr"/>
+                      <a:r>
+                        <a:rPr lang="en-US" sz="1200" b="0" i="0" u="none" strike="noStrike">
+                          <a:solidFill>
+                            <a:schemeClr val="bg1"/>
+                          </a:solidFill>
+                          <a:effectLst/>
+                          <a:latin typeface="Arial"/>
+                        </a:rPr>
+                        <a:t>7.5</a:t>
+                      </a:r>
+                    </a:p>
+                  </a:txBody>
+                  <a:tcPr marL="9525" marR="9525" marT="9525" marB="0" anchor="ctr">
+                    <a:lnL w="12700" cap="flat" cmpd="sng" algn="ctr">
+                      <a:solidFill>
+                        <a:schemeClr val="bg1">
+                          <a:lumMod val="65000"/>
+                        </a:schemeClr>
+                      </a:solidFill>
+                      <a:prstDash val="solid"/>
+                      <a:round/>
+                      <a:headEnd type="none" w="med" len="med"/>
+                      <a:tailEnd type="none" w="med" len="med"/>
+                    </a:lnL>
+                    <a:lnR w="12700" cap="flat" cmpd="sng" algn="ctr">
+                      <a:solidFill>
+                        <a:schemeClr val="bg1">
+                          <a:lumMod val="65000"/>
+                        </a:schemeClr>
+                      </a:solidFill>
+                      <a:prstDash val="solid"/>
+                      <a:round/>
+                      <a:headEnd type="none" w="med" len="med"/>
+                      <a:tailEnd type="none" w="med" len="med"/>
+                    </a:lnR>
+                    <a:lnT w="12700" cap="flat" cmpd="sng" algn="ctr">
+                      <a:solidFill>
+                        <a:schemeClr val="bg1">
+                          <a:lumMod val="65000"/>
+                        </a:schemeClr>
+                      </a:solidFill>
+                      <a:prstDash val="solid"/>
+                      <a:round/>
+                      <a:headEnd type="none" w="med" len="med"/>
+                      <a:tailEnd type="none" w="med" len="med"/>
+                    </a:lnT>
+                    <a:lnB w="12700" cap="flat" cmpd="sng" algn="ctr">
+                      <a:solidFill>
+                        <a:schemeClr val="bg1">
+                          <a:lumMod val="65000"/>
+                        </a:schemeClr>
+                      </a:solidFill>
+                      <a:prstDash val="solid"/>
+                      <a:round/>
+                      <a:headEnd type="none" w="med" len="med"/>
+                      <a:tailEnd type="none" w="med" len="med"/>
+                    </a:lnB>
+                  </a:tcPr>
+                </a:tc>
+                <a:extLst>
+                  <a:ext uri="{0D108BD9-81ED-4DB2-BD59-A6C34878D82A}">
+                    <a16:rowId xmlns:a16="http://schemas.microsoft.com/office/drawing/2014/main" val="10001"/>
+                  </a:ext>
+                </a:extLst>
+              </a:tr>
+              <a:tr h="381000">
+                <a:tc>
+                  <a:txBody>
+                    <a:bodyPr/>
+                    <a:lstStyle/>
+                    <a:p>
+                      <a:pPr algn="l" fontAlgn="b"/>
+                      <a:r>
+                        <a:rPr lang="en-US" sz="1200" b="0" i="0" u="none" strike="noStrike">
+                          <a:solidFill>
+                            <a:schemeClr val="bg1"/>
+                          </a:solidFill>
+                          <a:effectLst/>
+                          <a:latin typeface="Arial"/>
+                        </a:rPr>
+                        <a:t>COM Test - Arduino</a:t>
+                      </a:r>
+                    </a:p>
+                  </a:txBody>
+                  <a:tcPr marL="9525" marR="9525" marT="9525" marB="0" anchor="ctr">
+                    <a:lnL w="12700" cap="flat" cmpd="sng" algn="ctr">
+                      <a:solidFill>
+                        <a:schemeClr val="bg1">
+                          <a:lumMod val="65000"/>
+                        </a:schemeClr>
+                      </a:solidFill>
+                      <a:prstDash val="solid"/>
+                      <a:round/>
+                      <a:headEnd type="none" w="med" len="med"/>
+                      <a:tailEnd type="none" w="med" len="med"/>
+                    </a:lnL>
+                    <a:lnR w="12700" cap="flat" cmpd="sng" algn="ctr">
+                      <a:solidFill>
+                        <a:schemeClr val="bg1">
+                          <a:lumMod val="65000"/>
+                        </a:schemeClr>
+                      </a:solidFill>
+                      <a:prstDash val="solid"/>
+                      <a:round/>
+                      <a:headEnd type="none" w="med" len="med"/>
+                      <a:tailEnd type="none" w="med" len="med"/>
+                    </a:lnR>
+                    <a:lnT w="12700" cap="flat" cmpd="sng" algn="ctr">
+                      <a:solidFill>
+                        <a:schemeClr val="bg1">
+                          <a:lumMod val="65000"/>
+                        </a:schemeClr>
+                      </a:solidFill>
+                      <a:prstDash val="solid"/>
+                      <a:round/>
+                      <a:headEnd type="none" w="med" len="med"/>
+                      <a:tailEnd type="none" w="med" len="med"/>
+                    </a:lnT>
+                    <a:lnB w="12700" cap="flat" cmpd="sng" algn="ctr">
+                      <a:solidFill>
+                        <a:schemeClr val="bg1">
+                          <a:lumMod val="65000"/>
+                        </a:schemeClr>
+                      </a:solidFill>
+                      <a:prstDash val="solid"/>
+                      <a:round/>
+                      <a:headEnd type="none" w="med" len="med"/>
+                      <a:tailEnd type="none" w="med" len="med"/>
+                    </a:lnB>
+                  </a:tcPr>
+                </a:tc>
+                <a:tc>
+                  <a:txBody>
+                    <a:bodyPr/>
+                    <a:lstStyle/>
+                    <a:p>
+                      <a:pPr algn="l" fontAlgn="b"/>
+                      <a:r>
+                        <a:rPr lang="en-US" sz="1200" b="0" i="0" u="none" strike="noStrike">
+                          <a:solidFill>
+                            <a:schemeClr val="bg1"/>
+                          </a:solidFill>
+                          <a:effectLst/>
+                          <a:latin typeface="Arial"/>
+                        </a:rPr>
+                        <a:t>5/26</a:t>
+                      </a:r>
+                    </a:p>
+                  </a:txBody>
+                  <a:tcPr marL="9525" marR="9525" marT="9525" marB="0" anchor="b">
+                    <a:lnL w="12700" cap="flat" cmpd="sng" algn="ctr">
+                      <a:solidFill>
+                        <a:schemeClr val="bg1">
+                          <a:lumMod val="65000"/>
+                        </a:schemeClr>
+                      </a:solidFill>
+                      <a:prstDash val="solid"/>
+                      <a:round/>
+                      <a:headEnd type="none" w="med" len="med"/>
+                      <a:tailEnd type="none" w="med" len="med"/>
+                    </a:lnL>
+                    <a:lnR w="12700" cap="flat" cmpd="sng" algn="ctr">
+                      <a:solidFill>
+                        <a:schemeClr val="bg1">
+                          <a:lumMod val="65000"/>
+                        </a:schemeClr>
+                      </a:solidFill>
+                      <a:prstDash val="solid"/>
+                      <a:round/>
+                      <a:headEnd type="none" w="med" len="med"/>
+                      <a:tailEnd type="none" w="med" len="med"/>
+                    </a:lnR>
+                    <a:lnT w="12700" cap="flat" cmpd="sng" algn="ctr">
+                      <a:solidFill>
+                        <a:schemeClr val="bg1">
+                          <a:lumMod val="65000"/>
+                        </a:schemeClr>
+                      </a:solidFill>
+                      <a:prstDash val="solid"/>
+                      <a:round/>
+                      <a:headEnd type="none" w="med" len="med"/>
+                      <a:tailEnd type="none" w="med" len="med"/>
+                    </a:lnT>
+                    <a:lnB w="12700" cap="flat" cmpd="sng" algn="ctr">
+                      <a:solidFill>
+                        <a:schemeClr val="bg1">
+                          <a:lumMod val="65000"/>
+                        </a:schemeClr>
+                      </a:solidFill>
+                      <a:prstDash val="solid"/>
+                      <a:round/>
+                      <a:headEnd type="none" w="med" len="med"/>
+                      <a:tailEnd type="none" w="med" len="med"/>
+                    </a:lnB>
+                  </a:tcPr>
+                </a:tc>
+                <a:tc>
+                  <a:txBody>
+                    <a:bodyPr/>
+                    <a:lstStyle/>
+                    <a:p>
+                      <a:pPr algn="ctr" fontAlgn="ctr"/>
+                      <a:r>
+                        <a:rPr lang="en-US" sz="1200" b="0" i="0" u="none" strike="noStrike">
+                          <a:solidFill>
+                            <a:schemeClr val="bg1"/>
+                          </a:solidFill>
+                          <a:effectLst/>
+                          <a:latin typeface="Arial"/>
+                        </a:rPr>
+                        <a:t>3.5</a:t>
+                      </a:r>
+                    </a:p>
+                  </a:txBody>
+                  <a:tcPr marL="9525" marR="9525" marT="9525" marB="0" anchor="ctr">
+                    <a:lnL w="12700" cap="flat" cmpd="sng" algn="ctr">
+                      <a:solidFill>
+                        <a:schemeClr val="bg1">
+                          <a:lumMod val="65000"/>
+                        </a:schemeClr>
+                      </a:solidFill>
+                      <a:prstDash val="solid"/>
+                      <a:round/>
+                      <a:headEnd type="none" w="med" len="med"/>
+                      <a:tailEnd type="none" w="med" len="med"/>
+                    </a:lnL>
+                    <a:lnR w="12700" cap="flat" cmpd="sng" algn="ctr">
+                      <a:solidFill>
+                        <a:schemeClr val="bg1">
+                          <a:lumMod val="65000"/>
+                        </a:schemeClr>
+                      </a:solidFill>
+                      <a:prstDash val="solid"/>
+                      <a:round/>
+                      <a:headEnd type="none" w="med" len="med"/>
+                      <a:tailEnd type="none" w="med" len="med"/>
+                    </a:lnR>
+                    <a:lnT w="12700" cap="flat" cmpd="sng" algn="ctr">
+                      <a:solidFill>
+                        <a:schemeClr val="bg1">
+                          <a:lumMod val="65000"/>
+                        </a:schemeClr>
+                      </a:solidFill>
+                      <a:prstDash val="solid"/>
+                      <a:round/>
+                      <a:headEnd type="none" w="med" len="med"/>
+                      <a:tailEnd type="none" w="med" len="med"/>
+                    </a:lnT>
+                    <a:lnB w="12700" cap="flat" cmpd="sng" algn="ctr">
+                      <a:solidFill>
+                        <a:schemeClr val="bg1">
+                          <a:lumMod val="65000"/>
+                        </a:schemeClr>
+                      </a:solidFill>
+                      <a:prstDash val="solid"/>
+                      <a:round/>
+                      <a:headEnd type="none" w="med" len="med"/>
+                      <a:tailEnd type="none" w="med" len="med"/>
+                    </a:lnB>
+                  </a:tcPr>
+                </a:tc>
+                <a:extLst>
+                  <a:ext uri="{0D108BD9-81ED-4DB2-BD59-A6C34878D82A}">
+                    <a16:rowId xmlns:a16="http://schemas.microsoft.com/office/drawing/2014/main" val="10002"/>
+                  </a:ext>
+                </a:extLst>
+              </a:tr>
+              <a:tr h="381000">
+                <a:tc>
+                  <a:txBody>
+                    <a:bodyPr/>
+                    <a:lstStyle/>
+                    <a:p>
+                      <a:pPr algn="l" fontAlgn="b"/>
+                      <a:r>
+                        <a:rPr lang="en-US" sz="1200" b="0" i="0" u="none" strike="noStrike">
+                          <a:solidFill>
+                            <a:schemeClr val="bg1"/>
+                          </a:solidFill>
+                          <a:effectLst/>
+                          <a:latin typeface="Arial"/>
+                        </a:rPr>
+                        <a:t>Learn Microsemi – Libero/</a:t>
+                      </a:r>
+                      <a:r>
+                        <a:rPr lang="en-US" sz="1200" b="0" i="0" u="none" strike="noStrike" err="1">
+                          <a:solidFill>
+                            <a:schemeClr val="bg1"/>
+                          </a:solidFill>
+                          <a:effectLst/>
+                          <a:latin typeface="Arial"/>
+                        </a:rPr>
+                        <a:t>Softconsole</a:t>
+                      </a:r>
+                    </a:p>
+                  </a:txBody>
+                  <a:tcPr marL="9525" marR="9525" marT="9525" marB="0" anchor="ctr">
+                    <a:lnL w="12700" cap="flat" cmpd="sng" algn="ctr">
+                      <a:solidFill>
+                        <a:schemeClr val="bg1">
+                          <a:lumMod val="65000"/>
+                        </a:schemeClr>
+                      </a:solidFill>
+                      <a:prstDash val="solid"/>
+                      <a:round/>
+                      <a:headEnd type="none" w="med" len="med"/>
+                      <a:tailEnd type="none" w="med" len="med"/>
+                    </a:lnL>
+                    <a:lnR w="12700" cap="flat" cmpd="sng" algn="ctr">
+                      <a:solidFill>
+                        <a:schemeClr val="bg1">
+                          <a:lumMod val="65000"/>
+                        </a:schemeClr>
+                      </a:solidFill>
+                      <a:prstDash val="solid"/>
+                      <a:round/>
+                      <a:headEnd type="none" w="med" len="med"/>
+                      <a:tailEnd type="none" w="med" len="med"/>
+                    </a:lnR>
+                    <a:lnT w="12700" cap="flat" cmpd="sng" algn="ctr">
+                      <a:solidFill>
+                        <a:schemeClr val="bg1">
+                          <a:lumMod val="65000"/>
+                        </a:schemeClr>
+                      </a:solidFill>
+                      <a:prstDash val="solid"/>
+                      <a:round/>
+                      <a:headEnd type="none" w="med" len="med"/>
+                      <a:tailEnd type="none" w="med" len="med"/>
+                    </a:lnT>
+                    <a:lnB w="12700" cap="flat" cmpd="sng" algn="ctr">
+                      <a:solidFill>
+                        <a:schemeClr val="bg1">
+                          <a:lumMod val="65000"/>
+                        </a:schemeClr>
+                      </a:solidFill>
+                      <a:prstDash val="solid"/>
+                      <a:round/>
+                      <a:headEnd type="none" w="med" len="med"/>
+                      <a:tailEnd type="none" w="med" len="med"/>
+                    </a:lnB>
+                  </a:tcPr>
+                </a:tc>
+                <a:tc>
+                  <a:txBody>
+                    <a:bodyPr/>
+                    <a:lstStyle/>
+                    <a:p>
+                      <a:pPr algn="l" fontAlgn="b"/>
+                      <a:r>
+                        <a:rPr lang="en-US" sz="1200" b="0" i="0" u="none" strike="noStrike">
+                          <a:solidFill>
+                            <a:schemeClr val="bg1"/>
+                          </a:solidFill>
+                          <a:effectLst/>
+                          <a:latin typeface="Arial"/>
+                        </a:rPr>
+                        <a:t>5/26</a:t>
+                      </a:r>
+                    </a:p>
+                  </a:txBody>
+                  <a:tcPr marL="9525" marR="9525" marT="9525" marB="0" anchor="b">
+                    <a:lnL w="12700" cap="flat" cmpd="sng" algn="ctr">
+                      <a:solidFill>
+                        <a:schemeClr val="bg1">
+                          <a:lumMod val="65000"/>
+                        </a:schemeClr>
+                      </a:solidFill>
+                      <a:prstDash val="solid"/>
+                      <a:round/>
+                      <a:headEnd type="none" w="med" len="med"/>
+                      <a:tailEnd type="none" w="med" len="med"/>
+                    </a:lnL>
+                    <a:lnR w="12700" cap="flat" cmpd="sng" algn="ctr">
+                      <a:solidFill>
+                        <a:schemeClr val="bg1">
+                          <a:lumMod val="65000"/>
+                        </a:schemeClr>
+                      </a:solidFill>
+                      <a:prstDash val="solid"/>
+                      <a:round/>
+                      <a:headEnd type="none" w="med" len="med"/>
+                      <a:tailEnd type="none" w="med" len="med"/>
+                    </a:lnR>
+                    <a:lnT w="12700" cap="flat" cmpd="sng" algn="ctr">
+                      <a:solidFill>
+                        <a:schemeClr val="bg1">
+                          <a:lumMod val="65000"/>
+                        </a:schemeClr>
+                      </a:solidFill>
+                      <a:prstDash val="solid"/>
+                      <a:round/>
+                      <a:headEnd type="none" w="med" len="med"/>
+                      <a:tailEnd type="none" w="med" len="med"/>
+                    </a:lnT>
+                    <a:lnB w="12700" cap="flat" cmpd="sng" algn="ctr">
+                      <a:solidFill>
+                        <a:schemeClr val="bg1">
+                          <a:lumMod val="65000"/>
+                        </a:schemeClr>
+                      </a:solidFill>
+                      <a:prstDash val="solid"/>
+                      <a:round/>
+                      <a:headEnd type="none" w="med" len="med"/>
+                      <a:tailEnd type="none" w="med" len="med"/>
+                    </a:lnB>
+                  </a:tcPr>
+                </a:tc>
+                <a:tc>
+                  <a:txBody>
+                    <a:bodyPr/>
+                    <a:lstStyle/>
+                    <a:p>
+                      <a:pPr algn="ctr" fontAlgn="ctr"/>
+                      <a:r>
+                        <a:rPr lang="en-US" sz="1200" b="0" i="0" u="none" strike="noStrike">
+                          <a:solidFill>
+                            <a:schemeClr val="bg1"/>
+                          </a:solidFill>
+                          <a:effectLst/>
+                          <a:latin typeface="Arial"/>
+                        </a:rPr>
+                        <a:t>2</a:t>
+                      </a:r>
+                    </a:p>
+                  </a:txBody>
+                  <a:tcPr marL="9525" marR="9525" marT="9525" marB="0" anchor="ctr">
+                    <a:lnL w="12700" cap="flat" cmpd="sng" algn="ctr">
+                      <a:solidFill>
+                        <a:schemeClr val="bg1">
+                          <a:lumMod val="65000"/>
+                        </a:schemeClr>
+                      </a:solidFill>
+                      <a:prstDash val="solid"/>
+                      <a:round/>
+                      <a:headEnd type="none" w="med" len="med"/>
+                      <a:tailEnd type="none" w="med" len="med"/>
+                    </a:lnL>
+                    <a:lnR w="12700" cap="flat" cmpd="sng" algn="ctr">
+                      <a:solidFill>
+                        <a:schemeClr val="bg1">
+                          <a:lumMod val="65000"/>
+                        </a:schemeClr>
+                      </a:solidFill>
+                      <a:prstDash val="solid"/>
+                      <a:round/>
+                      <a:headEnd type="none" w="med" len="med"/>
+                      <a:tailEnd type="none" w="med" len="med"/>
+                    </a:lnR>
+                    <a:lnT w="12700" cap="flat" cmpd="sng" algn="ctr">
+                      <a:solidFill>
+                        <a:schemeClr val="bg1">
+                          <a:lumMod val="65000"/>
+                        </a:schemeClr>
+                      </a:solidFill>
+                      <a:prstDash val="solid"/>
+                      <a:round/>
+                      <a:headEnd type="none" w="med" len="med"/>
+                      <a:tailEnd type="none" w="med" len="med"/>
+                    </a:lnT>
+                    <a:lnB w="12700" cap="flat" cmpd="sng" algn="ctr">
+                      <a:solidFill>
+                        <a:schemeClr val="bg1">
+                          <a:lumMod val="65000"/>
+                        </a:schemeClr>
+                      </a:solidFill>
+                      <a:prstDash val="solid"/>
+                      <a:round/>
+                      <a:headEnd type="none" w="med" len="med"/>
+                      <a:tailEnd type="none" w="med" len="med"/>
+                    </a:lnB>
+                  </a:tcPr>
+                </a:tc>
+                <a:extLst>
+                  <a:ext uri="{0D108BD9-81ED-4DB2-BD59-A6C34878D82A}">
+                    <a16:rowId xmlns:a16="http://schemas.microsoft.com/office/drawing/2014/main" val="10003"/>
+                  </a:ext>
+                </a:extLst>
+              </a:tr>
+              <a:tr h="381000">
+                <a:tc>
+                  <a:txBody>
+                    <a:bodyPr/>
+                    <a:lstStyle/>
+                    <a:p>
+                      <a:pPr algn="l" fontAlgn="b"/>
+                      <a:endParaRPr lang="en-US" sz="1200" b="0" i="0" u="none" strike="noStrike">
+                        <a:solidFill>
+                          <a:schemeClr val="bg1"/>
+                        </a:solidFill>
+                        <a:effectLst/>
+                        <a:latin typeface="Arial"/>
+                      </a:endParaRPr>
+                    </a:p>
+                  </a:txBody>
+                  <a:tcPr marL="9525" marR="9525" marT="9525" marB="0" anchor="ctr">
+                    <a:lnL w="12700" cap="flat" cmpd="sng" algn="ctr">
+                      <a:solidFill>
+                        <a:schemeClr val="bg1">
+                          <a:lumMod val="65000"/>
+                        </a:schemeClr>
+                      </a:solidFill>
+                      <a:prstDash val="solid"/>
+                      <a:round/>
+                      <a:headEnd type="none" w="med" len="med"/>
+                      <a:tailEnd type="none" w="med" len="med"/>
+                    </a:lnL>
+                    <a:lnR w="12700" cap="flat" cmpd="sng" algn="ctr">
+                      <a:solidFill>
+                        <a:schemeClr val="bg1">
+                          <a:lumMod val="65000"/>
+                        </a:schemeClr>
+                      </a:solidFill>
+                      <a:prstDash val="solid"/>
+                      <a:round/>
+                      <a:headEnd type="none" w="med" len="med"/>
+                      <a:tailEnd type="none" w="med" len="med"/>
+                    </a:lnR>
+                    <a:lnT w="12700" cap="flat" cmpd="sng" algn="ctr">
+                      <a:solidFill>
+                        <a:schemeClr val="bg1">
+                          <a:lumMod val="65000"/>
+                        </a:schemeClr>
+                      </a:solidFill>
+                      <a:prstDash val="solid"/>
+                      <a:round/>
+                      <a:headEnd type="none" w="med" len="med"/>
+                      <a:tailEnd type="none" w="med" len="med"/>
+                    </a:lnT>
+                    <a:lnB w="12700" cap="flat" cmpd="sng" algn="ctr">
+                      <a:solidFill>
+                        <a:schemeClr val="bg1">
+                          <a:lumMod val="65000"/>
+                        </a:schemeClr>
+                      </a:solidFill>
+                      <a:prstDash val="solid"/>
+                      <a:round/>
+                      <a:headEnd type="none" w="med" len="med"/>
+                      <a:tailEnd type="none" w="med" len="med"/>
+                    </a:lnB>
+                  </a:tcPr>
+                </a:tc>
+                <a:tc>
+                  <a:txBody>
+                    <a:bodyPr/>
+                    <a:lstStyle/>
+                    <a:p>
+                      <a:pPr algn="l" fontAlgn="b"/>
+                      <a:endParaRPr lang="en-US" sz="1200" b="0" i="0" u="none" strike="noStrike">
+                        <a:solidFill>
+                          <a:schemeClr val="bg1"/>
+                        </a:solidFill>
+                        <a:effectLst/>
+                        <a:latin typeface="Arial"/>
+                      </a:endParaRPr>
+                    </a:p>
+                  </a:txBody>
+                  <a:tcPr marL="9525" marR="9525" marT="9525" marB="0" anchor="b">
+                    <a:lnL w="12700" cap="flat" cmpd="sng" algn="ctr">
+                      <a:solidFill>
+                        <a:schemeClr val="bg1">
+                          <a:lumMod val="65000"/>
+                        </a:schemeClr>
+                      </a:solidFill>
+                      <a:prstDash val="solid"/>
+                      <a:round/>
+                      <a:headEnd type="none" w="med" len="med"/>
+                      <a:tailEnd type="none" w="med" len="med"/>
+                    </a:lnL>
+                    <a:lnR w="12700" cap="flat" cmpd="sng" algn="ctr">
+                      <a:solidFill>
+                        <a:schemeClr val="bg1">
+                          <a:lumMod val="65000"/>
+                        </a:schemeClr>
+                      </a:solidFill>
+                      <a:prstDash val="solid"/>
+                      <a:round/>
+                      <a:headEnd type="none" w="med" len="med"/>
+                      <a:tailEnd type="none" w="med" len="med"/>
+                    </a:lnR>
+                    <a:lnT w="12700" cap="flat" cmpd="sng" algn="ctr">
+                      <a:solidFill>
+                        <a:schemeClr val="bg1">
+                          <a:lumMod val="65000"/>
+                        </a:schemeClr>
+                      </a:solidFill>
+                      <a:prstDash val="solid"/>
+                      <a:round/>
+                      <a:headEnd type="none" w="med" len="med"/>
+                      <a:tailEnd type="none" w="med" len="med"/>
+                    </a:lnT>
+                    <a:lnB w="12700" cap="flat" cmpd="sng" algn="ctr">
+                      <a:solidFill>
+                        <a:schemeClr val="bg1">
+                          <a:lumMod val="65000"/>
+                        </a:schemeClr>
+                      </a:solidFill>
+                      <a:prstDash val="solid"/>
+                      <a:round/>
+                      <a:headEnd type="none" w="med" len="med"/>
+                      <a:tailEnd type="none" w="med" len="med"/>
+                    </a:lnB>
+                  </a:tcPr>
+                </a:tc>
+                <a:tc>
+                  <a:txBody>
+                    <a:bodyPr/>
+                    <a:lstStyle/>
+                    <a:p>
+                      <a:pPr algn="ctr" fontAlgn="ctr"/>
+                      <a:endParaRPr lang="en-US" sz="1200" b="0" i="0" u="none" strike="noStrike">
+                        <a:solidFill>
+                          <a:schemeClr val="bg1"/>
+                        </a:solidFill>
+                        <a:effectLst/>
+                        <a:latin typeface="Arial"/>
+                      </a:endParaRPr>
+                    </a:p>
+                  </a:txBody>
+                  <a:tcPr marL="9525" marR="9525" marT="9525" marB="0" anchor="ctr">
+                    <a:lnL w="12700" cap="flat" cmpd="sng" algn="ctr">
+                      <a:solidFill>
+                        <a:schemeClr val="bg1">
+                          <a:lumMod val="65000"/>
+                        </a:schemeClr>
+                      </a:solidFill>
+                      <a:prstDash val="solid"/>
+                      <a:round/>
+                      <a:headEnd type="none" w="med" len="med"/>
+                      <a:tailEnd type="none" w="med" len="med"/>
+                    </a:lnL>
+                    <a:lnR w="12700" cap="flat" cmpd="sng" algn="ctr">
+                      <a:solidFill>
+                        <a:schemeClr val="bg1">
+                          <a:lumMod val="65000"/>
+                        </a:schemeClr>
+                      </a:solidFill>
+                      <a:prstDash val="solid"/>
+                      <a:round/>
+                      <a:headEnd type="none" w="med" len="med"/>
+                      <a:tailEnd type="none" w="med" len="med"/>
+                    </a:lnR>
+                    <a:lnT w="12700" cap="flat" cmpd="sng" algn="ctr">
+                      <a:solidFill>
+                        <a:schemeClr val="bg1">
+                          <a:lumMod val="65000"/>
+                        </a:schemeClr>
+                      </a:solidFill>
+                      <a:prstDash val="solid"/>
+                      <a:round/>
+                      <a:headEnd type="none" w="med" len="med"/>
+                      <a:tailEnd type="none" w="med" len="med"/>
+                    </a:lnT>
+                    <a:lnB w="12700" cap="flat" cmpd="sng" algn="ctr">
+                      <a:solidFill>
+                        <a:schemeClr val="bg1">
+                          <a:lumMod val="65000"/>
+                        </a:schemeClr>
+                      </a:solidFill>
+                      <a:prstDash val="solid"/>
+                      <a:round/>
+                      <a:headEnd type="none" w="med" len="med"/>
+                      <a:tailEnd type="none" w="med" len="med"/>
+                    </a:lnB>
+                  </a:tcPr>
+                </a:tc>
+                <a:extLst>
+                  <a:ext uri="{0D108BD9-81ED-4DB2-BD59-A6C34878D82A}">
+                    <a16:rowId xmlns:a16="http://schemas.microsoft.com/office/drawing/2014/main" val="10004"/>
+                  </a:ext>
+                </a:extLst>
+              </a:tr>
+            </a:tbl>
+          </a:graphicData>
+        </a:graphic>
+      </p:graphicFrame>
+      <p:graphicFrame>
+        <p:nvGraphicFramePr>
+          <p:cNvPr id="4" name="Table 3"/>
+          <p:cNvGraphicFramePr>
+            <a:graphicFrameLocks noGrp="1"/>
+          </p:cNvGraphicFramePr>
+          <p:nvPr>
+            <p:extLst>
+              <p:ext uri="{D42A27DB-BD31-4B8C-83A1-F6EECF244321}">
+                <p14:modId xmlns:p14="http://schemas.microsoft.com/office/powerpoint/2010/main" val="2684208686"/>
+              </p:ext>
+            </p:extLst>
+          </p:nvPr>
+        </p:nvGraphicFramePr>
+        <p:xfrm>
+          <a:off x="5841826" y="4114800"/>
+          <a:ext cx="5749969" cy="609600"/>
+        </p:xfrm>
+        <a:graphic>
+          <a:graphicData uri="http://schemas.openxmlformats.org/drawingml/2006/table">
+            <a:tbl>
+              <a:tblPr lastCol="1" bandRow="1">
+                <a:tableStyleId>{2D5ABB26-0587-4C30-8999-92F81FD0307C}</a:tableStyleId>
+              </a:tblPr>
+              <a:tblGrid>
+                <a:gridCol w="5054774">
+                  <a:extLst>
+                    <a:ext uri="{9D8B030D-6E8A-4147-A177-3AD203B41FA5}">
+                      <a16:colId xmlns:a16="http://schemas.microsoft.com/office/drawing/2014/main" val="20000"/>
+                    </a:ext>
+                  </a:extLst>
+                </a:gridCol>
+                <a:gridCol w="695195">
+                  <a:extLst>
+                    <a:ext uri="{9D8B030D-6E8A-4147-A177-3AD203B41FA5}">
+                      <a16:colId xmlns:a16="http://schemas.microsoft.com/office/drawing/2014/main" val="20001"/>
+                    </a:ext>
+                  </a:extLst>
+                </a:gridCol>
+              </a:tblGrid>
+              <a:tr h="609600">
+                <a:tc>
+                  <a:txBody>
+                    <a:bodyPr/>
+                    <a:lstStyle/>
+                    <a:p>
+                      <a:pPr algn="ctr" fontAlgn="b"/>
+                      <a:r>
+                        <a:rPr lang="en-US" sz="1100" u="none" strike="noStrike">
+                          <a:solidFill>
+                            <a:schemeClr val="bg1"/>
+                          </a:solidFill>
+                          <a:effectLst/>
+                        </a:rPr>
+                        <a:t>Estimated time needed to work on </a:t>
+                      </a:r>
+                      <a:r>
+                        <a:rPr lang="en-US" sz="1100" u="none" strike="noStrike" baseline="0">
+                          <a:solidFill>
+                            <a:schemeClr val="bg1"/>
+                          </a:solidFill>
+                          <a:effectLst/>
+                        </a:rPr>
+                        <a:t>goals for this coming week (typ. 13 </a:t>
+                      </a:r>
+                      <a:r>
+                        <a:rPr lang="en-US" sz="1100" u="none" strike="noStrike" baseline="0" err="1">
+                          <a:solidFill>
+                            <a:schemeClr val="bg1"/>
+                          </a:solidFill>
+                          <a:effectLst/>
+                        </a:rPr>
+                        <a:t>hrs</a:t>
+                      </a:r>
+                      <a:r>
+                        <a:rPr lang="en-US" sz="1100" u="none" strike="noStrike" baseline="0">
+                          <a:solidFill>
+                            <a:schemeClr val="bg1"/>
+                          </a:solidFill>
+                          <a:effectLst/>
+                        </a:rPr>
+                        <a:t>)</a:t>
+                      </a:r>
+                      <a:endParaRPr lang="en-US" sz="1100" b="0" i="0" u="none" strike="noStrike">
+                        <a:solidFill>
+                          <a:schemeClr val="bg1"/>
+                        </a:solidFill>
+                        <a:effectLst/>
+                        <a:latin typeface="Calibri" panose="020F0502020204030204" pitchFamily="34" charset="0"/>
+                      </a:endParaRPr>
+                    </a:p>
+                  </a:txBody>
+                  <a:tcPr marL="9525" marR="9525" marT="9525" marB="0" anchor="ctr">
+                    <a:lnL w="12700" cap="flat" cmpd="sng" algn="ctr">
+                      <a:solidFill>
+                        <a:schemeClr val="bg1">
+                          <a:lumMod val="65000"/>
+                        </a:schemeClr>
+                      </a:solidFill>
+                      <a:prstDash val="solid"/>
+                      <a:round/>
+                      <a:headEnd type="none" w="med" len="med"/>
+                      <a:tailEnd type="none" w="med" len="med"/>
+                    </a:lnL>
+                    <a:lnR w="12700" cap="flat" cmpd="sng" algn="ctr">
+                      <a:solidFill>
+                        <a:schemeClr val="bg1">
+                          <a:lumMod val="65000"/>
+                        </a:schemeClr>
+                      </a:solidFill>
+                      <a:prstDash val="solid"/>
+                      <a:round/>
+                      <a:headEnd type="none" w="med" len="med"/>
+                      <a:tailEnd type="none" w="med" len="med"/>
+                    </a:lnR>
+                    <a:lnT w="12700" cap="flat" cmpd="sng" algn="ctr">
+                      <a:solidFill>
+                        <a:schemeClr val="bg1">
+                          <a:lumMod val="65000"/>
+                        </a:schemeClr>
+                      </a:solidFill>
+                      <a:prstDash val="solid"/>
+                      <a:round/>
+                      <a:headEnd type="none" w="med" len="med"/>
+                      <a:tailEnd type="none" w="med" len="med"/>
+                    </a:lnT>
+                    <a:lnB w="12700" cap="flat" cmpd="sng" algn="ctr">
+                      <a:solidFill>
+                        <a:schemeClr val="bg1">
+                          <a:lumMod val="65000"/>
+                        </a:schemeClr>
+                      </a:solidFill>
+                      <a:prstDash val="solid"/>
+                      <a:round/>
+                      <a:headEnd type="none" w="med" len="med"/>
+                      <a:tailEnd type="none" w="med" len="med"/>
+                    </a:lnB>
+                  </a:tcPr>
+                </a:tc>
+                <a:tc>
+                  <a:txBody>
+                    <a:bodyPr/>
+                    <a:lstStyle/>
+                    <a:p>
+                      <a:pPr algn="ctr" fontAlgn="b"/>
+                      <a:r>
+                        <a:rPr lang="en-US" sz="1100" b="0" i="0" u="none" strike="noStrike">
+                          <a:solidFill>
+                            <a:schemeClr val="bg1"/>
+                          </a:solidFill>
+                          <a:effectLst/>
+                          <a:latin typeface="Calibri"/>
+                        </a:rPr>
+                        <a:t>13</a:t>
+                      </a:r>
+                      <a:endParaRPr lang="en-US" sz="1100" b="0" i="0" u="none" strike="noStrike">
+                        <a:solidFill>
+                          <a:schemeClr val="bg1"/>
+                        </a:solidFill>
+                        <a:effectLst/>
+                        <a:latin typeface="Calibri" panose="020F0502020204030204" pitchFamily="34" charset="0"/>
+                      </a:endParaRPr>
+                    </a:p>
+                  </a:txBody>
+                  <a:tcPr marL="9525" marR="9525" marT="9525" marB="0" anchor="ctr">
+                    <a:lnL w="12700" cap="flat" cmpd="sng" algn="ctr">
+                      <a:solidFill>
+                        <a:schemeClr val="bg1">
+                          <a:lumMod val="65000"/>
+                        </a:schemeClr>
+                      </a:solidFill>
+                      <a:prstDash val="solid"/>
+                      <a:round/>
+                      <a:headEnd type="none" w="med" len="med"/>
+                      <a:tailEnd type="none" w="med" len="med"/>
+                    </a:lnL>
+                    <a:lnR w="12700" cap="flat" cmpd="sng" algn="ctr">
+                      <a:solidFill>
+                        <a:schemeClr val="bg1">
+                          <a:lumMod val="65000"/>
+                        </a:schemeClr>
+                      </a:solidFill>
+                      <a:prstDash val="solid"/>
+                      <a:round/>
+                      <a:headEnd type="none" w="med" len="med"/>
+                      <a:tailEnd type="none" w="med" len="med"/>
+                    </a:lnR>
+                    <a:lnT w="12700" cap="flat" cmpd="sng" algn="ctr">
+                      <a:solidFill>
+                        <a:schemeClr val="bg1">
+                          <a:lumMod val="65000"/>
+                        </a:schemeClr>
+                      </a:solidFill>
+                      <a:prstDash val="solid"/>
+                      <a:round/>
+                      <a:headEnd type="none" w="med" len="med"/>
+                      <a:tailEnd type="none" w="med" len="med"/>
+                    </a:lnT>
+                    <a:lnB w="12700" cap="flat" cmpd="sng" algn="ctr">
+                      <a:solidFill>
+                        <a:schemeClr val="bg1">
+                          <a:lumMod val="65000"/>
+                        </a:schemeClr>
+                      </a:solidFill>
+                      <a:prstDash val="solid"/>
+                      <a:round/>
+                      <a:headEnd type="none" w="med" len="med"/>
+                      <a:tailEnd type="none" w="med" len="med"/>
+                    </a:lnB>
+                  </a:tcPr>
+                </a:tc>
+                <a:extLst>
+                  <a:ext uri="{0D108BD9-81ED-4DB2-BD59-A6C34878D82A}">
+                    <a16:rowId xmlns:a16="http://schemas.microsoft.com/office/drawing/2014/main" val="10000"/>
+                  </a:ext>
+                </a:extLst>
+              </a:tr>
+            </a:tbl>
+          </a:graphicData>
+        </a:graphic>
+      </p:graphicFrame>
+    </p:spTree>
+    <p:extLst>
+      <p:ext uri="{BB962C8B-B14F-4D97-AF65-F5344CB8AC3E}">
+        <p14:creationId xmlns:p14="http://schemas.microsoft.com/office/powerpoint/2010/main" val="2158812019"/>
       </p:ext>
     </p:extLst>
   </p:cSld>
@@ -13051,1877 +12956,6 @@
           <a:p>
             <a:r>
               <a:rPr lang="en-US"/>
-              <a:t>Progress made during the week (Log)</a:t>
-            </a:r>
-            <a:br>
-              <a:rPr lang="en-US"/>
-            </a:br>
-            <a:r>
-              <a:rPr lang="en-US" sz="1400"/>
-              <a:t>(What I did)</a:t>
-            </a:r>
-            <a:endParaRPr lang="en-US"/>
-          </a:p>
-        </p:txBody>
-      </p:sp>
-      <p:sp>
-        <p:nvSpPr>
-          <p:cNvPr id="3" name="Content Placeholder 5"/>
-          <p:cNvSpPr txBox="1">
-            <a:spLocks/>
-          </p:cNvSpPr>
-          <p:nvPr/>
-        </p:nvSpPr>
-        <p:spPr>
-          <a:xfrm>
-            <a:off x="685800" y="1066800"/>
-            <a:ext cx="10896600" cy="5105400"/>
-          </a:xfrm>
-          <a:prstGeom prst="rect">
-            <a:avLst/>
-          </a:prstGeom>
-        </p:spPr>
-        <p:txBody>
-          <a:bodyPr anchor="t"/>
-          <a:lstStyle>
-            <a:lvl1pPr marL="342900" indent="-342900" algn="l" rtl="0" eaLnBrk="0" fontAlgn="base" hangingPunct="0">
-              <a:spcBef>
-                <a:spcPct val="20000"/>
-              </a:spcBef>
-              <a:spcAft>
-                <a:spcPct val="0"/>
-              </a:spcAft>
-              <a:buClr>
-                <a:srgbClr val="606060"/>
-              </a:buClr>
-              <a:buSzPct val="80000"/>
-              <a:buFont typeface="Times" charset="0"/>
-              <a:buChar char="•"/>
-              <a:defRPr sz="2400">
-                <a:solidFill>
-                  <a:srgbClr val="FFFFFF"/>
-                </a:solidFill>
-                <a:latin typeface="+mn-lt"/>
-                <a:ea typeface="ＭＳ Ｐゴシック" charset="0"/>
-                <a:cs typeface="MS PGothic" charset="0"/>
-              </a:defRPr>
-            </a:lvl1pPr>
-            <a:lvl2pPr marL="742950" indent="-285750" algn="l" rtl="0" eaLnBrk="0" fontAlgn="base" hangingPunct="0">
-              <a:spcBef>
-                <a:spcPct val="20000"/>
-              </a:spcBef>
-              <a:spcAft>
-                <a:spcPct val="0"/>
-              </a:spcAft>
-              <a:buClr>
-                <a:srgbClr val="606060"/>
-              </a:buClr>
-              <a:buSzPct val="80000"/>
-              <a:buFont typeface="Times" charset="0"/>
-              <a:buChar char="•"/>
-              <a:defRPr sz="2400">
-                <a:solidFill>
-                  <a:srgbClr val="FFFFFF"/>
-                </a:solidFill>
-                <a:latin typeface="+mn-lt"/>
-                <a:ea typeface="MS PGothic" panose="020B0600070205080204" pitchFamily="34" charset="-128"/>
-                <a:cs typeface="MS PGothic" charset="0"/>
-              </a:defRPr>
-            </a:lvl2pPr>
-            <a:lvl3pPr marL="1143000" indent="-228600" algn="l" rtl="0" eaLnBrk="0" fontAlgn="base" hangingPunct="0">
-              <a:spcBef>
-                <a:spcPct val="20000"/>
-              </a:spcBef>
-              <a:spcAft>
-                <a:spcPct val="0"/>
-              </a:spcAft>
-              <a:buClr>
-                <a:srgbClr val="606060"/>
-              </a:buClr>
-              <a:buSzPct val="80000"/>
-              <a:buFont typeface="Times" charset="0"/>
-              <a:buChar char="•"/>
-              <a:defRPr sz="2400">
-                <a:solidFill>
-                  <a:srgbClr val="FFFFFF"/>
-                </a:solidFill>
-                <a:latin typeface="+mn-lt"/>
-                <a:ea typeface="MS PGothic" panose="020B0600070205080204" pitchFamily="34" charset="-128"/>
-                <a:cs typeface="MS PGothic" charset="0"/>
-              </a:defRPr>
-            </a:lvl3pPr>
-            <a:lvl4pPr marL="1600200" indent="-228600" algn="l" rtl="0" eaLnBrk="0" fontAlgn="base" hangingPunct="0">
-              <a:spcBef>
-                <a:spcPct val="20000"/>
-              </a:spcBef>
-              <a:spcAft>
-                <a:spcPct val="0"/>
-              </a:spcAft>
-              <a:buClr>
-                <a:srgbClr val="606060"/>
-              </a:buClr>
-              <a:buSzPct val="80000"/>
-              <a:buFont typeface="Times" charset="0"/>
-              <a:buChar char="•"/>
-              <a:defRPr sz="2400">
-                <a:solidFill>
-                  <a:srgbClr val="FFFFFF"/>
-                </a:solidFill>
-                <a:latin typeface="+mn-lt"/>
-                <a:ea typeface="MS PGothic" panose="020B0600070205080204" pitchFamily="34" charset="-128"/>
-                <a:cs typeface="MS PGothic" charset="0"/>
-              </a:defRPr>
-            </a:lvl4pPr>
-            <a:lvl5pPr marL="2057400" indent="-228600" algn="l" rtl="0" eaLnBrk="0" fontAlgn="base" hangingPunct="0">
-              <a:spcBef>
-                <a:spcPct val="20000"/>
-              </a:spcBef>
-              <a:spcAft>
-                <a:spcPct val="0"/>
-              </a:spcAft>
-              <a:buClr>
-                <a:srgbClr val="606060"/>
-              </a:buClr>
-              <a:buSzPct val="80000"/>
-              <a:buFont typeface="Times" charset="0"/>
-              <a:buChar char="•"/>
-              <a:defRPr sz="2400">
-                <a:solidFill>
-                  <a:srgbClr val="FFFFFF"/>
-                </a:solidFill>
-                <a:latin typeface="+mn-lt"/>
-                <a:ea typeface="MS PGothic" panose="020B0600070205080204" pitchFamily="34" charset="-128"/>
-                <a:cs typeface="MS PGothic" charset="0"/>
-              </a:defRPr>
-            </a:lvl5pPr>
-            <a:lvl6pPr marL="2514600" indent="-228600" algn="l" rtl="0" fontAlgn="base">
-              <a:spcBef>
-                <a:spcPct val="20000"/>
-              </a:spcBef>
-              <a:spcAft>
-                <a:spcPct val="0"/>
-              </a:spcAft>
-              <a:buClr>
-                <a:srgbClr val="1C5696"/>
-              </a:buClr>
-              <a:buSzPct val="80000"/>
-              <a:buFont typeface="Times" pitchFamily="44" charset="0"/>
-              <a:buChar char="•"/>
-              <a:defRPr sz="2400">
-                <a:solidFill>
-                  <a:schemeClr val="tx1"/>
-                </a:solidFill>
-                <a:latin typeface="+mn-lt"/>
-                <a:ea typeface="+mn-ea"/>
-              </a:defRPr>
-            </a:lvl6pPr>
-            <a:lvl7pPr marL="2971800" indent="-228600" algn="l" rtl="0" fontAlgn="base">
-              <a:spcBef>
-                <a:spcPct val="20000"/>
-              </a:spcBef>
-              <a:spcAft>
-                <a:spcPct val="0"/>
-              </a:spcAft>
-              <a:buClr>
-                <a:srgbClr val="1C5696"/>
-              </a:buClr>
-              <a:buSzPct val="80000"/>
-              <a:buFont typeface="Times" pitchFamily="44" charset="0"/>
-              <a:buChar char="•"/>
-              <a:defRPr sz="2400">
-                <a:solidFill>
-                  <a:schemeClr val="tx1"/>
-                </a:solidFill>
-                <a:latin typeface="+mn-lt"/>
-                <a:ea typeface="+mn-ea"/>
-              </a:defRPr>
-            </a:lvl7pPr>
-            <a:lvl8pPr marL="3429000" indent="-228600" algn="l" rtl="0" fontAlgn="base">
-              <a:spcBef>
-                <a:spcPct val="20000"/>
-              </a:spcBef>
-              <a:spcAft>
-                <a:spcPct val="0"/>
-              </a:spcAft>
-              <a:buClr>
-                <a:srgbClr val="1C5696"/>
-              </a:buClr>
-              <a:buSzPct val="80000"/>
-              <a:buFont typeface="Times" pitchFamily="44" charset="0"/>
-              <a:buChar char="•"/>
-              <a:defRPr sz="2400">
-                <a:solidFill>
-                  <a:schemeClr val="tx1"/>
-                </a:solidFill>
-                <a:latin typeface="+mn-lt"/>
-                <a:ea typeface="+mn-ea"/>
-              </a:defRPr>
-            </a:lvl8pPr>
-            <a:lvl9pPr marL="3886200" indent="-228600" algn="l" rtl="0" fontAlgn="base">
-              <a:spcBef>
-                <a:spcPct val="20000"/>
-              </a:spcBef>
-              <a:spcAft>
-                <a:spcPct val="0"/>
-              </a:spcAft>
-              <a:buClr>
-                <a:srgbClr val="1C5696"/>
-              </a:buClr>
-              <a:buSzPct val="80000"/>
-              <a:buFont typeface="Times" pitchFamily="44" charset="0"/>
-              <a:buChar char="•"/>
-              <a:defRPr sz="2400">
-                <a:solidFill>
-                  <a:schemeClr val="tx1"/>
-                </a:solidFill>
-                <a:latin typeface="+mn-lt"/>
-                <a:ea typeface="+mn-ea"/>
-              </a:defRPr>
-            </a:lvl9pPr>
-          </a:lstStyle>
-          <a:p>
-            <a:pPr marL="0" indent="0">
-              <a:buFont typeface="Times" charset="0"/>
-              <a:buNone/>
-            </a:pPr>
-            <a:r>
-              <a:rPr lang="en-US" sz="1600" kern="0">
-                <a:ea typeface="ＭＳ Ｐゴシック"/>
-              </a:rPr>
-              <a:t>For example: Resources found (links, manuals), Designs created, Decisions made and corresponding rational, Photos of prototype progress, etc.</a:t>
-            </a:r>
-          </a:p>
-          <a:p>
-            <a:pPr marL="0" indent="0">
-              <a:buFont typeface="Times" charset="0"/>
-              <a:buNone/>
-            </a:pPr>
-            <a:endParaRPr lang="en-US" sz="1600" kern="0"/>
-          </a:p>
-          <a:p>
-            <a:pPr marL="0" indent="0">
-              <a:buNone/>
-            </a:pPr>
-            <a:r>
-              <a:rPr lang="en-US" sz="1600" kern="0">
-                <a:ea typeface="ＭＳ Ｐゴシック"/>
-              </a:rPr>
-              <a:t>Learned Microsemi tools</a:t>
-            </a:r>
-            <a:endParaRPr lang="en-US" sz="1600" kern="0"/>
-          </a:p>
-          <a:p>
-            <a:pPr marL="0" indent="0">
-              <a:buNone/>
-            </a:pPr>
-            <a:r>
-              <a:rPr lang="en-US" sz="1600" kern="0">
-                <a:ea typeface="ＭＳ Ｐゴシック"/>
-              </a:rPr>
-              <a:t>Researched the communication tools</a:t>
-            </a:r>
-            <a:endParaRPr lang="en-US" sz="1600" kern="0"/>
-          </a:p>
-          <a:p>
-            <a:pPr marL="0" indent="0">
-              <a:buNone/>
-            </a:pPr>
-            <a:endParaRPr lang="en-US" sz="1600" kern="0"/>
-          </a:p>
-          <a:p>
-            <a:pPr marL="0" indent="0">
-              <a:buNone/>
-            </a:pPr>
-            <a:r>
-              <a:rPr lang="en-US" sz="1600" kern="0">
-                <a:ea typeface="ＭＳ Ｐゴシック"/>
-              </a:rPr>
-              <a:t>Looked into the code for I2C and SPI</a:t>
-            </a:r>
-            <a:endParaRPr lang="en-US" sz="1600" kern="0"/>
-          </a:p>
-          <a:p>
-            <a:pPr marL="0" indent="0">
-              <a:buNone/>
-            </a:pPr>
-            <a:endParaRPr lang="en-US" sz="1200" kern="0"/>
-          </a:p>
-          <a:p>
-            <a:pPr marL="0" indent="0">
-              <a:buNone/>
-            </a:pPr>
-            <a:endParaRPr lang="en-US" sz="1200" kern="0"/>
-          </a:p>
-        </p:txBody>
-      </p:sp>
-    </p:spTree>
-    <p:extLst>
-      <p:ext uri="{BB962C8B-B14F-4D97-AF65-F5344CB8AC3E}">
-        <p14:creationId xmlns:p14="http://schemas.microsoft.com/office/powerpoint/2010/main" val="2897208300"/>
-      </p:ext>
-    </p:extLst>
-  </p:cSld>
-  <p:clrMapOvr>
-    <a:masterClrMapping/>
-  </p:clrMapOvr>
-  <p:transition>
-    <p:fade/>
-  </p:transition>
-</p:sld>
-</file>
-
-<file path=ppt/slides/slide21.xml><?xml version="1.0" encoding="utf-8"?>
-<p:sld xmlns:a="http://schemas.openxmlformats.org/drawingml/2006/main" xmlns:r="http://schemas.openxmlformats.org/officeDocument/2006/relationships" xmlns:p="http://schemas.openxmlformats.org/presentationml/2006/main">
-  <p:cSld>
-    <p:spTree>
-      <p:nvGrpSpPr>
-        <p:cNvPr id="1" name=""/>
-        <p:cNvGrpSpPr/>
-        <p:nvPr/>
-      </p:nvGrpSpPr>
-      <p:grpSpPr>
-        <a:xfrm>
-          <a:off x="0" y="0"/>
-          <a:ext cx="0" cy="0"/>
-          <a:chOff x="0" y="0"/>
-          <a:chExt cx="0" cy="0"/>
-        </a:xfrm>
-      </p:grpSpPr>
-      <p:sp>
-        <p:nvSpPr>
-          <p:cNvPr id="2" name="Title 1"/>
-          <p:cNvSpPr>
-            <a:spLocks noGrp="1"/>
-          </p:cNvSpPr>
-          <p:nvPr>
-            <p:ph type="title"/>
-          </p:nvPr>
-        </p:nvSpPr>
-        <p:spPr/>
-        <p:txBody>
-          <a:bodyPr/>
-          <a:lstStyle/>
-          <a:p>
-            <a:r>
-              <a:rPr lang="en-US"/>
-              <a:t>Difficulties encountered during the week </a:t>
-            </a:r>
-            <a:br>
-              <a:rPr lang="en-US"/>
-            </a:br>
-            <a:r>
-              <a:rPr lang="en-US" sz="1400"/>
-              <a:t>(What I did not do and why)</a:t>
-            </a:r>
-            <a:endParaRPr lang="en-US"/>
-          </a:p>
-        </p:txBody>
-      </p:sp>
-      <p:sp>
-        <p:nvSpPr>
-          <p:cNvPr id="3" name="TextBox 2"/>
-          <p:cNvSpPr txBox="1"/>
-          <p:nvPr/>
-        </p:nvSpPr>
-        <p:spPr>
-          <a:xfrm>
-            <a:off x="558452" y="1447800"/>
-            <a:ext cx="10820400" cy="461665"/>
-          </a:xfrm>
-          <a:prstGeom prst="rect">
-            <a:avLst/>
-          </a:prstGeom>
-          <a:noFill/>
-        </p:spPr>
-        <p:txBody>
-          <a:bodyPr wrap="square" rtlCol="0" anchor="t">
-            <a:spAutoFit/>
-          </a:bodyPr>
-          <a:lstStyle/>
-          <a:p>
-            <a:pPr marL="342900" indent="-342900">
-              <a:buFont typeface="Arial" panose="020B0604020202020204" pitchFamily="34" charset="0"/>
-              <a:buChar char="•"/>
-            </a:pPr>
-            <a:r>
-              <a:rPr lang="en-US">
-                <a:solidFill>
-                  <a:schemeClr val="bg1"/>
-                </a:solidFill>
-                <a:latin typeface="Arial"/>
-                <a:ea typeface="ＭＳ Ｐゴシック"/>
-              </a:rPr>
-              <a:t>VPN isn't letting me login</a:t>
-            </a:r>
-            <a:endParaRPr lang="en-US">
-              <a:solidFill>
-                <a:schemeClr val="bg1"/>
-              </a:solidFill>
-            </a:endParaRPr>
-          </a:p>
-        </p:txBody>
-      </p:sp>
-    </p:spTree>
-    <p:extLst>
-      <p:ext uri="{BB962C8B-B14F-4D97-AF65-F5344CB8AC3E}">
-        <p14:creationId xmlns:p14="http://schemas.microsoft.com/office/powerpoint/2010/main" val="871459680"/>
-      </p:ext>
-    </p:extLst>
-  </p:cSld>
-  <p:clrMapOvr>
-    <a:masterClrMapping/>
-  </p:clrMapOvr>
-  <p:transition>
-    <p:fade/>
-  </p:transition>
-</p:sld>
-</file>
-
-<file path=ppt/slides/slide22.xml><?xml version="1.0" encoding="utf-8"?>
-<p:sld xmlns:a="http://schemas.openxmlformats.org/drawingml/2006/main" xmlns:r="http://schemas.openxmlformats.org/officeDocument/2006/relationships" xmlns:p="http://schemas.openxmlformats.org/presentationml/2006/main">
-  <p:cSld>
-    <p:spTree>
-      <p:nvGrpSpPr>
-        <p:cNvPr id="1" name=""/>
-        <p:cNvGrpSpPr/>
-        <p:nvPr/>
-      </p:nvGrpSpPr>
-      <p:grpSpPr>
-        <a:xfrm>
-          <a:off x="0" y="0"/>
-          <a:ext cx="0" cy="0"/>
-          <a:chOff x="0" y="0"/>
-          <a:chExt cx="0" cy="0"/>
-        </a:xfrm>
-      </p:grpSpPr>
-      <p:sp>
-        <p:nvSpPr>
-          <p:cNvPr id="2" name="Title 1"/>
-          <p:cNvSpPr>
-            <a:spLocks noGrp="1"/>
-          </p:cNvSpPr>
-          <p:nvPr>
-            <p:ph type="title"/>
-          </p:nvPr>
-        </p:nvSpPr>
-        <p:spPr/>
-        <p:txBody>
-          <a:bodyPr/>
-          <a:lstStyle/>
-          <a:p>
-            <a:r>
-              <a:rPr lang="en-US"/>
-              <a:t>Goals for this coming week</a:t>
-            </a:r>
-            <a:br>
-              <a:rPr lang="en-US"/>
-            </a:br>
-            <a:r>
-              <a:rPr lang="en-US" sz="1200"/>
-              <a:t>(Ones that move the project forward the most)</a:t>
-            </a:r>
-          </a:p>
-        </p:txBody>
-      </p:sp>
-      <p:graphicFrame>
-        <p:nvGraphicFramePr>
-          <p:cNvPr id="3" name="Table 2"/>
-          <p:cNvGraphicFramePr>
-            <a:graphicFrameLocks noGrp="1"/>
-          </p:cNvGraphicFramePr>
-          <p:nvPr>
-            <p:extLst>
-              <p:ext uri="{D42A27DB-BD31-4B8C-83A1-F6EECF244321}">
-                <p14:modId xmlns:p14="http://schemas.microsoft.com/office/powerpoint/2010/main" val="3266269981"/>
-              </p:ext>
-            </p:extLst>
-          </p:nvPr>
-        </p:nvGraphicFramePr>
-        <p:xfrm>
-          <a:off x="685800" y="1371600"/>
-          <a:ext cx="10896600" cy="2133599"/>
-        </p:xfrm>
-        <a:graphic>
-          <a:graphicData uri="http://schemas.openxmlformats.org/drawingml/2006/table">
-            <a:tbl>
-              <a:tblPr firstRow="1" lastCol="1" bandRow="1">
-                <a:tableStyleId>{2D5ABB26-0587-4C30-8999-92F81FD0307C}</a:tableStyleId>
-              </a:tblPr>
-              <a:tblGrid>
-                <a:gridCol w="9397068">
-                  <a:extLst>
-                    <a:ext uri="{9D8B030D-6E8A-4147-A177-3AD203B41FA5}">
-                      <a16:colId xmlns:a16="http://schemas.microsoft.com/office/drawing/2014/main" val="20000"/>
-                    </a:ext>
-                  </a:extLst>
-                </a:gridCol>
-                <a:gridCol w="799750">
-                  <a:extLst>
-                    <a:ext uri="{9D8B030D-6E8A-4147-A177-3AD203B41FA5}">
-                      <a16:colId xmlns:a16="http://schemas.microsoft.com/office/drawing/2014/main" val="20001"/>
-                    </a:ext>
-                  </a:extLst>
-                </a:gridCol>
-                <a:gridCol w="699782">
-                  <a:extLst>
-                    <a:ext uri="{9D8B030D-6E8A-4147-A177-3AD203B41FA5}">
-                      <a16:colId xmlns:a16="http://schemas.microsoft.com/office/drawing/2014/main" val="20002"/>
-                    </a:ext>
-                  </a:extLst>
-                </a:gridCol>
-              </a:tblGrid>
-              <a:tr h="609599">
-                <a:tc>
-                  <a:txBody>
-                    <a:bodyPr/>
-                    <a:lstStyle/>
-                    <a:p>
-                      <a:pPr algn="l" fontAlgn="ctr"/>
-                      <a:r>
-                        <a:rPr lang="en-US" sz="1100" u="none" strike="noStrike">
-                          <a:solidFill>
-                            <a:schemeClr val="bg1"/>
-                          </a:solidFill>
-                          <a:effectLst/>
-                        </a:rPr>
-                        <a:t>Goal/Task</a:t>
-                      </a:r>
-                      <a:endParaRPr lang="en-US" sz="1100" b="0" i="0" u="none" strike="noStrike">
-                        <a:solidFill>
-                          <a:schemeClr val="bg1"/>
-                        </a:solidFill>
-                        <a:effectLst/>
-                        <a:latin typeface="Calibri" panose="020F0502020204030204" pitchFamily="34" charset="0"/>
-                      </a:endParaRPr>
-                    </a:p>
-                  </a:txBody>
-                  <a:tcPr marL="9525" marR="9525" marT="9525" marB="0" anchor="ctr">
-                    <a:lnL w="12700" cap="flat" cmpd="sng" algn="ctr">
-                      <a:solidFill>
-                        <a:schemeClr val="bg1">
-                          <a:lumMod val="65000"/>
-                        </a:schemeClr>
-                      </a:solidFill>
-                      <a:prstDash val="solid"/>
-                      <a:round/>
-                      <a:headEnd type="none" w="med" len="med"/>
-                      <a:tailEnd type="none" w="med" len="med"/>
-                    </a:lnL>
-                    <a:lnR w="12700" cap="flat" cmpd="sng" algn="ctr">
-                      <a:solidFill>
-                        <a:schemeClr val="bg1">
-                          <a:lumMod val="65000"/>
-                        </a:schemeClr>
-                      </a:solidFill>
-                      <a:prstDash val="solid"/>
-                      <a:round/>
-                      <a:headEnd type="none" w="med" len="med"/>
-                      <a:tailEnd type="none" w="med" len="med"/>
-                    </a:lnR>
-                    <a:lnT w="12700" cap="flat" cmpd="sng" algn="ctr">
-                      <a:solidFill>
-                        <a:schemeClr val="bg1">
-                          <a:lumMod val="65000"/>
-                        </a:schemeClr>
-                      </a:solidFill>
-                      <a:prstDash val="solid"/>
-                      <a:round/>
-                      <a:headEnd type="none" w="med" len="med"/>
-                      <a:tailEnd type="none" w="med" len="med"/>
-                    </a:lnT>
-                    <a:lnB w="12700" cap="flat" cmpd="sng" algn="ctr">
-                      <a:solidFill>
-                        <a:schemeClr val="bg1">
-                          <a:lumMod val="65000"/>
-                        </a:schemeClr>
-                      </a:solidFill>
-                      <a:prstDash val="solid"/>
-                      <a:round/>
-                      <a:headEnd type="none" w="med" len="med"/>
-                      <a:tailEnd type="none" w="med" len="med"/>
-                    </a:lnB>
-                  </a:tcPr>
-                </a:tc>
-                <a:tc>
-                  <a:txBody>
-                    <a:bodyPr/>
-                    <a:lstStyle/>
-                    <a:p>
-                      <a:pPr marL="0" marR="0" indent="0" algn="ctr" defTabSz="457200" rtl="0" eaLnBrk="1" fontAlgn="ctr" latinLnBrk="0" hangingPunct="1">
-                        <a:lnSpc>
-                          <a:spcPct val="100000"/>
-                        </a:lnSpc>
-                        <a:spcBef>
-                          <a:spcPts val="0"/>
-                        </a:spcBef>
-                        <a:spcAft>
-                          <a:spcPts val="0"/>
-                        </a:spcAft>
-                        <a:buClrTx/>
-                        <a:buSzTx/>
-                        <a:buFontTx/>
-                        <a:buNone/>
-                        <a:tabLst/>
-                        <a:defRPr/>
-                      </a:pPr>
-                      <a:r>
-                        <a:rPr lang="en-US" sz="1100" u="none" strike="noStrike">
-                          <a:solidFill>
-                            <a:schemeClr val="bg1"/>
-                          </a:solidFill>
-                          <a:effectLst/>
-                        </a:rPr>
-                        <a:t>Stop Date (Est.)</a:t>
-                      </a:r>
-                      <a:endParaRPr lang="en-US" sz="1100" b="0" i="0" u="none" strike="noStrike">
-                        <a:solidFill>
-                          <a:schemeClr val="bg1"/>
-                        </a:solidFill>
-                        <a:effectLst/>
-                        <a:latin typeface="Calibri" panose="020F0502020204030204" pitchFamily="34" charset="0"/>
-                      </a:endParaRPr>
-                    </a:p>
-                  </a:txBody>
-                  <a:tcPr marL="9525" marR="9525" marT="9525" marB="0" anchor="ctr">
-                    <a:lnL w="12700" cap="flat" cmpd="sng" algn="ctr">
-                      <a:solidFill>
-                        <a:schemeClr val="bg1">
-                          <a:lumMod val="65000"/>
-                        </a:schemeClr>
-                      </a:solidFill>
-                      <a:prstDash val="solid"/>
-                      <a:round/>
-                      <a:headEnd type="none" w="med" len="med"/>
-                      <a:tailEnd type="none" w="med" len="med"/>
-                    </a:lnL>
-                    <a:lnR w="12700" cap="flat" cmpd="sng" algn="ctr">
-                      <a:solidFill>
-                        <a:schemeClr val="bg1">
-                          <a:lumMod val="65000"/>
-                        </a:schemeClr>
-                      </a:solidFill>
-                      <a:prstDash val="solid"/>
-                      <a:round/>
-                      <a:headEnd type="none" w="med" len="med"/>
-                      <a:tailEnd type="none" w="med" len="med"/>
-                    </a:lnR>
-                    <a:lnT w="12700" cap="flat" cmpd="sng" algn="ctr">
-                      <a:solidFill>
-                        <a:schemeClr val="bg1">
-                          <a:lumMod val="65000"/>
-                        </a:schemeClr>
-                      </a:solidFill>
-                      <a:prstDash val="solid"/>
-                      <a:round/>
-                      <a:headEnd type="none" w="med" len="med"/>
-                      <a:tailEnd type="none" w="med" len="med"/>
-                    </a:lnT>
-                    <a:lnB w="12700" cap="flat" cmpd="sng" algn="ctr">
-                      <a:solidFill>
-                        <a:schemeClr val="bg1">
-                          <a:lumMod val="65000"/>
-                        </a:schemeClr>
-                      </a:solidFill>
-                      <a:prstDash val="solid"/>
-                      <a:round/>
-                      <a:headEnd type="none" w="med" len="med"/>
-                      <a:tailEnd type="none" w="med" len="med"/>
-                    </a:lnB>
-                  </a:tcPr>
-                </a:tc>
-                <a:tc>
-                  <a:txBody>
-                    <a:bodyPr/>
-                    <a:lstStyle/>
-                    <a:p>
-                      <a:pPr algn="ctr" fontAlgn="ctr"/>
-                      <a:endParaRPr lang="en-US" sz="1100" u="none" strike="noStrike">
-                        <a:solidFill>
-                          <a:schemeClr val="bg1"/>
-                        </a:solidFill>
-                        <a:effectLst/>
-                      </a:endParaRPr>
-                    </a:p>
-                    <a:p>
-                      <a:pPr marL="0" marR="0" indent="0" algn="ctr" defTabSz="457200" rtl="0" eaLnBrk="1" fontAlgn="ctr" latinLnBrk="0" hangingPunct="1">
-                        <a:lnSpc>
-                          <a:spcPct val="100000"/>
-                        </a:lnSpc>
-                        <a:spcBef>
-                          <a:spcPts val="0"/>
-                        </a:spcBef>
-                        <a:spcAft>
-                          <a:spcPts val="0"/>
-                        </a:spcAft>
-                        <a:buClrTx/>
-                        <a:buSzTx/>
-                        <a:buFontTx/>
-                        <a:buNone/>
-                        <a:tabLst/>
-                        <a:defRPr/>
-                      </a:pPr>
-                      <a:r>
-                        <a:rPr lang="en-US" sz="1100" u="none" strike="noStrike">
-                          <a:solidFill>
-                            <a:schemeClr val="bg1"/>
-                          </a:solidFill>
-                          <a:effectLst/>
-                        </a:rPr>
-                        <a:t>Hours (Est.)</a:t>
-                      </a:r>
-                      <a:endParaRPr lang="en-US" sz="1100" b="0" i="0" u="none" strike="noStrike">
-                        <a:solidFill>
-                          <a:schemeClr val="bg1"/>
-                        </a:solidFill>
-                        <a:effectLst/>
-                        <a:latin typeface="Calibri" panose="020F0502020204030204" pitchFamily="34" charset="0"/>
-                      </a:endParaRPr>
-                    </a:p>
-                  </a:txBody>
-                  <a:tcPr marL="9525" marR="9525" marT="9525" marB="0" anchor="ctr">
-                    <a:lnL w="12700" cap="flat" cmpd="sng" algn="ctr">
-                      <a:solidFill>
-                        <a:schemeClr val="bg1">
-                          <a:lumMod val="65000"/>
-                        </a:schemeClr>
-                      </a:solidFill>
-                      <a:prstDash val="solid"/>
-                      <a:round/>
-                      <a:headEnd type="none" w="med" len="med"/>
-                      <a:tailEnd type="none" w="med" len="med"/>
-                    </a:lnL>
-                    <a:lnR w="12700" cap="flat" cmpd="sng" algn="ctr">
-                      <a:solidFill>
-                        <a:schemeClr val="bg1">
-                          <a:lumMod val="65000"/>
-                        </a:schemeClr>
-                      </a:solidFill>
-                      <a:prstDash val="solid"/>
-                      <a:round/>
-                      <a:headEnd type="none" w="med" len="med"/>
-                      <a:tailEnd type="none" w="med" len="med"/>
-                    </a:lnR>
-                    <a:lnT w="12700" cap="flat" cmpd="sng" algn="ctr">
-                      <a:solidFill>
-                        <a:schemeClr val="bg1">
-                          <a:lumMod val="65000"/>
-                        </a:schemeClr>
-                      </a:solidFill>
-                      <a:prstDash val="solid"/>
-                      <a:round/>
-                      <a:headEnd type="none" w="med" len="med"/>
-                      <a:tailEnd type="none" w="med" len="med"/>
-                    </a:lnT>
-                    <a:lnB w="12700" cap="flat" cmpd="sng" algn="ctr">
-                      <a:solidFill>
-                        <a:schemeClr val="bg1">
-                          <a:lumMod val="65000"/>
-                        </a:schemeClr>
-                      </a:solidFill>
-                      <a:prstDash val="solid"/>
-                      <a:round/>
-                      <a:headEnd type="none" w="med" len="med"/>
-                      <a:tailEnd type="none" w="med" len="med"/>
-                    </a:lnB>
-                  </a:tcPr>
-                </a:tc>
-                <a:extLst>
-                  <a:ext uri="{0D108BD9-81ED-4DB2-BD59-A6C34878D82A}">
-                    <a16:rowId xmlns:a16="http://schemas.microsoft.com/office/drawing/2014/main" val="10000"/>
-                  </a:ext>
-                </a:extLst>
-              </a:tr>
-              <a:tr h="381000">
-                <a:tc>
-                  <a:txBody>
-                    <a:bodyPr/>
-                    <a:lstStyle/>
-                    <a:p>
-                      <a:pPr algn="l" fontAlgn="b"/>
-                      <a:r>
-                        <a:rPr lang="en-US" sz="1200" u="none" strike="noStrike">
-                          <a:solidFill>
-                            <a:schemeClr val="bg1"/>
-                          </a:solidFill>
-                          <a:effectLst/>
-                          <a:latin typeface="Arial"/>
-                        </a:rPr>
-                        <a:t> Course Work</a:t>
-                      </a:r>
-                      <a:endParaRPr lang="en-US" sz="1200" b="0" i="0" u="none" strike="noStrike">
-                        <a:solidFill>
-                          <a:schemeClr val="bg1"/>
-                        </a:solidFill>
-                        <a:effectLst/>
-                        <a:latin typeface="Arial"/>
-                      </a:endParaRPr>
-                    </a:p>
-                  </a:txBody>
-                  <a:tcPr marL="9525" marR="9525" marT="9525" marB="0" anchor="ctr">
-                    <a:lnL w="12700" cap="flat" cmpd="sng" algn="ctr">
-                      <a:solidFill>
-                        <a:schemeClr val="bg1">
-                          <a:lumMod val="65000"/>
-                        </a:schemeClr>
-                      </a:solidFill>
-                      <a:prstDash val="solid"/>
-                      <a:round/>
-                      <a:headEnd type="none" w="med" len="med"/>
-                      <a:tailEnd type="none" w="med" len="med"/>
-                    </a:lnL>
-                    <a:lnR w="12700" cap="flat" cmpd="sng" algn="ctr">
-                      <a:solidFill>
-                        <a:schemeClr val="bg1">
-                          <a:lumMod val="65000"/>
-                        </a:schemeClr>
-                      </a:solidFill>
-                      <a:prstDash val="solid"/>
-                      <a:round/>
-                      <a:headEnd type="none" w="med" len="med"/>
-                      <a:tailEnd type="none" w="med" len="med"/>
-                    </a:lnR>
-                    <a:lnT w="12700" cap="flat" cmpd="sng" algn="ctr">
-                      <a:solidFill>
-                        <a:schemeClr val="bg1">
-                          <a:lumMod val="65000"/>
-                        </a:schemeClr>
-                      </a:solidFill>
-                      <a:prstDash val="solid"/>
-                      <a:round/>
-                      <a:headEnd type="none" w="med" len="med"/>
-                      <a:tailEnd type="none" w="med" len="med"/>
-                    </a:lnT>
-                    <a:lnB w="12700" cap="flat" cmpd="sng" algn="ctr">
-                      <a:solidFill>
-                        <a:schemeClr val="bg1">
-                          <a:lumMod val="65000"/>
-                        </a:schemeClr>
-                      </a:solidFill>
-                      <a:prstDash val="solid"/>
-                      <a:round/>
-                      <a:headEnd type="none" w="med" len="med"/>
-                      <a:tailEnd type="none" w="med" len="med"/>
-                    </a:lnB>
-                  </a:tcPr>
-                </a:tc>
-                <a:tc>
-                  <a:txBody>
-                    <a:bodyPr/>
-                    <a:lstStyle/>
-                    <a:p>
-                      <a:pPr algn="l" fontAlgn="b"/>
-                      <a:r>
-                        <a:rPr lang="en-US" sz="1200" b="0" i="0" u="none" strike="noStrike">
-                          <a:solidFill>
-                            <a:schemeClr val="bg1"/>
-                          </a:solidFill>
-                          <a:effectLst/>
-                          <a:latin typeface="Arial"/>
-                        </a:rPr>
-                        <a:t>5/19</a:t>
-                      </a:r>
-                    </a:p>
-                  </a:txBody>
-                  <a:tcPr marL="9525" marR="9525" marT="9525" marB="0" anchor="b">
-                    <a:lnL w="12700" cap="flat" cmpd="sng" algn="ctr">
-                      <a:solidFill>
-                        <a:schemeClr val="bg1">
-                          <a:lumMod val="65000"/>
-                        </a:schemeClr>
-                      </a:solidFill>
-                      <a:prstDash val="solid"/>
-                      <a:round/>
-                      <a:headEnd type="none" w="med" len="med"/>
-                      <a:tailEnd type="none" w="med" len="med"/>
-                    </a:lnL>
-                    <a:lnR w="12700" cap="flat" cmpd="sng" algn="ctr">
-                      <a:solidFill>
-                        <a:schemeClr val="bg1">
-                          <a:lumMod val="65000"/>
-                        </a:schemeClr>
-                      </a:solidFill>
-                      <a:prstDash val="solid"/>
-                      <a:round/>
-                      <a:headEnd type="none" w="med" len="med"/>
-                      <a:tailEnd type="none" w="med" len="med"/>
-                    </a:lnR>
-                    <a:lnT w="12700" cap="flat" cmpd="sng" algn="ctr">
-                      <a:solidFill>
-                        <a:schemeClr val="bg1">
-                          <a:lumMod val="65000"/>
-                        </a:schemeClr>
-                      </a:solidFill>
-                      <a:prstDash val="solid"/>
-                      <a:round/>
-                      <a:headEnd type="none" w="med" len="med"/>
-                      <a:tailEnd type="none" w="med" len="med"/>
-                    </a:lnT>
-                    <a:lnB w="12700" cap="flat" cmpd="sng" algn="ctr">
-                      <a:solidFill>
-                        <a:schemeClr val="bg1">
-                          <a:lumMod val="65000"/>
-                        </a:schemeClr>
-                      </a:solidFill>
-                      <a:prstDash val="solid"/>
-                      <a:round/>
-                      <a:headEnd type="none" w="med" len="med"/>
-                      <a:tailEnd type="none" w="med" len="med"/>
-                    </a:lnB>
-                  </a:tcPr>
-                </a:tc>
-                <a:tc>
-                  <a:txBody>
-                    <a:bodyPr/>
-                    <a:lstStyle/>
-                    <a:p>
-                      <a:pPr algn="ctr" fontAlgn="ctr"/>
-                      <a:r>
-                        <a:rPr lang="en-US" sz="1200" b="0" i="0" u="none" strike="noStrike">
-                          <a:solidFill>
-                            <a:schemeClr val="bg1"/>
-                          </a:solidFill>
-                          <a:effectLst/>
-                          <a:latin typeface="Arial"/>
-                        </a:rPr>
-                        <a:t>7.5</a:t>
-                      </a:r>
-                    </a:p>
-                  </a:txBody>
-                  <a:tcPr marL="9525" marR="9525" marT="9525" marB="0" anchor="ctr">
-                    <a:lnL w="12700" cap="flat" cmpd="sng" algn="ctr">
-                      <a:solidFill>
-                        <a:schemeClr val="bg1">
-                          <a:lumMod val="65000"/>
-                        </a:schemeClr>
-                      </a:solidFill>
-                      <a:prstDash val="solid"/>
-                      <a:round/>
-                      <a:headEnd type="none" w="med" len="med"/>
-                      <a:tailEnd type="none" w="med" len="med"/>
-                    </a:lnL>
-                    <a:lnR w="12700" cap="flat" cmpd="sng" algn="ctr">
-                      <a:solidFill>
-                        <a:schemeClr val="bg1">
-                          <a:lumMod val="65000"/>
-                        </a:schemeClr>
-                      </a:solidFill>
-                      <a:prstDash val="solid"/>
-                      <a:round/>
-                      <a:headEnd type="none" w="med" len="med"/>
-                      <a:tailEnd type="none" w="med" len="med"/>
-                    </a:lnR>
-                    <a:lnT w="12700" cap="flat" cmpd="sng" algn="ctr">
-                      <a:solidFill>
-                        <a:schemeClr val="bg1">
-                          <a:lumMod val="65000"/>
-                        </a:schemeClr>
-                      </a:solidFill>
-                      <a:prstDash val="solid"/>
-                      <a:round/>
-                      <a:headEnd type="none" w="med" len="med"/>
-                      <a:tailEnd type="none" w="med" len="med"/>
-                    </a:lnT>
-                    <a:lnB w="12700" cap="flat" cmpd="sng" algn="ctr">
-                      <a:solidFill>
-                        <a:schemeClr val="bg1">
-                          <a:lumMod val="65000"/>
-                        </a:schemeClr>
-                      </a:solidFill>
-                      <a:prstDash val="solid"/>
-                      <a:round/>
-                      <a:headEnd type="none" w="med" len="med"/>
-                      <a:tailEnd type="none" w="med" len="med"/>
-                    </a:lnB>
-                  </a:tcPr>
-                </a:tc>
-                <a:extLst>
-                  <a:ext uri="{0D108BD9-81ED-4DB2-BD59-A6C34878D82A}">
-                    <a16:rowId xmlns:a16="http://schemas.microsoft.com/office/drawing/2014/main" val="10001"/>
-                  </a:ext>
-                </a:extLst>
-              </a:tr>
-              <a:tr h="381000">
-                <a:tc>
-                  <a:txBody>
-                    <a:bodyPr/>
-                    <a:lstStyle/>
-                    <a:p>
-                      <a:pPr algn="l" fontAlgn="b"/>
-                      <a:r>
-                        <a:rPr lang="en-US" sz="1200" b="0" i="0" u="none" strike="noStrike">
-                          <a:solidFill>
-                            <a:schemeClr val="bg1"/>
-                          </a:solidFill>
-                          <a:effectLst/>
-                          <a:latin typeface="Arial"/>
-                        </a:rPr>
-                        <a:t>COM Test - Arduino</a:t>
-                      </a:r>
-                    </a:p>
-                  </a:txBody>
-                  <a:tcPr marL="9525" marR="9525" marT="9525" marB="0" anchor="ctr">
-                    <a:lnL w="12700" cap="flat" cmpd="sng" algn="ctr">
-                      <a:solidFill>
-                        <a:schemeClr val="bg1">
-                          <a:lumMod val="65000"/>
-                        </a:schemeClr>
-                      </a:solidFill>
-                      <a:prstDash val="solid"/>
-                      <a:round/>
-                      <a:headEnd type="none" w="med" len="med"/>
-                      <a:tailEnd type="none" w="med" len="med"/>
-                    </a:lnL>
-                    <a:lnR w="12700" cap="flat" cmpd="sng" algn="ctr">
-                      <a:solidFill>
-                        <a:schemeClr val="bg1">
-                          <a:lumMod val="65000"/>
-                        </a:schemeClr>
-                      </a:solidFill>
-                      <a:prstDash val="solid"/>
-                      <a:round/>
-                      <a:headEnd type="none" w="med" len="med"/>
-                      <a:tailEnd type="none" w="med" len="med"/>
-                    </a:lnR>
-                    <a:lnT w="12700" cap="flat" cmpd="sng" algn="ctr">
-                      <a:solidFill>
-                        <a:schemeClr val="bg1">
-                          <a:lumMod val="65000"/>
-                        </a:schemeClr>
-                      </a:solidFill>
-                      <a:prstDash val="solid"/>
-                      <a:round/>
-                      <a:headEnd type="none" w="med" len="med"/>
-                      <a:tailEnd type="none" w="med" len="med"/>
-                    </a:lnT>
-                    <a:lnB w="12700" cap="flat" cmpd="sng" algn="ctr">
-                      <a:solidFill>
-                        <a:schemeClr val="bg1">
-                          <a:lumMod val="65000"/>
-                        </a:schemeClr>
-                      </a:solidFill>
-                      <a:prstDash val="solid"/>
-                      <a:round/>
-                      <a:headEnd type="none" w="med" len="med"/>
-                      <a:tailEnd type="none" w="med" len="med"/>
-                    </a:lnB>
-                  </a:tcPr>
-                </a:tc>
-                <a:tc>
-                  <a:txBody>
-                    <a:bodyPr/>
-                    <a:lstStyle/>
-                    <a:p>
-                      <a:pPr algn="l" fontAlgn="b"/>
-                      <a:r>
-                        <a:rPr lang="en-US" sz="1200" b="0" i="0" u="none" strike="noStrike">
-                          <a:solidFill>
-                            <a:schemeClr val="bg1"/>
-                          </a:solidFill>
-                          <a:effectLst/>
-                          <a:latin typeface="Arial"/>
-                        </a:rPr>
-                        <a:t>5/26</a:t>
-                      </a:r>
-                    </a:p>
-                  </a:txBody>
-                  <a:tcPr marL="9525" marR="9525" marT="9525" marB="0" anchor="b">
-                    <a:lnL w="12700" cap="flat" cmpd="sng" algn="ctr">
-                      <a:solidFill>
-                        <a:schemeClr val="bg1">
-                          <a:lumMod val="65000"/>
-                        </a:schemeClr>
-                      </a:solidFill>
-                      <a:prstDash val="solid"/>
-                      <a:round/>
-                      <a:headEnd type="none" w="med" len="med"/>
-                      <a:tailEnd type="none" w="med" len="med"/>
-                    </a:lnL>
-                    <a:lnR w="12700" cap="flat" cmpd="sng" algn="ctr">
-                      <a:solidFill>
-                        <a:schemeClr val="bg1">
-                          <a:lumMod val="65000"/>
-                        </a:schemeClr>
-                      </a:solidFill>
-                      <a:prstDash val="solid"/>
-                      <a:round/>
-                      <a:headEnd type="none" w="med" len="med"/>
-                      <a:tailEnd type="none" w="med" len="med"/>
-                    </a:lnR>
-                    <a:lnT w="12700" cap="flat" cmpd="sng" algn="ctr">
-                      <a:solidFill>
-                        <a:schemeClr val="bg1">
-                          <a:lumMod val="65000"/>
-                        </a:schemeClr>
-                      </a:solidFill>
-                      <a:prstDash val="solid"/>
-                      <a:round/>
-                      <a:headEnd type="none" w="med" len="med"/>
-                      <a:tailEnd type="none" w="med" len="med"/>
-                    </a:lnT>
-                    <a:lnB w="12700" cap="flat" cmpd="sng" algn="ctr">
-                      <a:solidFill>
-                        <a:schemeClr val="bg1">
-                          <a:lumMod val="65000"/>
-                        </a:schemeClr>
-                      </a:solidFill>
-                      <a:prstDash val="solid"/>
-                      <a:round/>
-                      <a:headEnd type="none" w="med" len="med"/>
-                      <a:tailEnd type="none" w="med" len="med"/>
-                    </a:lnB>
-                  </a:tcPr>
-                </a:tc>
-                <a:tc>
-                  <a:txBody>
-                    <a:bodyPr/>
-                    <a:lstStyle/>
-                    <a:p>
-                      <a:pPr algn="ctr" fontAlgn="ctr"/>
-                      <a:r>
-                        <a:rPr lang="en-US" sz="1200" b="0" i="0" u="none" strike="noStrike">
-                          <a:solidFill>
-                            <a:schemeClr val="bg1"/>
-                          </a:solidFill>
-                          <a:effectLst/>
-                          <a:latin typeface="Arial"/>
-                        </a:rPr>
-                        <a:t>3.5</a:t>
-                      </a:r>
-                    </a:p>
-                  </a:txBody>
-                  <a:tcPr marL="9525" marR="9525" marT="9525" marB="0" anchor="ctr">
-                    <a:lnL w="12700" cap="flat" cmpd="sng" algn="ctr">
-                      <a:solidFill>
-                        <a:schemeClr val="bg1">
-                          <a:lumMod val="65000"/>
-                        </a:schemeClr>
-                      </a:solidFill>
-                      <a:prstDash val="solid"/>
-                      <a:round/>
-                      <a:headEnd type="none" w="med" len="med"/>
-                      <a:tailEnd type="none" w="med" len="med"/>
-                    </a:lnL>
-                    <a:lnR w="12700" cap="flat" cmpd="sng" algn="ctr">
-                      <a:solidFill>
-                        <a:schemeClr val="bg1">
-                          <a:lumMod val="65000"/>
-                        </a:schemeClr>
-                      </a:solidFill>
-                      <a:prstDash val="solid"/>
-                      <a:round/>
-                      <a:headEnd type="none" w="med" len="med"/>
-                      <a:tailEnd type="none" w="med" len="med"/>
-                    </a:lnR>
-                    <a:lnT w="12700" cap="flat" cmpd="sng" algn="ctr">
-                      <a:solidFill>
-                        <a:schemeClr val="bg1">
-                          <a:lumMod val="65000"/>
-                        </a:schemeClr>
-                      </a:solidFill>
-                      <a:prstDash val="solid"/>
-                      <a:round/>
-                      <a:headEnd type="none" w="med" len="med"/>
-                      <a:tailEnd type="none" w="med" len="med"/>
-                    </a:lnT>
-                    <a:lnB w="12700" cap="flat" cmpd="sng" algn="ctr">
-                      <a:solidFill>
-                        <a:schemeClr val="bg1">
-                          <a:lumMod val="65000"/>
-                        </a:schemeClr>
-                      </a:solidFill>
-                      <a:prstDash val="solid"/>
-                      <a:round/>
-                      <a:headEnd type="none" w="med" len="med"/>
-                      <a:tailEnd type="none" w="med" len="med"/>
-                    </a:lnB>
-                  </a:tcPr>
-                </a:tc>
-                <a:extLst>
-                  <a:ext uri="{0D108BD9-81ED-4DB2-BD59-A6C34878D82A}">
-                    <a16:rowId xmlns:a16="http://schemas.microsoft.com/office/drawing/2014/main" val="10002"/>
-                  </a:ext>
-                </a:extLst>
-              </a:tr>
-              <a:tr h="381000">
-                <a:tc>
-                  <a:txBody>
-                    <a:bodyPr/>
-                    <a:lstStyle/>
-                    <a:p>
-                      <a:pPr algn="l" fontAlgn="b"/>
-                      <a:r>
-                        <a:rPr lang="en-US" sz="1200" b="0" i="0" u="none" strike="noStrike">
-                          <a:solidFill>
-                            <a:schemeClr val="bg1"/>
-                          </a:solidFill>
-                          <a:effectLst/>
-                          <a:latin typeface="Arial"/>
-                        </a:rPr>
-                        <a:t>Learn Microsemi – Libero/</a:t>
-                      </a:r>
-                      <a:r>
-                        <a:rPr lang="en-US" sz="1200" b="0" i="0" u="none" strike="noStrike" err="1">
-                          <a:solidFill>
-                            <a:schemeClr val="bg1"/>
-                          </a:solidFill>
-                          <a:effectLst/>
-                          <a:latin typeface="Arial"/>
-                        </a:rPr>
-                        <a:t>Softconsole</a:t>
-                      </a:r>
-                    </a:p>
-                  </a:txBody>
-                  <a:tcPr marL="9525" marR="9525" marT="9525" marB="0" anchor="ctr">
-                    <a:lnL w="12700" cap="flat" cmpd="sng" algn="ctr">
-                      <a:solidFill>
-                        <a:schemeClr val="bg1">
-                          <a:lumMod val="65000"/>
-                        </a:schemeClr>
-                      </a:solidFill>
-                      <a:prstDash val="solid"/>
-                      <a:round/>
-                      <a:headEnd type="none" w="med" len="med"/>
-                      <a:tailEnd type="none" w="med" len="med"/>
-                    </a:lnL>
-                    <a:lnR w="12700" cap="flat" cmpd="sng" algn="ctr">
-                      <a:solidFill>
-                        <a:schemeClr val="bg1">
-                          <a:lumMod val="65000"/>
-                        </a:schemeClr>
-                      </a:solidFill>
-                      <a:prstDash val="solid"/>
-                      <a:round/>
-                      <a:headEnd type="none" w="med" len="med"/>
-                      <a:tailEnd type="none" w="med" len="med"/>
-                    </a:lnR>
-                    <a:lnT w="12700" cap="flat" cmpd="sng" algn="ctr">
-                      <a:solidFill>
-                        <a:schemeClr val="bg1">
-                          <a:lumMod val="65000"/>
-                        </a:schemeClr>
-                      </a:solidFill>
-                      <a:prstDash val="solid"/>
-                      <a:round/>
-                      <a:headEnd type="none" w="med" len="med"/>
-                      <a:tailEnd type="none" w="med" len="med"/>
-                    </a:lnT>
-                    <a:lnB w="12700" cap="flat" cmpd="sng" algn="ctr">
-                      <a:solidFill>
-                        <a:schemeClr val="bg1">
-                          <a:lumMod val="65000"/>
-                        </a:schemeClr>
-                      </a:solidFill>
-                      <a:prstDash val="solid"/>
-                      <a:round/>
-                      <a:headEnd type="none" w="med" len="med"/>
-                      <a:tailEnd type="none" w="med" len="med"/>
-                    </a:lnB>
-                  </a:tcPr>
-                </a:tc>
-                <a:tc>
-                  <a:txBody>
-                    <a:bodyPr/>
-                    <a:lstStyle/>
-                    <a:p>
-                      <a:pPr algn="l" fontAlgn="b"/>
-                      <a:r>
-                        <a:rPr lang="en-US" sz="1200" b="0" i="0" u="none" strike="noStrike">
-                          <a:solidFill>
-                            <a:schemeClr val="bg1"/>
-                          </a:solidFill>
-                          <a:effectLst/>
-                          <a:latin typeface="Arial"/>
-                        </a:rPr>
-                        <a:t>5/26</a:t>
-                      </a:r>
-                    </a:p>
-                  </a:txBody>
-                  <a:tcPr marL="9525" marR="9525" marT="9525" marB="0" anchor="b">
-                    <a:lnL w="12700" cap="flat" cmpd="sng" algn="ctr">
-                      <a:solidFill>
-                        <a:schemeClr val="bg1">
-                          <a:lumMod val="65000"/>
-                        </a:schemeClr>
-                      </a:solidFill>
-                      <a:prstDash val="solid"/>
-                      <a:round/>
-                      <a:headEnd type="none" w="med" len="med"/>
-                      <a:tailEnd type="none" w="med" len="med"/>
-                    </a:lnL>
-                    <a:lnR w="12700" cap="flat" cmpd="sng" algn="ctr">
-                      <a:solidFill>
-                        <a:schemeClr val="bg1">
-                          <a:lumMod val="65000"/>
-                        </a:schemeClr>
-                      </a:solidFill>
-                      <a:prstDash val="solid"/>
-                      <a:round/>
-                      <a:headEnd type="none" w="med" len="med"/>
-                      <a:tailEnd type="none" w="med" len="med"/>
-                    </a:lnR>
-                    <a:lnT w="12700" cap="flat" cmpd="sng" algn="ctr">
-                      <a:solidFill>
-                        <a:schemeClr val="bg1">
-                          <a:lumMod val="65000"/>
-                        </a:schemeClr>
-                      </a:solidFill>
-                      <a:prstDash val="solid"/>
-                      <a:round/>
-                      <a:headEnd type="none" w="med" len="med"/>
-                      <a:tailEnd type="none" w="med" len="med"/>
-                    </a:lnT>
-                    <a:lnB w="12700" cap="flat" cmpd="sng" algn="ctr">
-                      <a:solidFill>
-                        <a:schemeClr val="bg1">
-                          <a:lumMod val="65000"/>
-                        </a:schemeClr>
-                      </a:solidFill>
-                      <a:prstDash val="solid"/>
-                      <a:round/>
-                      <a:headEnd type="none" w="med" len="med"/>
-                      <a:tailEnd type="none" w="med" len="med"/>
-                    </a:lnB>
-                  </a:tcPr>
-                </a:tc>
-                <a:tc>
-                  <a:txBody>
-                    <a:bodyPr/>
-                    <a:lstStyle/>
-                    <a:p>
-                      <a:pPr algn="ctr" fontAlgn="ctr"/>
-                      <a:r>
-                        <a:rPr lang="en-US" sz="1200" b="0" i="0" u="none" strike="noStrike">
-                          <a:solidFill>
-                            <a:schemeClr val="bg1"/>
-                          </a:solidFill>
-                          <a:effectLst/>
-                          <a:latin typeface="Arial"/>
-                        </a:rPr>
-                        <a:t>2</a:t>
-                      </a:r>
-                    </a:p>
-                  </a:txBody>
-                  <a:tcPr marL="9525" marR="9525" marT="9525" marB="0" anchor="ctr">
-                    <a:lnL w="12700" cap="flat" cmpd="sng" algn="ctr">
-                      <a:solidFill>
-                        <a:schemeClr val="bg1">
-                          <a:lumMod val="65000"/>
-                        </a:schemeClr>
-                      </a:solidFill>
-                      <a:prstDash val="solid"/>
-                      <a:round/>
-                      <a:headEnd type="none" w="med" len="med"/>
-                      <a:tailEnd type="none" w="med" len="med"/>
-                    </a:lnL>
-                    <a:lnR w="12700" cap="flat" cmpd="sng" algn="ctr">
-                      <a:solidFill>
-                        <a:schemeClr val="bg1">
-                          <a:lumMod val="65000"/>
-                        </a:schemeClr>
-                      </a:solidFill>
-                      <a:prstDash val="solid"/>
-                      <a:round/>
-                      <a:headEnd type="none" w="med" len="med"/>
-                      <a:tailEnd type="none" w="med" len="med"/>
-                    </a:lnR>
-                    <a:lnT w="12700" cap="flat" cmpd="sng" algn="ctr">
-                      <a:solidFill>
-                        <a:schemeClr val="bg1">
-                          <a:lumMod val="65000"/>
-                        </a:schemeClr>
-                      </a:solidFill>
-                      <a:prstDash val="solid"/>
-                      <a:round/>
-                      <a:headEnd type="none" w="med" len="med"/>
-                      <a:tailEnd type="none" w="med" len="med"/>
-                    </a:lnT>
-                    <a:lnB w="12700" cap="flat" cmpd="sng" algn="ctr">
-                      <a:solidFill>
-                        <a:schemeClr val="bg1">
-                          <a:lumMod val="65000"/>
-                        </a:schemeClr>
-                      </a:solidFill>
-                      <a:prstDash val="solid"/>
-                      <a:round/>
-                      <a:headEnd type="none" w="med" len="med"/>
-                      <a:tailEnd type="none" w="med" len="med"/>
-                    </a:lnB>
-                  </a:tcPr>
-                </a:tc>
-                <a:extLst>
-                  <a:ext uri="{0D108BD9-81ED-4DB2-BD59-A6C34878D82A}">
-                    <a16:rowId xmlns:a16="http://schemas.microsoft.com/office/drawing/2014/main" val="10003"/>
-                  </a:ext>
-                </a:extLst>
-              </a:tr>
-              <a:tr h="381000">
-                <a:tc>
-                  <a:txBody>
-                    <a:bodyPr/>
-                    <a:lstStyle/>
-                    <a:p>
-                      <a:pPr algn="l" fontAlgn="b"/>
-                      <a:endParaRPr lang="en-US" sz="1200" b="0" i="0" u="none" strike="noStrike">
-                        <a:solidFill>
-                          <a:schemeClr val="bg1"/>
-                        </a:solidFill>
-                        <a:effectLst/>
-                        <a:latin typeface="Arial"/>
-                      </a:endParaRPr>
-                    </a:p>
-                  </a:txBody>
-                  <a:tcPr marL="9525" marR="9525" marT="9525" marB="0" anchor="ctr">
-                    <a:lnL w="12700" cap="flat" cmpd="sng" algn="ctr">
-                      <a:solidFill>
-                        <a:schemeClr val="bg1">
-                          <a:lumMod val="65000"/>
-                        </a:schemeClr>
-                      </a:solidFill>
-                      <a:prstDash val="solid"/>
-                      <a:round/>
-                      <a:headEnd type="none" w="med" len="med"/>
-                      <a:tailEnd type="none" w="med" len="med"/>
-                    </a:lnL>
-                    <a:lnR w="12700" cap="flat" cmpd="sng" algn="ctr">
-                      <a:solidFill>
-                        <a:schemeClr val="bg1">
-                          <a:lumMod val="65000"/>
-                        </a:schemeClr>
-                      </a:solidFill>
-                      <a:prstDash val="solid"/>
-                      <a:round/>
-                      <a:headEnd type="none" w="med" len="med"/>
-                      <a:tailEnd type="none" w="med" len="med"/>
-                    </a:lnR>
-                    <a:lnT w="12700" cap="flat" cmpd="sng" algn="ctr">
-                      <a:solidFill>
-                        <a:schemeClr val="bg1">
-                          <a:lumMod val="65000"/>
-                        </a:schemeClr>
-                      </a:solidFill>
-                      <a:prstDash val="solid"/>
-                      <a:round/>
-                      <a:headEnd type="none" w="med" len="med"/>
-                      <a:tailEnd type="none" w="med" len="med"/>
-                    </a:lnT>
-                    <a:lnB w="12700" cap="flat" cmpd="sng" algn="ctr">
-                      <a:solidFill>
-                        <a:schemeClr val="bg1">
-                          <a:lumMod val="65000"/>
-                        </a:schemeClr>
-                      </a:solidFill>
-                      <a:prstDash val="solid"/>
-                      <a:round/>
-                      <a:headEnd type="none" w="med" len="med"/>
-                      <a:tailEnd type="none" w="med" len="med"/>
-                    </a:lnB>
-                  </a:tcPr>
-                </a:tc>
-                <a:tc>
-                  <a:txBody>
-                    <a:bodyPr/>
-                    <a:lstStyle/>
-                    <a:p>
-                      <a:pPr algn="l" fontAlgn="b"/>
-                      <a:endParaRPr lang="en-US" sz="1200" b="0" i="0" u="none" strike="noStrike">
-                        <a:solidFill>
-                          <a:schemeClr val="bg1"/>
-                        </a:solidFill>
-                        <a:effectLst/>
-                        <a:latin typeface="Arial"/>
-                      </a:endParaRPr>
-                    </a:p>
-                  </a:txBody>
-                  <a:tcPr marL="9525" marR="9525" marT="9525" marB="0" anchor="b">
-                    <a:lnL w="12700" cap="flat" cmpd="sng" algn="ctr">
-                      <a:solidFill>
-                        <a:schemeClr val="bg1">
-                          <a:lumMod val="65000"/>
-                        </a:schemeClr>
-                      </a:solidFill>
-                      <a:prstDash val="solid"/>
-                      <a:round/>
-                      <a:headEnd type="none" w="med" len="med"/>
-                      <a:tailEnd type="none" w="med" len="med"/>
-                    </a:lnL>
-                    <a:lnR w="12700" cap="flat" cmpd="sng" algn="ctr">
-                      <a:solidFill>
-                        <a:schemeClr val="bg1">
-                          <a:lumMod val="65000"/>
-                        </a:schemeClr>
-                      </a:solidFill>
-                      <a:prstDash val="solid"/>
-                      <a:round/>
-                      <a:headEnd type="none" w="med" len="med"/>
-                      <a:tailEnd type="none" w="med" len="med"/>
-                    </a:lnR>
-                    <a:lnT w="12700" cap="flat" cmpd="sng" algn="ctr">
-                      <a:solidFill>
-                        <a:schemeClr val="bg1">
-                          <a:lumMod val="65000"/>
-                        </a:schemeClr>
-                      </a:solidFill>
-                      <a:prstDash val="solid"/>
-                      <a:round/>
-                      <a:headEnd type="none" w="med" len="med"/>
-                      <a:tailEnd type="none" w="med" len="med"/>
-                    </a:lnT>
-                    <a:lnB w="12700" cap="flat" cmpd="sng" algn="ctr">
-                      <a:solidFill>
-                        <a:schemeClr val="bg1">
-                          <a:lumMod val="65000"/>
-                        </a:schemeClr>
-                      </a:solidFill>
-                      <a:prstDash val="solid"/>
-                      <a:round/>
-                      <a:headEnd type="none" w="med" len="med"/>
-                      <a:tailEnd type="none" w="med" len="med"/>
-                    </a:lnB>
-                  </a:tcPr>
-                </a:tc>
-                <a:tc>
-                  <a:txBody>
-                    <a:bodyPr/>
-                    <a:lstStyle/>
-                    <a:p>
-                      <a:pPr algn="ctr" fontAlgn="ctr"/>
-                      <a:endParaRPr lang="en-US" sz="1200" b="0" i="0" u="none" strike="noStrike">
-                        <a:solidFill>
-                          <a:schemeClr val="bg1"/>
-                        </a:solidFill>
-                        <a:effectLst/>
-                        <a:latin typeface="Arial"/>
-                      </a:endParaRPr>
-                    </a:p>
-                  </a:txBody>
-                  <a:tcPr marL="9525" marR="9525" marT="9525" marB="0" anchor="ctr">
-                    <a:lnL w="12700" cap="flat" cmpd="sng" algn="ctr">
-                      <a:solidFill>
-                        <a:schemeClr val="bg1">
-                          <a:lumMod val="65000"/>
-                        </a:schemeClr>
-                      </a:solidFill>
-                      <a:prstDash val="solid"/>
-                      <a:round/>
-                      <a:headEnd type="none" w="med" len="med"/>
-                      <a:tailEnd type="none" w="med" len="med"/>
-                    </a:lnL>
-                    <a:lnR w="12700" cap="flat" cmpd="sng" algn="ctr">
-                      <a:solidFill>
-                        <a:schemeClr val="bg1">
-                          <a:lumMod val="65000"/>
-                        </a:schemeClr>
-                      </a:solidFill>
-                      <a:prstDash val="solid"/>
-                      <a:round/>
-                      <a:headEnd type="none" w="med" len="med"/>
-                      <a:tailEnd type="none" w="med" len="med"/>
-                    </a:lnR>
-                    <a:lnT w="12700" cap="flat" cmpd="sng" algn="ctr">
-                      <a:solidFill>
-                        <a:schemeClr val="bg1">
-                          <a:lumMod val="65000"/>
-                        </a:schemeClr>
-                      </a:solidFill>
-                      <a:prstDash val="solid"/>
-                      <a:round/>
-                      <a:headEnd type="none" w="med" len="med"/>
-                      <a:tailEnd type="none" w="med" len="med"/>
-                    </a:lnT>
-                    <a:lnB w="12700" cap="flat" cmpd="sng" algn="ctr">
-                      <a:solidFill>
-                        <a:schemeClr val="bg1">
-                          <a:lumMod val="65000"/>
-                        </a:schemeClr>
-                      </a:solidFill>
-                      <a:prstDash val="solid"/>
-                      <a:round/>
-                      <a:headEnd type="none" w="med" len="med"/>
-                      <a:tailEnd type="none" w="med" len="med"/>
-                    </a:lnB>
-                  </a:tcPr>
-                </a:tc>
-                <a:extLst>
-                  <a:ext uri="{0D108BD9-81ED-4DB2-BD59-A6C34878D82A}">
-                    <a16:rowId xmlns:a16="http://schemas.microsoft.com/office/drawing/2014/main" val="10004"/>
-                  </a:ext>
-                </a:extLst>
-              </a:tr>
-            </a:tbl>
-          </a:graphicData>
-        </a:graphic>
-      </p:graphicFrame>
-      <p:graphicFrame>
-        <p:nvGraphicFramePr>
-          <p:cNvPr id="4" name="Table 3"/>
-          <p:cNvGraphicFramePr>
-            <a:graphicFrameLocks noGrp="1"/>
-          </p:cNvGraphicFramePr>
-          <p:nvPr>
-            <p:extLst>
-              <p:ext uri="{D42A27DB-BD31-4B8C-83A1-F6EECF244321}">
-                <p14:modId xmlns:p14="http://schemas.microsoft.com/office/powerpoint/2010/main" val="2684208686"/>
-              </p:ext>
-            </p:extLst>
-          </p:nvPr>
-        </p:nvGraphicFramePr>
-        <p:xfrm>
-          <a:off x="5841826" y="4114800"/>
-          <a:ext cx="5749969" cy="609600"/>
-        </p:xfrm>
-        <a:graphic>
-          <a:graphicData uri="http://schemas.openxmlformats.org/drawingml/2006/table">
-            <a:tbl>
-              <a:tblPr lastCol="1" bandRow="1">
-                <a:tableStyleId>{2D5ABB26-0587-4C30-8999-92F81FD0307C}</a:tableStyleId>
-              </a:tblPr>
-              <a:tblGrid>
-                <a:gridCol w="5054774">
-                  <a:extLst>
-                    <a:ext uri="{9D8B030D-6E8A-4147-A177-3AD203B41FA5}">
-                      <a16:colId xmlns:a16="http://schemas.microsoft.com/office/drawing/2014/main" val="20000"/>
-                    </a:ext>
-                  </a:extLst>
-                </a:gridCol>
-                <a:gridCol w="695195">
-                  <a:extLst>
-                    <a:ext uri="{9D8B030D-6E8A-4147-A177-3AD203B41FA5}">
-                      <a16:colId xmlns:a16="http://schemas.microsoft.com/office/drawing/2014/main" val="20001"/>
-                    </a:ext>
-                  </a:extLst>
-                </a:gridCol>
-              </a:tblGrid>
-              <a:tr h="609600">
-                <a:tc>
-                  <a:txBody>
-                    <a:bodyPr/>
-                    <a:lstStyle/>
-                    <a:p>
-                      <a:pPr algn="ctr" fontAlgn="b"/>
-                      <a:r>
-                        <a:rPr lang="en-US" sz="1100" u="none" strike="noStrike">
-                          <a:solidFill>
-                            <a:schemeClr val="bg1"/>
-                          </a:solidFill>
-                          <a:effectLst/>
-                        </a:rPr>
-                        <a:t>Estimated time needed to work on </a:t>
-                      </a:r>
-                      <a:r>
-                        <a:rPr lang="en-US" sz="1100" u="none" strike="noStrike" baseline="0">
-                          <a:solidFill>
-                            <a:schemeClr val="bg1"/>
-                          </a:solidFill>
-                          <a:effectLst/>
-                        </a:rPr>
-                        <a:t>goals for this coming week (typ. 13 </a:t>
-                      </a:r>
-                      <a:r>
-                        <a:rPr lang="en-US" sz="1100" u="none" strike="noStrike" baseline="0" err="1">
-                          <a:solidFill>
-                            <a:schemeClr val="bg1"/>
-                          </a:solidFill>
-                          <a:effectLst/>
-                        </a:rPr>
-                        <a:t>hrs</a:t>
-                      </a:r>
-                      <a:r>
-                        <a:rPr lang="en-US" sz="1100" u="none" strike="noStrike" baseline="0">
-                          <a:solidFill>
-                            <a:schemeClr val="bg1"/>
-                          </a:solidFill>
-                          <a:effectLst/>
-                        </a:rPr>
-                        <a:t>)</a:t>
-                      </a:r>
-                      <a:endParaRPr lang="en-US" sz="1100" b="0" i="0" u="none" strike="noStrike">
-                        <a:solidFill>
-                          <a:schemeClr val="bg1"/>
-                        </a:solidFill>
-                        <a:effectLst/>
-                        <a:latin typeface="Calibri" panose="020F0502020204030204" pitchFamily="34" charset="0"/>
-                      </a:endParaRPr>
-                    </a:p>
-                  </a:txBody>
-                  <a:tcPr marL="9525" marR="9525" marT="9525" marB="0" anchor="ctr">
-                    <a:lnL w="12700" cap="flat" cmpd="sng" algn="ctr">
-                      <a:solidFill>
-                        <a:schemeClr val="bg1">
-                          <a:lumMod val="65000"/>
-                        </a:schemeClr>
-                      </a:solidFill>
-                      <a:prstDash val="solid"/>
-                      <a:round/>
-                      <a:headEnd type="none" w="med" len="med"/>
-                      <a:tailEnd type="none" w="med" len="med"/>
-                    </a:lnL>
-                    <a:lnR w="12700" cap="flat" cmpd="sng" algn="ctr">
-                      <a:solidFill>
-                        <a:schemeClr val="bg1">
-                          <a:lumMod val="65000"/>
-                        </a:schemeClr>
-                      </a:solidFill>
-                      <a:prstDash val="solid"/>
-                      <a:round/>
-                      <a:headEnd type="none" w="med" len="med"/>
-                      <a:tailEnd type="none" w="med" len="med"/>
-                    </a:lnR>
-                    <a:lnT w="12700" cap="flat" cmpd="sng" algn="ctr">
-                      <a:solidFill>
-                        <a:schemeClr val="bg1">
-                          <a:lumMod val="65000"/>
-                        </a:schemeClr>
-                      </a:solidFill>
-                      <a:prstDash val="solid"/>
-                      <a:round/>
-                      <a:headEnd type="none" w="med" len="med"/>
-                      <a:tailEnd type="none" w="med" len="med"/>
-                    </a:lnT>
-                    <a:lnB w="12700" cap="flat" cmpd="sng" algn="ctr">
-                      <a:solidFill>
-                        <a:schemeClr val="bg1">
-                          <a:lumMod val="65000"/>
-                        </a:schemeClr>
-                      </a:solidFill>
-                      <a:prstDash val="solid"/>
-                      <a:round/>
-                      <a:headEnd type="none" w="med" len="med"/>
-                      <a:tailEnd type="none" w="med" len="med"/>
-                    </a:lnB>
-                  </a:tcPr>
-                </a:tc>
-                <a:tc>
-                  <a:txBody>
-                    <a:bodyPr/>
-                    <a:lstStyle/>
-                    <a:p>
-                      <a:pPr algn="ctr" fontAlgn="b"/>
-                      <a:r>
-                        <a:rPr lang="en-US" sz="1100" b="0" i="0" u="none" strike="noStrike">
-                          <a:solidFill>
-                            <a:schemeClr val="bg1"/>
-                          </a:solidFill>
-                          <a:effectLst/>
-                          <a:latin typeface="Calibri"/>
-                        </a:rPr>
-                        <a:t>13</a:t>
-                      </a:r>
-                      <a:endParaRPr lang="en-US" sz="1100" b="0" i="0" u="none" strike="noStrike">
-                        <a:solidFill>
-                          <a:schemeClr val="bg1"/>
-                        </a:solidFill>
-                        <a:effectLst/>
-                        <a:latin typeface="Calibri" panose="020F0502020204030204" pitchFamily="34" charset="0"/>
-                      </a:endParaRPr>
-                    </a:p>
-                  </a:txBody>
-                  <a:tcPr marL="9525" marR="9525" marT="9525" marB="0" anchor="ctr">
-                    <a:lnL w="12700" cap="flat" cmpd="sng" algn="ctr">
-                      <a:solidFill>
-                        <a:schemeClr val="bg1">
-                          <a:lumMod val="65000"/>
-                        </a:schemeClr>
-                      </a:solidFill>
-                      <a:prstDash val="solid"/>
-                      <a:round/>
-                      <a:headEnd type="none" w="med" len="med"/>
-                      <a:tailEnd type="none" w="med" len="med"/>
-                    </a:lnL>
-                    <a:lnR w="12700" cap="flat" cmpd="sng" algn="ctr">
-                      <a:solidFill>
-                        <a:schemeClr val="bg1">
-                          <a:lumMod val="65000"/>
-                        </a:schemeClr>
-                      </a:solidFill>
-                      <a:prstDash val="solid"/>
-                      <a:round/>
-                      <a:headEnd type="none" w="med" len="med"/>
-                      <a:tailEnd type="none" w="med" len="med"/>
-                    </a:lnR>
-                    <a:lnT w="12700" cap="flat" cmpd="sng" algn="ctr">
-                      <a:solidFill>
-                        <a:schemeClr val="bg1">
-                          <a:lumMod val="65000"/>
-                        </a:schemeClr>
-                      </a:solidFill>
-                      <a:prstDash val="solid"/>
-                      <a:round/>
-                      <a:headEnd type="none" w="med" len="med"/>
-                      <a:tailEnd type="none" w="med" len="med"/>
-                    </a:lnT>
-                    <a:lnB w="12700" cap="flat" cmpd="sng" algn="ctr">
-                      <a:solidFill>
-                        <a:schemeClr val="bg1">
-                          <a:lumMod val="65000"/>
-                        </a:schemeClr>
-                      </a:solidFill>
-                      <a:prstDash val="solid"/>
-                      <a:round/>
-                      <a:headEnd type="none" w="med" len="med"/>
-                      <a:tailEnd type="none" w="med" len="med"/>
-                    </a:lnB>
-                  </a:tcPr>
-                </a:tc>
-                <a:extLst>
-                  <a:ext uri="{0D108BD9-81ED-4DB2-BD59-A6C34878D82A}">
-                    <a16:rowId xmlns:a16="http://schemas.microsoft.com/office/drawing/2014/main" val="10000"/>
-                  </a:ext>
-                </a:extLst>
-              </a:tr>
-            </a:tbl>
-          </a:graphicData>
-        </a:graphic>
-      </p:graphicFrame>
-    </p:spTree>
-    <p:extLst>
-      <p:ext uri="{BB962C8B-B14F-4D97-AF65-F5344CB8AC3E}">
-        <p14:creationId xmlns:p14="http://schemas.microsoft.com/office/powerpoint/2010/main" val="2158812019"/>
-      </p:ext>
-    </p:extLst>
-  </p:cSld>
-  <p:clrMapOvr>
-    <a:masterClrMapping/>
-  </p:clrMapOvr>
-  <p:transition>
-    <p:fade/>
-  </p:transition>
-</p:sld>
-</file>
-
-<file path=ppt/slides/slide23.xml><?xml version="1.0" encoding="utf-8"?>
-<p:sld xmlns:a="http://schemas.openxmlformats.org/drawingml/2006/main" xmlns:r="http://schemas.openxmlformats.org/officeDocument/2006/relationships" xmlns:p="http://schemas.openxmlformats.org/presentationml/2006/main">
-  <p:cSld>
-    <p:spTree>
-      <p:nvGrpSpPr>
-        <p:cNvPr id="1" name=""/>
-        <p:cNvGrpSpPr/>
-        <p:nvPr/>
-      </p:nvGrpSpPr>
-      <p:grpSpPr>
-        <a:xfrm>
-          <a:off x="0" y="0"/>
-          <a:ext cx="0" cy="0"/>
-          <a:chOff x="0" y="0"/>
-          <a:chExt cx="0" cy="0"/>
-        </a:xfrm>
-      </p:grpSpPr>
-      <p:sp>
-        <p:nvSpPr>
-          <p:cNvPr id="2" name="Title 1"/>
-          <p:cNvSpPr>
-            <a:spLocks noGrp="1"/>
-          </p:cNvSpPr>
-          <p:nvPr>
-            <p:ph type="title"/>
-          </p:nvPr>
-        </p:nvSpPr>
-        <p:spPr/>
-        <p:txBody>
-          <a:bodyPr/>
-          <a:lstStyle/>
-          <a:p>
-            <a:r>
-              <a:rPr lang="en-US"/>
               <a:t>How can we help you achieve your goals?</a:t>
             </a:r>
           </a:p>
@@ -15001,106 +13035,6 @@
     <p:extLst>
       <p:ext uri="{BB962C8B-B14F-4D97-AF65-F5344CB8AC3E}">
         <p14:creationId xmlns:p14="http://schemas.microsoft.com/office/powerpoint/2010/main" val="1374183101"/>
-      </p:ext>
-    </p:extLst>
-  </p:cSld>
-  <p:clrMapOvr>
-    <a:masterClrMapping/>
-  </p:clrMapOvr>
-  <p:transition>
-    <p:fade/>
-  </p:transition>
-</p:sld>
-</file>
-
-<file path=ppt/slides/slide24.xml><?xml version="1.0" encoding="utf-8"?>
-<p:sld xmlns:a="http://schemas.openxmlformats.org/drawingml/2006/main" xmlns:r="http://schemas.openxmlformats.org/officeDocument/2006/relationships" xmlns:p="http://schemas.openxmlformats.org/presentationml/2006/main">
-  <p:cSld>
-    <p:spTree>
-      <p:nvGrpSpPr>
-        <p:cNvPr id="1" name=""/>
-        <p:cNvGrpSpPr/>
-        <p:nvPr/>
-      </p:nvGrpSpPr>
-      <p:grpSpPr>
-        <a:xfrm>
-          <a:off x="0" y="0"/>
-          <a:ext cx="0" cy="0"/>
-          <a:chOff x="0" y="0"/>
-          <a:chExt cx="0" cy="0"/>
-        </a:xfrm>
-      </p:grpSpPr>
-      <p:sp>
-        <p:nvSpPr>
-          <p:cNvPr id="2" name="Rectangle 1"/>
-          <p:cNvSpPr/>
-          <p:nvPr/>
-        </p:nvSpPr>
-        <p:spPr bwMode="auto">
-          <a:xfrm>
-            <a:off x="-152400" y="-76200"/>
-            <a:ext cx="12573000" cy="6934200"/>
-          </a:xfrm>
-          <a:prstGeom prst="rect">
-            <a:avLst/>
-          </a:prstGeom>
-          <a:solidFill>
-            <a:schemeClr val="tx1"/>
-          </a:solidFill>
-          <a:ln w="9525" cap="flat" cmpd="sng" algn="ctr">
-            <a:solidFill>
-              <a:schemeClr val="tx1"/>
-            </a:solidFill>
-            <a:prstDash val="solid"/>
-            <a:round/>
-            <a:headEnd type="none" w="med" len="med"/>
-            <a:tailEnd type="none" w="med" len="med"/>
-          </a:ln>
-          <a:effectLst/>
-        </p:spPr>
-        <p:txBody>
-          <a:bodyPr vert="horz" wrap="square" lIns="91440" tIns="45720" rIns="91440" bIns="45720" numCol="1" rtlCol="0" anchor="t" anchorCtr="0" compatLnSpc="1">
-            <a:prstTxWarp prst="textNoShape">
-              <a:avLst/>
-            </a:prstTxWarp>
-          </a:bodyPr>
-          <a:lstStyle/>
-          <a:p>
-            <a:pPr marL="0" marR="0" indent="0" algn="l" defTabSz="914400" rtl="0" eaLnBrk="0" fontAlgn="base" latinLnBrk="0" hangingPunct="0">
-              <a:lnSpc>
-                <a:spcPct val="100000"/>
-              </a:lnSpc>
-              <a:spcBef>
-                <a:spcPct val="0"/>
-              </a:spcBef>
-              <a:spcAft>
-                <a:spcPct val="0"/>
-              </a:spcAft>
-              <a:buClrTx/>
-              <a:buSzTx/>
-              <a:buFontTx/>
-              <a:buNone/>
-              <a:tabLst/>
-            </a:pPr>
-            <a:endParaRPr kumimoji="0" lang="en-US" sz="2400" b="0" i="0" u="none" strike="noStrike" cap="none" normalizeH="0" baseline="0">
-              <a:ln>
-                <a:noFill/>
-              </a:ln>
-              <a:solidFill>
-                <a:schemeClr val="tx1"/>
-              </a:solidFill>
-              <a:effectLst/>
-              <a:latin typeface="Arial" pitchFamily="44" charset="0"/>
-              <a:ea typeface="ＭＳ Ｐゴシック" pitchFamily="44" charset="-128"/>
-              <a:cs typeface="ＭＳ Ｐゴシック" pitchFamily="44" charset="-128"/>
-            </a:endParaRPr>
-          </a:p>
-        </p:txBody>
-      </p:sp>
-    </p:spTree>
-    <p:extLst>
-      <p:ext uri="{BB962C8B-B14F-4D97-AF65-F5344CB8AC3E}">
-        <p14:creationId xmlns:p14="http://schemas.microsoft.com/office/powerpoint/2010/main" val="4248487052"/>
       </p:ext>
     </p:extLst>
   </p:cSld>
@@ -16793,106 +14727,6 @@
       </p:grpSpPr>
       <p:sp>
         <p:nvSpPr>
-          <p:cNvPr id="2" name="Rectangle 1"/>
-          <p:cNvSpPr/>
-          <p:nvPr/>
-        </p:nvSpPr>
-        <p:spPr bwMode="auto">
-          <a:xfrm>
-            <a:off x="-152400" y="-76200"/>
-            <a:ext cx="12573000" cy="6934200"/>
-          </a:xfrm>
-          <a:prstGeom prst="rect">
-            <a:avLst/>
-          </a:prstGeom>
-          <a:solidFill>
-            <a:schemeClr val="tx1"/>
-          </a:solidFill>
-          <a:ln w="9525" cap="flat" cmpd="sng" algn="ctr">
-            <a:solidFill>
-              <a:schemeClr val="tx1"/>
-            </a:solidFill>
-            <a:prstDash val="solid"/>
-            <a:round/>
-            <a:headEnd type="none" w="med" len="med"/>
-            <a:tailEnd type="none" w="med" len="med"/>
-          </a:ln>
-          <a:effectLst/>
-        </p:spPr>
-        <p:txBody>
-          <a:bodyPr vert="horz" wrap="square" lIns="91440" tIns="45720" rIns="91440" bIns="45720" numCol="1" rtlCol="0" anchor="t" anchorCtr="0" compatLnSpc="1">
-            <a:prstTxWarp prst="textNoShape">
-              <a:avLst/>
-            </a:prstTxWarp>
-          </a:bodyPr>
-          <a:lstStyle/>
-          <a:p>
-            <a:pPr marL="0" marR="0" indent="0" algn="l" defTabSz="914400" rtl="0" eaLnBrk="0" fontAlgn="base" latinLnBrk="0" hangingPunct="0">
-              <a:lnSpc>
-                <a:spcPct val="100000"/>
-              </a:lnSpc>
-              <a:spcBef>
-                <a:spcPct val="0"/>
-              </a:spcBef>
-              <a:spcAft>
-                <a:spcPct val="0"/>
-              </a:spcAft>
-              <a:buClrTx/>
-              <a:buSzTx/>
-              <a:buFontTx/>
-              <a:buNone/>
-              <a:tabLst/>
-            </a:pPr>
-            <a:endParaRPr kumimoji="0" lang="en-US" sz="2400" b="0" i="0" u="none" strike="noStrike" cap="none" normalizeH="0" baseline="0">
-              <a:ln>
-                <a:noFill/>
-              </a:ln>
-              <a:solidFill>
-                <a:schemeClr val="tx1"/>
-              </a:solidFill>
-              <a:effectLst/>
-              <a:latin typeface="Arial" pitchFamily="44" charset="0"/>
-              <a:ea typeface="ＭＳ Ｐゴシック" pitchFamily="44" charset="-128"/>
-              <a:cs typeface="ＭＳ Ｐゴシック" pitchFamily="44" charset="-128"/>
-            </a:endParaRPr>
-          </a:p>
-        </p:txBody>
-      </p:sp>
-    </p:spTree>
-    <p:extLst>
-      <p:ext uri="{BB962C8B-B14F-4D97-AF65-F5344CB8AC3E}">
-        <p14:creationId xmlns:p14="http://schemas.microsoft.com/office/powerpoint/2010/main" val="1554097160"/>
-      </p:ext>
-    </p:extLst>
-  </p:cSld>
-  <p:clrMapOvr>
-    <a:masterClrMapping/>
-  </p:clrMapOvr>
-  <p:transition>
-    <p:fade/>
-  </p:transition>
-</p:sld>
-</file>
-
-<file path=ppt/slides/slide7.xml><?xml version="1.0" encoding="utf-8"?>
-<p:sld xmlns:a="http://schemas.openxmlformats.org/drawingml/2006/main" xmlns:r="http://schemas.openxmlformats.org/officeDocument/2006/relationships" xmlns:p="http://schemas.openxmlformats.org/presentationml/2006/main">
-  <p:cSld>
-    <p:spTree>
-      <p:nvGrpSpPr>
-        <p:cNvPr id="1" name=""/>
-        <p:cNvGrpSpPr/>
-        <p:nvPr/>
-      </p:nvGrpSpPr>
-      <p:grpSpPr>
-        <a:xfrm>
-          <a:off x="0" y="0"/>
-          <a:ext cx="0" cy="0"/>
-          <a:chOff x="0" y="0"/>
-          <a:chExt cx="0" cy="0"/>
-        </a:xfrm>
-      </p:grpSpPr>
-      <p:sp>
-        <p:nvSpPr>
           <p:cNvPr id="2" name="Title 1"/>
           <p:cNvSpPr>
             <a:spLocks noGrp="1"/>
@@ -16934,7 +14768,7 @@
           <p:nvPr>
             <p:extLst>
               <p:ext uri="{D42A27DB-BD31-4B8C-83A1-F6EECF244321}">
-                <p14:modId xmlns:p14="http://schemas.microsoft.com/office/powerpoint/2010/main" val="690980232"/>
+                <p14:modId xmlns:p14="http://schemas.microsoft.com/office/powerpoint/2010/main" val="2278915496"/>
               </p:ext>
             </p:extLst>
           </p:nvPr>
@@ -17394,7 +15228,7 @@
                           <a:effectLst/>
                           <a:latin typeface="Calibri"/>
                         </a:rPr>
-                        <a:t>2.33</a:t>
+                        <a:t>2.4</a:t>
                       </a:r>
                     </a:p>
                   </a:txBody>
@@ -18181,7 +16015,7 @@
           <p:nvPr>
             <p:extLst>
               <p:ext uri="{D42A27DB-BD31-4B8C-83A1-F6EECF244321}">
-                <p14:modId xmlns:p14="http://schemas.microsoft.com/office/powerpoint/2010/main" val="910713948"/>
+                <p14:modId xmlns:p14="http://schemas.microsoft.com/office/powerpoint/2010/main" val="3905814816"/>
               </p:ext>
             </p:extLst>
           </p:nvPr>
@@ -18316,7 +16150,7 @@
                           <a:effectLst/>
                           <a:latin typeface="Calibri"/>
                         </a:rPr>
-                        <a:t>13.33</a:t>
+                        <a:t>13.4</a:t>
                       </a:r>
                       <a:endParaRPr lang="en-US"/>
                     </a:p>
@@ -18478,7 +16312,7 @@
                           <a:effectLst/>
                           <a:latin typeface="Calibri"/>
                         </a:rPr>
-                        <a:t>40.34</a:t>
+                        <a:t>40.4</a:t>
                       </a:r>
                     </a:p>
                   </a:txBody>
@@ -18555,7 +16389,7 @@
 </p:sld>
 </file>
 
-<file path=ppt/slides/slide8.xml><?xml version="1.0" encoding="utf-8"?>
+<file path=ppt/slides/slide7.xml><?xml version="1.0" encoding="utf-8"?>
 <p:sld xmlns:a="http://schemas.openxmlformats.org/drawingml/2006/main" xmlns:r="http://schemas.openxmlformats.org/officeDocument/2006/relationships" xmlns:p="http://schemas.openxmlformats.org/presentationml/2006/main">
   <p:cSld>
     <p:spTree>
@@ -18936,7 +16770,7 @@
 </p:sld>
 </file>
 
-<file path=ppt/slides/slide9.xml><?xml version="1.0" encoding="utf-8"?>
+<file path=ppt/slides/slide8.xml><?xml version="1.0" encoding="utf-8"?>
 <p:sld xmlns:a="http://schemas.openxmlformats.org/drawingml/2006/main" xmlns:r="http://schemas.openxmlformats.org/officeDocument/2006/relationships" xmlns:p="http://schemas.openxmlformats.org/presentationml/2006/main">
   <p:cSld>
     <p:spTree>
@@ -19031,6 +16865,1440 @@
     <p:extLst>
       <p:ext uri="{BB962C8B-B14F-4D97-AF65-F5344CB8AC3E}">
         <p14:creationId xmlns:p14="http://schemas.microsoft.com/office/powerpoint/2010/main" val="2891980802"/>
+      </p:ext>
+    </p:extLst>
+  </p:cSld>
+  <p:clrMapOvr>
+    <a:masterClrMapping/>
+  </p:clrMapOvr>
+  <p:transition>
+    <p:fade/>
+  </p:transition>
+</p:sld>
+</file>
+
+<file path=ppt/slides/slide9.xml><?xml version="1.0" encoding="utf-8"?>
+<p:sld xmlns:a="http://schemas.openxmlformats.org/drawingml/2006/main" xmlns:r="http://schemas.openxmlformats.org/officeDocument/2006/relationships" xmlns:p="http://schemas.openxmlformats.org/presentationml/2006/main">
+  <p:cSld>
+    <p:spTree>
+      <p:nvGrpSpPr>
+        <p:cNvPr id="1" name=""/>
+        <p:cNvGrpSpPr/>
+        <p:nvPr/>
+      </p:nvGrpSpPr>
+      <p:grpSpPr>
+        <a:xfrm>
+          <a:off x="0" y="0"/>
+          <a:ext cx="0" cy="0"/>
+          <a:chOff x="0" y="0"/>
+          <a:chExt cx="0" cy="0"/>
+        </a:xfrm>
+      </p:grpSpPr>
+      <p:sp>
+        <p:nvSpPr>
+          <p:cNvPr id="2" name="Title 1"/>
+          <p:cNvSpPr>
+            <a:spLocks noGrp="1"/>
+          </p:cNvSpPr>
+          <p:nvPr>
+            <p:ph type="title"/>
+          </p:nvPr>
+        </p:nvSpPr>
+        <p:spPr/>
+        <p:txBody>
+          <a:bodyPr/>
+          <a:lstStyle/>
+          <a:p>
+            <a:r>
+              <a:rPr lang="en-US"/>
+              <a:t>Goals for this coming week</a:t>
+            </a:r>
+            <a:br>
+              <a:rPr lang="en-US"/>
+            </a:br>
+            <a:r>
+              <a:rPr lang="en-US" sz="1200"/>
+              <a:t>(Ones that move the project forward the most)</a:t>
+            </a:r>
+          </a:p>
+        </p:txBody>
+      </p:sp>
+      <p:graphicFrame>
+        <p:nvGraphicFramePr>
+          <p:cNvPr id="3" name="Table 2"/>
+          <p:cNvGraphicFramePr>
+            <a:graphicFrameLocks noGrp="1"/>
+          </p:cNvGraphicFramePr>
+          <p:nvPr>
+            <p:extLst>
+              <p:ext uri="{D42A27DB-BD31-4B8C-83A1-F6EECF244321}">
+                <p14:modId xmlns:p14="http://schemas.microsoft.com/office/powerpoint/2010/main" val="403556623"/>
+              </p:ext>
+            </p:extLst>
+          </p:nvPr>
+        </p:nvGraphicFramePr>
+        <p:xfrm>
+          <a:off x="685800" y="1371600"/>
+          <a:ext cx="10896600" cy="2133599"/>
+        </p:xfrm>
+        <a:graphic>
+          <a:graphicData uri="http://schemas.openxmlformats.org/drawingml/2006/table">
+            <a:tbl>
+              <a:tblPr firstRow="1" lastCol="1" bandRow="1">
+                <a:tableStyleId>{2D5ABB26-0587-4C30-8999-92F81FD0307C}</a:tableStyleId>
+              </a:tblPr>
+              <a:tblGrid>
+                <a:gridCol w="9397068">
+                  <a:extLst>
+                    <a:ext uri="{9D8B030D-6E8A-4147-A177-3AD203B41FA5}">
+                      <a16:colId xmlns:a16="http://schemas.microsoft.com/office/drawing/2014/main" val="20000"/>
+                    </a:ext>
+                  </a:extLst>
+                </a:gridCol>
+                <a:gridCol w="799750">
+                  <a:extLst>
+                    <a:ext uri="{9D8B030D-6E8A-4147-A177-3AD203B41FA5}">
+                      <a16:colId xmlns:a16="http://schemas.microsoft.com/office/drawing/2014/main" val="20001"/>
+                    </a:ext>
+                  </a:extLst>
+                </a:gridCol>
+                <a:gridCol w="699782">
+                  <a:extLst>
+                    <a:ext uri="{9D8B030D-6E8A-4147-A177-3AD203B41FA5}">
+                      <a16:colId xmlns:a16="http://schemas.microsoft.com/office/drawing/2014/main" val="20002"/>
+                    </a:ext>
+                  </a:extLst>
+                </a:gridCol>
+              </a:tblGrid>
+              <a:tr h="609599">
+                <a:tc>
+                  <a:txBody>
+                    <a:bodyPr/>
+                    <a:lstStyle/>
+                    <a:p>
+                      <a:pPr algn="l" fontAlgn="ctr"/>
+                      <a:r>
+                        <a:rPr lang="en-US" sz="1100" u="none" strike="noStrike">
+                          <a:solidFill>
+                            <a:schemeClr val="bg1"/>
+                          </a:solidFill>
+                          <a:effectLst/>
+                        </a:rPr>
+                        <a:t>Goal/Task</a:t>
+                      </a:r>
+                      <a:endParaRPr lang="en-US" sz="1100" b="0" i="0" u="none" strike="noStrike">
+                        <a:solidFill>
+                          <a:schemeClr val="bg1"/>
+                        </a:solidFill>
+                        <a:effectLst/>
+                        <a:latin typeface="Calibri" panose="020F0502020204030204" pitchFamily="34" charset="0"/>
+                      </a:endParaRPr>
+                    </a:p>
+                  </a:txBody>
+                  <a:tcPr marL="9525" marR="9525" marT="9525" marB="0" anchor="ctr">
+                    <a:lnL w="12700" cap="flat" cmpd="sng" algn="ctr">
+                      <a:solidFill>
+                        <a:schemeClr val="bg1">
+                          <a:lumMod val="65000"/>
+                        </a:schemeClr>
+                      </a:solidFill>
+                      <a:prstDash val="solid"/>
+                      <a:round/>
+                      <a:headEnd type="none" w="med" len="med"/>
+                      <a:tailEnd type="none" w="med" len="med"/>
+                    </a:lnL>
+                    <a:lnR w="12700" cap="flat" cmpd="sng" algn="ctr">
+                      <a:solidFill>
+                        <a:schemeClr val="bg1">
+                          <a:lumMod val="65000"/>
+                        </a:schemeClr>
+                      </a:solidFill>
+                      <a:prstDash val="solid"/>
+                      <a:round/>
+                      <a:headEnd type="none" w="med" len="med"/>
+                      <a:tailEnd type="none" w="med" len="med"/>
+                    </a:lnR>
+                    <a:lnT w="12700" cap="flat" cmpd="sng" algn="ctr">
+                      <a:solidFill>
+                        <a:schemeClr val="bg1">
+                          <a:lumMod val="65000"/>
+                        </a:schemeClr>
+                      </a:solidFill>
+                      <a:prstDash val="solid"/>
+                      <a:round/>
+                      <a:headEnd type="none" w="med" len="med"/>
+                      <a:tailEnd type="none" w="med" len="med"/>
+                    </a:lnT>
+                    <a:lnB w="12700" cap="flat" cmpd="sng" algn="ctr">
+                      <a:solidFill>
+                        <a:schemeClr val="bg1">
+                          <a:lumMod val="65000"/>
+                        </a:schemeClr>
+                      </a:solidFill>
+                      <a:prstDash val="solid"/>
+                      <a:round/>
+                      <a:headEnd type="none" w="med" len="med"/>
+                      <a:tailEnd type="none" w="med" len="med"/>
+                    </a:lnB>
+                  </a:tcPr>
+                </a:tc>
+                <a:tc>
+                  <a:txBody>
+                    <a:bodyPr/>
+                    <a:lstStyle/>
+                    <a:p>
+                      <a:pPr marL="0" marR="0" indent="0" algn="ctr" defTabSz="457200" rtl="0" eaLnBrk="1" fontAlgn="ctr" latinLnBrk="0" hangingPunct="1">
+                        <a:lnSpc>
+                          <a:spcPct val="100000"/>
+                        </a:lnSpc>
+                        <a:spcBef>
+                          <a:spcPts val="0"/>
+                        </a:spcBef>
+                        <a:spcAft>
+                          <a:spcPts val="0"/>
+                        </a:spcAft>
+                        <a:buClrTx/>
+                        <a:buSzTx/>
+                        <a:buFontTx/>
+                        <a:buNone/>
+                        <a:tabLst/>
+                        <a:defRPr/>
+                      </a:pPr>
+                      <a:r>
+                        <a:rPr lang="en-US" sz="1100" u="none" strike="noStrike">
+                          <a:solidFill>
+                            <a:schemeClr val="bg1"/>
+                          </a:solidFill>
+                          <a:effectLst/>
+                        </a:rPr>
+                        <a:t>Stop Date (Est.)</a:t>
+                      </a:r>
+                      <a:endParaRPr lang="en-US" sz="1100" b="0" i="0" u="none" strike="noStrike">
+                        <a:solidFill>
+                          <a:schemeClr val="bg1"/>
+                        </a:solidFill>
+                        <a:effectLst/>
+                        <a:latin typeface="Calibri" panose="020F0502020204030204" pitchFamily="34" charset="0"/>
+                      </a:endParaRPr>
+                    </a:p>
+                  </a:txBody>
+                  <a:tcPr marL="9525" marR="9525" marT="9525" marB="0" anchor="ctr">
+                    <a:lnL w="12700" cap="flat" cmpd="sng" algn="ctr">
+                      <a:solidFill>
+                        <a:schemeClr val="bg1">
+                          <a:lumMod val="65000"/>
+                        </a:schemeClr>
+                      </a:solidFill>
+                      <a:prstDash val="solid"/>
+                      <a:round/>
+                      <a:headEnd type="none" w="med" len="med"/>
+                      <a:tailEnd type="none" w="med" len="med"/>
+                    </a:lnL>
+                    <a:lnR w="12700" cap="flat" cmpd="sng" algn="ctr">
+                      <a:solidFill>
+                        <a:schemeClr val="bg1">
+                          <a:lumMod val="65000"/>
+                        </a:schemeClr>
+                      </a:solidFill>
+                      <a:prstDash val="solid"/>
+                      <a:round/>
+                      <a:headEnd type="none" w="med" len="med"/>
+                      <a:tailEnd type="none" w="med" len="med"/>
+                    </a:lnR>
+                    <a:lnT w="12700" cap="flat" cmpd="sng" algn="ctr">
+                      <a:solidFill>
+                        <a:schemeClr val="bg1">
+                          <a:lumMod val="65000"/>
+                        </a:schemeClr>
+                      </a:solidFill>
+                      <a:prstDash val="solid"/>
+                      <a:round/>
+                      <a:headEnd type="none" w="med" len="med"/>
+                      <a:tailEnd type="none" w="med" len="med"/>
+                    </a:lnT>
+                    <a:lnB w="12700" cap="flat" cmpd="sng" algn="ctr">
+                      <a:solidFill>
+                        <a:schemeClr val="bg1">
+                          <a:lumMod val="65000"/>
+                        </a:schemeClr>
+                      </a:solidFill>
+                      <a:prstDash val="solid"/>
+                      <a:round/>
+                      <a:headEnd type="none" w="med" len="med"/>
+                      <a:tailEnd type="none" w="med" len="med"/>
+                    </a:lnB>
+                  </a:tcPr>
+                </a:tc>
+                <a:tc>
+                  <a:txBody>
+                    <a:bodyPr/>
+                    <a:lstStyle/>
+                    <a:p>
+                      <a:pPr algn="ctr" fontAlgn="ctr"/>
+                      <a:endParaRPr lang="en-US" sz="1100" u="none" strike="noStrike">
+                        <a:solidFill>
+                          <a:schemeClr val="bg1"/>
+                        </a:solidFill>
+                        <a:effectLst/>
+                      </a:endParaRPr>
+                    </a:p>
+                    <a:p>
+                      <a:pPr marL="0" marR="0" indent="0" algn="ctr" defTabSz="457200" rtl="0" eaLnBrk="1" fontAlgn="ctr" latinLnBrk="0" hangingPunct="1">
+                        <a:lnSpc>
+                          <a:spcPct val="100000"/>
+                        </a:lnSpc>
+                        <a:spcBef>
+                          <a:spcPts val="0"/>
+                        </a:spcBef>
+                        <a:spcAft>
+                          <a:spcPts val="0"/>
+                        </a:spcAft>
+                        <a:buClrTx/>
+                        <a:buSzTx/>
+                        <a:buFontTx/>
+                        <a:buNone/>
+                        <a:tabLst/>
+                        <a:defRPr/>
+                      </a:pPr>
+                      <a:r>
+                        <a:rPr lang="en-US" sz="1100" u="none" strike="noStrike">
+                          <a:solidFill>
+                            <a:schemeClr val="bg1"/>
+                          </a:solidFill>
+                          <a:effectLst/>
+                        </a:rPr>
+                        <a:t>Hours (Est.)</a:t>
+                      </a:r>
+                      <a:endParaRPr lang="en-US" sz="1100" b="0" i="0" u="none" strike="noStrike">
+                        <a:solidFill>
+                          <a:schemeClr val="bg1"/>
+                        </a:solidFill>
+                        <a:effectLst/>
+                        <a:latin typeface="Calibri" panose="020F0502020204030204" pitchFamily="34" charset="0"/>
+                      </a:endParaRPr>
+                    </a:p>
+                  </a:txBody>
+                  <a:tcPr marL="9525" marR="9525" marT="9525" marB="0" anchor="ctr">
+                    <a:lnL w="12700" cap="flat" cmpd="sng" algn="ctr">
+                      <a:solidFill>
+                        <a:schemeClr val="bg1">
+                          <a:lumMod val="65000"/>
+                        </a:schemeClr>
+                      </a:solidFill>
+                      <a:prstDash val="solid"/>
+                      <a:round/>
+                      <a:headEnd type="none" w="med" len="med"/>
+                      <a:tailEnd type="none" w="med" len="med"/>
+                    </a:lnL>
+                    <a:lnR w="12700" cap="flat" cmpd="sng" algn="ctr">
+                      <a:solidFill>
+                        <a:schemeClr val="bg1">
+                          <a:lumMod val="65000"/>
+                        </a:schemeClr>
+                      </a:solidFill>
+                      <a:prstDash val="solid"/>
+                      <a:round/>
+                      <a:headEnd type="none" w="med" len="med"/>
+                      <a:tailEnd type="none" w="med" len="med"/>
+                    </a:lnR>
+                    <a:lnT w="12700" cap="flat" cmpd="sng" algn="ctr">
+                      <a:solidFill>
+                        <a:schemeClr val="bg1">
+                          <a:lumMod val="65000"/>
+                        </a:schemeClr>
+                      </a:solidFill>
+                      <a:prstDash val="solid"/>
+                      <a:round/>
+                      <a:headEnd type="none" w="med" len="med"/>
+                      <a:tailEnd type="none" w="med" len="med"/>
+                    </a:lnT>
+                    <a:lnB w="12700" cap="flat" cmpd="sng" algn="ctr">
+                      <a:solidFill>
+                        <a:schemeClr val="bg1">
+                          <a:lumMod val="65000"/>
+                        </a:schemeClr>
+                      </a:solidFill>
+                      <a:prstDash val="solid"/>
+                      <a:round/>
+                      <a:headEnd type="none" w="med" len="med"/>
+                      <a:tailEnd type="none" w="med" len="med"/>
+                    </a:lnB>
+                  </a:tcPr>
+                </a:tc>
+                <a:extLst>
+                  <a:ext uri="{0D108BD9-81ED-4DB2-BD59-A6C34878D82A}">
+                    <a16:rowId xmlns:a16="http://schemas.microsoft.com/office/drawing/2014/main" val="10000"/>
+                  </a:ext>
+                </a:extLst>
+              </a:tr>
+              <a:tr h="381000">
+                <a:tc>
+                  <a:txBody>
+                    <a:bodyPr/>
+                    <a:lstStyle/>
+                    <a:p>
+                      <a:pPr algn="l" fontAlgn="b"/>
+                      <a:r>
+                        <a:rPr lang="en-US" sz="1100" u="none" strike="noStrike">
+                          <a:solidFill>
+                            <a:schemeClr val="bg1"/>
+                          </a:solidFill>
+                          <a:effectLst/>
+                        </a:rPr>
+                        <a:t> </a:t>
+                      </a:r>
+                      <a:r>
+                        <a:rPr lang="en-US" sz="1100" b="0" i="0" u="none" strike="noStrike" noProof="0">
+                          <a:solidFill>
+                            <a:schemeClr val="bg1"/>
+                          </a:solidFill>
+                          <a:effectLst/>
+                          <a:latin typeface="Arial"/>
+                        </a:rPr>
+                        <a:t>Finish soldiering PCB</a:t>
+                      </a:r>
+                      <a:endParaRPr lang="en-US" sz="1100" b="0" i="0" u="none" strike="noStrike">
+                        <a:solidFill>
+                          <a:schemeClr val="bg1"/>
+                        </a:solidFill>
+                        <a:effectLst/>
+                        <a:latin typeface="Calibri" panose="020F0502020204030204" pitchFamily="34" charset="0"/>
+                      </a:endParaRPr>
+                    </a:p>
+                  </a:txBody>
+                  <a:tcPr marL="9525" marR="9525" marT="9525" marB="0" anchor="ctr">
+                    <a:lnL w="12700" cap="flat" cmpd="sng" algn="ctr">
+                      <a:solidFill>
+                        <a:schemeClr val="bg1">
+                          <a:lumMod val="65000"/>
+                        </a:schemeClr>
+                      </a:solidFill>
+                      <a:prstDash val="solid"/>
+                      <a:round/>
+                      <a:headEnd type="none" w="med" len="med"/>
+                      <a:tailEnd type="none" w="med" len="med"/>
+                    </a:lnL>
+                    <a:lnR w="12700" cap="flat" cmpd="sng" algn="ctr">
+                      <a:solidFill>
+                        <a:schemeClr val="bg1">
+                          <a:lumMod val="65000"/>
+                        </a:schemeClr>
+                      </a:solidFill>
+                      <a:prstDash val="solid"/>
+                      <a:round/>
+                      <a:headEnd type="none" w="med" len="med"/>
+                      <a:tailEnd type="none" w="med" len="med"/>
+                    </a:lnR>
+                    <a:lnT w="12700" cap="flat" cmpd="sng" algn="ctr">
+                      <a:solidFill>
+                        <a:schemeClr val="bg1">
+                          <a:lumMod val="65000"/>
+                        </a:schemeClr>
+                      </a:solidFill>
+                      <a:prstDash val="solid"/>
+                      <a:round/>
+                      <a:headEnd type="none" w="med" len="med"/>
+                      <a:tailEnd type="none" w="med" len="med"/>
+                    </a:lnT>
+                    <a:lnB w="12700" cap="flat" cmpd="sng" algn="ctr">
+                      <a:solidFill>
+                        <a:schemeClr val="bg1">
+                          <a:lumMod val="65000"/>
+                        </a:schemeClr>
+                      </a:solidFill>
+                      <a:prstDash val="solid"/>
+                      <a:round/>
+                      <a:headEnd type="none" w="med" len="med"/>
+                      <a:tailEnd type="none" w="med" len="med"/>
+                    </a:lnB>
+                  </a:tcPr>
+                </a:tc>
+                <a:tc>
+                  <a:txBody>
+                    <a:bodyPr/>
+                    <a:lstStyle/>
+                    <a:p>
+                      <a:pPr algn="l" fontAlgn="b"/>
+                      <a:r>
+                        <a:rPr lang="en-US" sz="1100" b="0" i="0" u="none" strike="noStrike">
+                          <a:solidFill>
+                            <a:schemeClr val="bg1"/>
+                          </a:solidFill>
+                          <a:effectLst/>
+                          <a:latin typeface="Calibri"/>
+                        </a:rPr>
+                        <a:t>May 18, 2020</a:t>
+                      </a:r>
+                      <a:endParaRPr lang="en-US" sz="1100" b="0" i="0" u="none" strike="noStrike">
+                        <a:solidFill>
+                          <a:schemeClr val="bg1"/>
+                        </a:solidFill>
+                        <a:effectLst/>
+                        <a:latin typeface="Calibri" panose="020F0502020204030204" pitchFamily="34" charset="0"/>
+                      </a:endParaRPr>
+                    </a:p>
+                  </a:txBody>
+                  <a:tcPr marL="9525" marR="9525" marT="9525" marB="0" anchor="b">
+                    <a:lnL w="12700" cap="flat" cmpd="sng" algn="ctr">
+                      <a:solidFill>
+                        <a:schemeClr val="bg1">
+                          <a:lumMod val="65000"/>
+                        </a:schemeClr>
+                      </a:solidFill>
+                      <a:prstDash val="solid"/>
+                      <a:round/>
+                      <a:headEnd type="none" w="med" len="med"/>
+                      <a:tailEnd type="none" w="med" len="med"/>
+                    </a:lnL>
+                    <a:lnR w="12700" cap="flat" cmpd="sng" algn="ctr">
+                      <a:solidFill>
+                        <a:schemeClr val="bg1">
+                          <a:lumMod val="65000"/>
+                        </a:schemeClr>
+                      </a:solidFill>
+                      <a:prstDash val="solid"/>
+                      <a:round/>
+                      <a:headEnd type="none" w="med" len="med"/>
+                      <a:tailEnd type="none" w="med" len="med"/>
+                    </a:lnR>
+                    <a:lnT w="12700" cap="flat" cmpd="sng" algn="ctr">
+                      <a:solidFill>
+                        <a:schemeClr val="bg1">
+                          <a:lumMod val="65000"/>
+                        </a:schemeClr>
+                      </a:solidFill>
+                      <a:prstDash val="solid"/>
+                      <a:round/>
+                      <a:headEnd type="none" w="med" len="med"/>
+                      <a:tailEnd type="none" w="med" len="med"/>
+                    </a:lnT>
+                    <a:lnB w="12700" cap="flat" cmpd="sng" algn="ctr">
+                      <a:solidFill>
+                        <a:schemeClr val="bg1">
+                          <a:lumMod val="65000"/>
+                        </a:schemeClr>
+                      </a:solidFill>
+                      <a:prstDash val="solid"/>
+                      <a:round/>
+                      <a:headEnd type="none" w="med" len="med"/>
+                      <a:tailEnd type="none" w="med" len="med"/>
+                    </a:lnB>
+                  </a:tcPr>
+                </a:tc>
+                <a:tc>
+                  <a:txBody>
+                    <a:bodyPr/>
+                    <a:lstStyle/>
+                    <a:p>
+                      <a:pPr algn="ctr" fontAlgn="ctr"/>
+                      <a:r>
+                        <a:rPr lang="en-US" sz="1100" u="none" strike="noStrike">
+                          <a:solidFill>
+                            <a:schemeClr val="bg1"/>
+                          </a:solidFill>
+                          <a:effectLst/>
+                        </a:rPr>
+                        <a:t> 8</a:t>
+                      </a:r>
+                      <a:endParaRPr lang="en-US" sz="1100" b="0" i="0" u="none" strike="noStrike">
+                        <a:solidFill>
+                          <a:schemeClr val="bg1"/>
+                        </a:solidFill>
+                        <a:effectLst/>
+                        <a:latin typeface="Calibri" panose="020F0502020204030204" pitchFamily="34" charset="0"/>
+                      </a:endParaRPr>
+                    </a:p>
+                  </a:txBody>
+                  <a:tcPr marL="9525" marR="9525" marT="9525" marB="0" anchor="ctr">
+                    <a:lnL w="12700" cap="flat" cmpd="sng" algn="ctr">
+                      <a:solidFill>
+                        <a:schemeClr val="bg1">
+                          <a:lumMod val="65000"/>
+                        </a:schemeClr>
+                      </a:solidFill>
+                      <a:prstDash val="solid"/>
+                      <a:round/>
+                      <a:headEnd type="none" w="med" len="med"/>
+                      <a:tailEnd type="none" w="med" len="med"/>
+                    </a:lnL>
+                    <a:lnR w="12700" cap="flat" cmpd="sng" algn="ctr">
+                      <a:solidFill>
+                        <a:schemeClr val="bg1">
+                          <a:lumMod val="65000"/>
+                        </a:schemeClr>
+                      </a:solidFill>
+                      <a:prstDash val="solid"/>
+                      <a:round/>
+                      <a:headEnd type="none" w="med" len="med"/>
+                      <a:tailEnd type="none" w="med" len="med"/>
+                    </a:lnR>
+                    <a:lnT w="12700" cap="flat" cmpd="sng" algn="ctr">
+                      <a:solidFill>
+                        <a:schemeClr val="bg1">
+                          <a:lumMod val="65000"/>
+                        </a:schemeClr>
+                      </a:solidFill>
+                      <a:prstDash val="solid"/>
+                      <a:round/>
+                      <a:headEnd type="none" w="med" len="med"/>
+                      <a:tailEnd type="none" w="med" len="med"/>
+                    </a:lnT>
+                    <a:lnB w="12700" cap="flat" cmpd="sng" algn="ctr">
+                      <a:solidFill>
+                        <a:schemeClr val="bg1">
+                          <a:lumMod val="65000"/>
+                        </a:schemeClr>
+                      </a:solidFill>
+                      <a:prstDash val="solid"/>
+                      <a:round/>
+                      <a:headEnd type="none" w="med" len="med"/>
+                      <a:tailEnd type="none" w="med" len="med"/>
+                    </a:lnB>
+                  </a:tcPr>
+                </a:tc>
+                <a:extLst>
+                  <a:ext uri="{0D108BD9-81ED-4DB2-BD59-A6C34878D82A}">
+                    <a16:rowId xmlns:a16="http://schemas.microsoft.com/office/drawing/2014/main" val="10001"/>
+                  </a:ext>
+                </a:extLst>
+              </a:tr>
+              <a:tr h="381000">
+                <a:tc>
+                  <a:txBody>
+                    <a:bodyPr/>
+                    <a:lstStyle/>
+                    <a:p>
+                      <a:pPr lvl="0" algn="l">
+                        <a:buNone/>
+                      </a:pPr>
+                      <a:r>
+                        <a:rPr lang="en-US" sz="1100" b="0" i="0" u="none" strike="noStrike" noProof="0">
+                          <a:solidFill>
+                            <a:schemeClr val="bg1"/>
+                          </a:solidFill>
+                          <a:effectLst/>
+                        </a:rPr>
+                        <a:t> Start looking into RISC-V TMR</a:t>
+                      </a:r>
+                      <a:endParaRPr lang="en-US">
+                        <a:solidFill>
+                          <a:schemeClr val="bg1"/>
+                        </a:solidFill>
+                      </a:endParaRPr>
+                    </a:p>
+                  </a:txBody>
+                  <a:tcPr marL="9525" marR="9525" marT="9525" marB="0" anchor="ctr">
+                    <a:lnL w="12700" cap="flat" cmpd="sng" algn="ctr">
+                      <a:solidFill>
+                        <a:schemeClr val="bg1">
+                          <a:lumMod val="65000"/>
+                        </a:schemeClr>
+                      </a:solidFill>
+                      <a:prstDash val="solid"/>
+                      <a:round/>
+                      <a:headEnd type="none" w="med" len="med"/>
+                      <a:tailEnd type="none" w="med" len="med"/>
+                    </a:lnL>
+                    <a:lnR w="12700" cap="flat" cmpd="sng" algn="ctr">
+                      <a:solidFill>
+                        <a:schemeClr val="bg1">
+                          <a:lumMod val="65000"/>
+                        </a:schemeClr>
+                      </a:solidFill>
+                      <a:prstDash val="solid"/>
+                      <a:round/>
+                      <a:headEnd type="none" w="med" len="med"/>
+                      <a:tailEnd type="none" w="med" len="med"/>
+                    </a:lnR>
+                    <a:lnT w="12700" cap="flat" cmpd="sng" algn="ctr">
+                      <a:solidFill>
+                        <a:schemeClr val="bg1">
+                          <a:lumMod val="65000"/>
+                        </a:schemeClr>
+                      </a:solidFill>
+                      <a:prstDash val="solid"/>
+                      <a:round/>
+                      <a:headEnd type="none" w="med" len="med"/>
+                      <a:tailEnd type="none" w="med" len="med"/>
+                    </a:lnT>
+                    <a:lnB w="12700" cap="flat" cmpd="sng" algn="ctr">
+                      <a:solidFill>
+                        <a:schemeClr val="bg1">
+                          <a:lumMod val="65000"/>
+                        </a:schemeClr>
+                      </a:solidFill>
+                      <a:prstDash val="solid"/>
+                      <a:round/>
+                      <a:headEnd type="none" w="med" len="med"/>
+                      <a:tailEnd type="none" w="med" len="med"/>
+                    </a:lnB>
+                  </a:tcPr>
+                </a:tc>
+                <a:tc>
+                  <a:txBody>
+                    <a:bodyPr/>
+                    <a:lstStyle/>
+                    <a:p>
+                      <a:pPr algn="l" fontAlgn="b"/>
+                      <a:r>
+                        <a:rPr lang="en-US" sz="1100" b="0" i="0" u="none" strike="noStrike">
+                          <a:solidFill>
+                            <a:schemeClr val="bg1"/>
+                          </a:solidFill>
+                          <a:effectLst/>
+                          <a:latin typeface="Calibri"/>
+                        </a:rPr>
+                        <a:t>June 14, 2020</a:t>
+                      </a:r>
+                      <a:endParaRPr lang="en-US" sz="1100" b="0" i="0" u="none" strike="noStrike">
+                        <a:solidFill>
+                          <a:schemeClr val="bg1"/>
+                        </a:solidFill>
+                        <a:effectLst/>
+                        <a:latin typeface="Calibri" panose="020F0502020204030204" pitchFamily="34" charset="0"/>
+                      </a:endParaRPr>
+                    </a:p>
+                  </a:txBody>
+                  <a:tcPr marL="9525" marR="9525" marT="9525" marB="0" anchor="b">
+                    <a:lnL w="12700" cap="flat" cmpd="sng" algn="ctr">
+                      <a:solidFill>
+                        <a:schemeClr val="bg1">
+                          <a:lumMod val="65000"/>
+                        </a:schemeClr>
+                      </a:solidFill>
+                      <a:prstDash val="solid"/>
+                      <a:round/>
+                      <a:headEnd type="none" w="med" len="med"/>
+                      <a:tailEnd type="none" w="med" len="med"/>
+                    </a:lnL>
+                    <a:lnR w="12700" cap="flat" cmpd="sng" algn="ctr">
+                      <a:solidFill>
+                        <a:schemeClr val="bg1">
+                          <a:lumMod val="65000"/>
+                        </a:schemeClr>
+                      </a:solidFill>
+                      <a:prstDash val="solid"/>
+                      <a:round/>
+                      <a:headEnd type="none" w="med" len="med"/>
+                      <a:tailEnd type="none" w="med" len="med"/>
+                    </a:lnR>
+                    <a:lnT w="12700" cap="flat" cmpd="sng" algn="ctr">
+                      <a:solidFill>
+                        <a:schemeClr val="bg1">
+                          <a:lumMod val="65000"/>
+                        </a:schemeClr>
+                      </a:solidFill>
+                      <a:prstDash val="solid"/>
+                      <a:round/>
+                      <a:headEnd type="none" w="med" len="med"/>
+                      <a:tailEnd type="none" w="med" len="med"/>
+                    </a:lnT>
+                    <a:lnB w="12700" cap="flat" cmpd="sng" algn="ctr">
+                      <a:solidFill>
+                        <a:schemeClr val="bg1">
+                          <a:lumMod val="65000"/>
+                        </a:schemeClr>
+                      </a:solidFill>
+                      <a:prstDash val="solid"/>
+                      <a:round/>
+                      <a:headEnd type="none" w="med" len="med"/>
+                      <a:tailEnd type="none" w="med" len="med"/>
+                    </a:lnB>
+                  </a:tcPr>
+                </a:tc>
+                <a:tc>
+                  <a:txBody>
+                    <a:bodyPr/>
+                    <a:lstStyle/>
+                    <a:p>
+                      <a:pPr algn="ctr" fontAlgn="ctr"/>
+                      <a:r>
+                        <a:rPr lang="en-US" sz="1100" b="0" i="0" u="none" strike="noStrike">
+                          <a:solidFill>
+                            <a:schemeClr val="bg1"/>
+                          </a:solidFill>
+                          <a:effectLst/>
+                          <a:latin typeface="Calibri"/>
+                        </a:rPr>
+                        <a:t>1</a:t>
+                      </a:r>
+                      <a:endParaRPr lang="en-US" sz="1100" b="0" i="0" u="none" strike="noStrike">
+                        <a:solidFill>
+                          <a:schemeClr val="bg1"/>
+                        </a:solidFill>
+                        <a:effectLst/>
+                        <a:latin typeface="Calibri" panose="020F0502020204030204" pitchFamily="34" charset="0"/>
+                      </a:endParaRPr>
+                    </a:p>
+                  </a:txBody>
+                  <a:tcPr marL="9525" marR="9525" marT="9525" marB="0" anchor="ctr">
+                    <a:lnL w="12700" cap="flat" cmpd="sng" algn="ctr">
+                      <a:solidFill>
+                        <a:schemeClr val="bg1">
+                          <a:lumMod val="65000"/>
+                        </a:schemeClr>
+                      </a:solidFill>
+                      <a:prstDash val="solid"/>
+                      <a:round/>
+                      <a:headEnd type="none" w="med" len="med"/>
+                      <a:tailEnd type="none" w="med" len="med"/>
+                    </a:lnL>
+                    <a:lnR w="12700" cap="flat" cmpd="sng" algn="ctr">
+                      <a:solidFill>
+                        <a:schemeClr val="bg1">
+                          <a:lumMod val="65000"/>
+                        </a:schemeClr>
+                      </a:solidFill>
+                      <a:prstDash val="solid"/>
+                      <a:round/>
+                      <a:headEnd type="none" w="med" len="med"/>
+                      <a:tailEnd type="none" w="med" len="med"/>
+                    </a:lnR>
+                    <a:lnT w="12700" cap="flat" cmpd="sng" algn="ctr">
+                      <a:solidFill>
+                        <a:schemeClr val="bg1">
+                          <a:lumMod val="65000"/>
+                        </a:schemeClr>
+                      </a:solidFill>
+                      <a:prstDash val="solid"/>
+                      <a:round/>
+                      <a:headEnd type="none" w="med" len="med"/>
+                      <a:tailEnd type="none" w="med" len="med"/>
+                    </a:lnT>
+                    <a:lnB w="12700" cap="flat" cmpd="sng" algn="ctr">
+                      <a:solidFill>
+                        <a:schemeClr val="bg1">
+                          <a:lumMod val="65000"/>
+                        </a:schemeClr>
+                      </a:solidFill>
+                      <a:prstDash val="solid"/>
+                      <a:round/>
+                      <a:headEnd type="none" w="med" len="med"/>
+                      <a:tailEnd type="none" w="med" len="med"/>
+                    </a:lnB>
+                  </a:tcPr>
+                </a:tc>
+                <a:extLst>
+                  <a:ext uri="{0D108BD9-81ED-4DB2-BD59-A6C34878D82A}">
+                    <a16:rowId xmlns:a16="http://schemas.microsoft.com/office/drawing/2014/main" val="10002"/>
+                  </a:ext>
+                </a:extLst>
+              </a:tr>
+              <a:tr h="381000">
+                <a:tc>
+                  <a:txBody>
+                    <a:bodyPr/>
+                    <a:lstStyle/>
+                    <a:p>
+                      <a:pPr algn="l" fontAlgn="b"/>
+                      <a:endParaRPr lang="en-US" sz="1100" b="0" i="0" u="none" strike="noStrike">
+                        <a:solidFill>
+                          <a:schemeClr val="bg1"/>
+                        </a:solidFill>
+                        <a:effectLst/>
+                        <a:latin typeface="Calibri" panose="020F0502020204030204" pitchFamily="34" charset="0"/>
+                      </a:endParaRPr>
+                    </a:p>
+                  </a:txBody>
+                  <a:tcPr marL="9525" marR="9525" marT="9525" marB="0" anchor="ctr">
+                    <a:lnL w="12700" cap="flat" cmpd="sng" algn="ctr">
+                      <a:solidFill>
+                        <a:schemeClr val="bg1">
+                          <a:lumMod val="65000"/>
+                        </a:schemeClr>
+                      </a:solidFill>
+                      <a:prstDash val="solid"/>
+                      <a:round/>
+                      <a:headEnd type="none" w="med" len="med"/>
+                      <a:tailEnd type="none" w="med" len="med"/>
+                    </a:lnL>
+                    <a:lnR w="12700" cap="flat" cmpd="sng" algn="ctr">
+                      <a:solidFill>
+                        <a:schemeClr val="bg1">
+                          <a:lumMod val="65000"/>
+                        </a:schemeClr>
+                      </a:solidFill>
+                      <a:prstDash val="solid"/>
+                      <a:round/>
+                      <a:headEnd type="none" w="med" len="med"/>
+                      <a:tailEnd type="none" w="med" len="med"/>
+                    </a:lnR>
+                    <a:lnT w="12700" cap="flat" cmpd="sng" algn="ctr">
+                      <a:solidFill>
+                        <a:schemeClr val="bg1">
+                          <a:lumMod val="65000"/>
+                        </a:schemeClr>
+                      </a:solidFill>
+                      <a:prstDash val="solid"/>
+                      <a:round/>
+                      <a:headEnd type="none" w="med" len="med"/>
+                      <a:tailEnd type="none" w="med" len="med"/>
+                    </a:lnT>
+                    <a:lnB w="12700" cap="flat" cmpd="sng" algn="ctr">
+                      <a:solidFill>
+                        <a:schemeClr val="bg1">
+                          <a:lumMod val="65000"/>
+                        </a:schemeClr>
+                      </a:solidFill>
+                      <a:prstDash val="solid"/>
+                      <a:round/>
+                      <a:headEnd type="none" w="med" len="med"/>
+                      <a:tailEnd type="none" w="med" len="med"/>
+                    </a:lnB>
+                  </a:tcPr>
+                </a:tc>
+                <a:tc>
+                  <a:txBody>
+                    <a:bodyPr/>
+                    <a:lstStyle/>
+                    <a:p>
+                      <a:pPr algn="l" fontAlgn="b"/>
+                      <a:endParaRPr lang="en-US" sz="1100" b="0" i="0" u="none" strike="noStrike">
+                        <a:solidFill>
+                          <a:schemeClr val="bg1"/>
+                        </a:solidFill>
+                        <a:effectLst/>
+                        <a:latin typeface="Calibri" panose="020F0502020204030204" pitchFamily="34" charset="0"/>
+                      </a:endParaRPr>
+                    </a:p>
+                  </a:txBody>
+                  <a:tcPr marL="9525" marR="9525" marT="9525" marB="0" anchor="b">
+                    <a:lnL w="12700" cap="flat" cmpd="sng" algn="ctr">
+                      <a:solidFill>
+                        <a:schemeClr val="bg1">
+                          <a:lumMod val="65000"/>
+                        </a:schemeClr>
+                      </a:solidFill>
+                      <a:prstDash val="solid"/>
+                      <a:round/>
+                      <a:headEnd type="none" w="med" len="med"/>
+                      <a:tailEnd type="none" w="med" len="med"/>
+                    </a:lnL>
+                    <a:lnR w="12700" cap="flat" cmpd="sng" algn="ctr">
+                      <a:solidFill>
+                        <a:schemeClr val="bg1">
+                          <a:lumMod val="65000"/>
+                        </a:schemeClr>
+                      </a:solidFill>
+                      <a:prstDash val="solid"/>
+                      <a:round/>
+                      <a:headEnd type="none" w="med" len="med"/>
+                      <a:tailEnd type="none" w="med" len="med"/>
+                    </a:lnR>
+                    <a:lnT w="12700" cap="flat" cmpd="sng" algn="ctr">
+                      <a:solidFill>
+                        <a:schemeClr val="bg1">
+                          <a:lumMod val="65000"/>
+                        </a:schemeClr>
+                      </a:solidFill>
+                      <a:prstDash val="solid"/>
+                      <a:round/>
+                      <a:headEnd type="none" w="med" len="med"/>
+                      <a:tailEnd type="none" w="med" len="med"/>
+                    </a:lnT>
+                    <a:lnB w="12700" cap="flat" cmpd="sng" algn="ctr">
+                      <a:solidFill>
+                        <a:schemeClr val="bg1">
+                          <a:lumMod val="65000"/>
+                        </a:schemeClr>
+                      </a:solidFill>
+                      <a:prstDash val="solid"/>
+                      <a:round/>
+                      <a:headEnd type="none" w="med" len="med"/>
+                      <a:tailEnd type="none" w="med" len="med"/>
+                    </a:lnB>
+                  </a:tcPr>
+                </a:tc>
+                <a:tc>
+                  <a:txBody>
+                    <a:bodyPr/>
+                    <a:lstStyle/>
+                    <a:p>
+                      <a:pPr algn="ctr" fontAlgn="ctr"/>
+                      <a:endParaRPr lang="en-US" sz="1100" b="0" i="0" u="none" strike="noStrike">
+                        <a:solidFill>
+                          <a:schemeClr val="bg1"/>
+                        </a:solidFill>
+                        <a:effectLst/>
+                        <a:latin typeface="Calibri" panose="020F0502020204030204" pitchFamily="34" charset="0"/>
+                      </a:endParaRPr>
+                    </a:p>
+                  </a:txBody>
+                  <a:tcPr marL="9525" marR="9525" marT="9525" marB="0" anchor="ctr">
+                    <a:lnL w="12700" cap="flat" cmpd="sng" algn="ctr">
+                      <a:solidFill>
+                        <a:schemeClr val="bg1">
+                          <a:lumMod val="65000"/>
+                        </a:schemeClr>
+                      </a:solidFill>
+                      <a:prstDash val="solid"/>
+                      <a:round/>
+                      <a:headEnd type="none" w="med" len="med"/>
+                      <a:tailEnd type="none" w="med" len="med"/>
+                    </a:lnL>
+                    <a:lnR w="12700" cap="flat" cmpd="sng" algn="ctr">
+                      <a:solidFill>
+                        <a:schemeClr val="bg1">
+                          <a:lumMod val="65000"/>
+                        </a:schemeClr>
+                      </a:solidFill>
+                      <a:prstDash val="solid"/>
+                      <a:round/>
+                      <a:headEnd type="none" w="med" len="med"/>
+                      <a:tailEnd type="none" w="med" len="med"/>
+                    </a:lnR>
+                    <a:lnT w="12700" cap="flat" cmpd="sng" algn="ctr">
+                      <a:solidFill>
+                        <a:schemeClr val="bg1">
+                          <a:lumMod val="65000"/>
+                        </a:schemeClr>
+                      </a:solidFill>
+                      <a:prstDash val="solid"/>
+                      <a:round/>
+                      <a:headEnd type="none" w="med" len="med"/>
+                      <a:tailEnd type="none" w="med" len="med"/>
+                    </a:lnT>
+                    <a:lnB w="12700" cap="flat" cmpd="sng" algn="ctr">
+                      <a:solidFill>
+                        <a:schemeClr val="bg1">
+                          <a:lumMod val="65000"/>
+                        </a:schemeClr>
+                      </a:solidFill>
+                      <a:prstDash val="solid"/>
+                      <a:round/>
+                      <a:headEnd type="none" w="med" len="med"/>
+                      <a:tailEnd type="none" w="med" len="med"/>
+                    </a:lnB>
+                  </a:tcPr>
+                </a:tc>
+                <a:extLst>
+                  <a:ext uri="{0D108BD9-81ED-4DB2-BD59-A6C34878D82A}">
+                    <a16:rowId xmlns:a16="http://schemas.microsoft.com/office/drawing/2014/main" val="10003"/>
+                  </a:ext>
+                </a:extLst>
+              </a:tr>
+              <a:tr h="381000">
+                <a:tc>
+                  <a:txBody>
+                    <a:bodyPr/>
+                    <a:lstStyle/>
+                    <a:p>
+                      <a:pPr algn="l" fontAlgn="b"/>
+                      <a:endParaRPr lang="en-US" sz="1100" b="0" i="0" u="none" strike="noStrike">
+                        <a:solidFill>
+                          <a:schemeClr val="bg1"/>
+                        </a:solidFill>
+                        <a:effectLst/>
+                        <a:latin typeface="Calibri" panose="020F0502020204030204" pitchFamily="34" charset="0"/>
+                      </a:endParaRPr>
+                    </a:p>
+                  </a:txBody>
+                  <a:tcPr marL="9525" marR="9525" marT="9525" marB="0" anchor="ctr">
+                    <a:lnL w="12700" cap="flat" cmpd="sng" algn="ctr">
+                      <a:solidFill>
+                        <a:schemeClr val="bg1">
+                          <a:lumMod val="65000"/>
+                        </a:schemeClr>
+                      </a:solidFill>
+                      <a:prstDash val="solid"/>
+                      <a:round/>
+                      <a:headEnd type="none" w="med" len="med"/>
+                      <a:tailEnd type="none" w="med" len="med"/>
+                    </a:lnL>
+                    <a:lnR w="12700" cap="flat" cmpd="sng" algn="ctr">
+                      <a:solidFill>
+                        <a:schemeClr val="bg1">
+                          <a:lumMod val="65000"/>
+                        </a:schemeClr>
+                      </a:solidFill>
+                      <a:prstDash val="solid"/>
+                      <a:round/>
+                      <a:headEnd type="none" w="med" len="med"/>
+                      <a:tailEnd type="none" w="med" len="med"/>
+                    </a:lnR>
+                    <a:lnT w="12700" cap="flat" cmpd="sng" algn="ctr">
+                      <a:solidFill>
+                        <a:schemeClr val="bg1">
+                          <a:lumMod val="65000"/>
+                        </a:schemeClr>
+                      </a:solidFill>
+                      <a:prstDash val="solid"/>
+                      <a:round/>
+                      <a:headEnd type="none" w="med" len="med"/>
+                      <a:tailEnd type="none" w="med" len="med"/>
+                    </a:lnT>
+                    <a:lnB w="12700" cap="flat" cmpd="sng" algn="ctr">
+                      <a:solidFill>
+                        <a:schemeClr val="bg1">
+                          <a:lumMod val="65000"/>
+                        </a:schemeClr>
+                      </a:solidFill>
+                      <a:prstDash val="solid"/>
+                      <a:round/>
+                      <a:headEnd type="none" w="med" len="med"/>
+                      <a:tailEnd type="none" w="med" len="med"/>
+                    </a:lnB>
+                  </a:tcPr>
+                </a:tc>
+                <a:tc>
+                  <a:txBody>
+                    <a:bodyPr/>
+                    <a:lstStyle/>
+                    <a:p>
+                      <a:pPr algn="l" fontAlgn="b"/>
+                      <a:endParaRPr lang="en-US" sz="1100" b="0" i="0" u="none" strike="noStrike">
+                        <a:solidFill>
+                          <a:schemeClr val="bg1"/>
+                        </a:solidFill>
+                        <a:effectLst/>
+                        <a:latin typeface="Calibri" panose="020F0502020204030204" pitchFamily="34" charset="0"/>
+                      </a:endParaRPr>
+                    </a:p>
+                  </a:txBody>
+                  <a:tcPr marL="9525" marR="9525" marT="9525" marB="0" anchor="b">
+                    <a:lnL w="12700" cap="flat" cmpd="sng" algn="ctr">
+                      <a:solidFill>
+                        <a:schemeClr val="bg1">
+                          <a:lumMod val="65000"/>
+                        </a:schemeClr>
+                      </a:solidFill>
+                      <a:prstDash val="solid"/>
+                      <a:round/>
+                      <a:headEnd type="none" w="med" len="med"/>
+                      <a:tailEnd type="none" w="med" len="med"/>
+                    </a:lnL>
+                    <a:lnR w="12700" cap="flat" cmpd="sng" algn="ctr">
+                      <a:solidFill>
+                        <a:schemeClr val="bg1">
+                          <a:lumMod val="65000"/>
+                        </a:schemeClr>
+                      </a:solidFill>
+                      <a:prstDash val="solid"/>
+                      <a:round/>
+                      <a:headEnd type="none" w="med" len="med"/>
+                      <a:tailEnd type="none" w="med" len="med"/>
+                    </a:lnR>
+                    <a:lnT w="12700" cap="flat" cmpd="sng" algn="ctr">
+                      <a:solidFill>
+                        <a:schemeClr val="bg1">
+                          <a:lumMod val="65000"/>
+                        </a:schemeClr>
+                      </a:solidFill>
+                      <a:prstDash val="solid"/>
+                      <a:round/>
+                      <a:headEnd type="none" w="med" len="med"/>
+                      <a:tailEnd type="none" w="med" len="med"/>
+                    </a:lnT>
+                    <a:lnB w="12700" cap="flat" cmpd="sng" algn="ctr">
+                      <a:solidFill>
+                        <a:schemeClr val="bg1">
+                          <a:lumMod val="65000"/>
+                        </a:schemeClr>
+                      </a:solidFill>
+                      <a:prstDash val="solid"/>
+                      <a:round/>
+                      <a:headEnd type="none" w="med" len="med"/>
+                      <a:tailEnd type="none" w="med" len="med"/>
+                    </a:lnB>
+                  </a:tcPr>
+                </a:tc>
+                <a:tc>
+                  <a:txBody>
+                    <a:bodyPr/>
+                    <a:lstStyle/>
+                    <a:p>
+                      <a:pPr algn="ctr" fontAlgn="ctr"/>
+                      <a:endParaRPr lang="en-US" sz="1100" b="0" i="0" u="none" strike="noStrike">
+                        <a:solidFill>
+                          <a:schemeClr val="bg1"/>
+                        </a:solidFill>
+                        <a:effectLst/>
+                        <a:latin typeface="Calibri" panose="020F0502020204030204" pitchFamily="34" charset="0"/>
+                      </a:endParaRPr>
+                    </a:p>
+                  </a:txBody>
+                  <a:tcPr marL="9525" marR="9525" marT="9525" marB="0" anchor="ctr">
+                    <a:lnL w="12700" cap="flat" cmpd="sng" algn="ctr">
+                      <a:solidFill>
+                        <a:schemeClr val="bg1">
+                          <a:lumMod val="65000"/>
+                        </a:schemeClr>
+                      </a:solidFill>
+                      <a:prstDash val="solid"/>
+                      <a:round/>
+                      <a:headEnd type="none" w="med" len="med"/>
+                      <a:tailEnd type="none" w="med" len="med"/>
+                    </a:lnL>
+                    <a:lnR w="12700" cap="flat" cmpd="sng" algn="ctr">
+                      <a:solidFill>
+                        <a:schemeClr val="bg1">
+                          <a:lumMod val="65000"/>
+                        </a:schemeClr>
+                      </a:solidFill>
+                      <a:prstDash val="solid"/>
+                      <a:round/>
+                      <a:headEnd type="none" w="med" len="med"/>
+                      <a:tailEnd type="none" w="med" len="med"/>
+                    </a:lnR>
+                    <a:lnT w="12700" cap="flat" cmpd="sng" algn="ctr">
+                      <a:solidFill>
+                        <a:schemeClr val="bg1">
+                          <a:lumMod val="65000"/>
+                        </a:schemeClr>
+                      </a:solidFill>
+                      <a:prstDash val="solid"/>
+                      <a:round/>
+                      <a:headEnd type="none" w="med" len="med"/>
+                      <a:tailEnd type="none" w="med" len="med"/>
+                    </a:lnT>
+                    <a:lnB w="12700" cap="flat" cmpd="sng" algn="ctr">
+                      <a:solidFill>
+                        <a:schemeClr val="bg1">
+                          <a:lumMod val="65000"/>
+                        </a:schemeClr>
+                      </a:solidFill>
+                      <a:prstDash val="solid"/>
+                      <a:round/>
+                      <a:headEnd type="none" w="med" len="med"/>
+                      <a:tailEnd type="none" w="med" len="med"/>
+                    </a:lnB>
+                  </a:tcPr>
+                </a:tc>
+                <a:extLst>
+                  <a:ext uri="{0D108BD9-81ED-4DB2-BD59-A6C34878D82A}">
+                    <a16:rowId xmlns:a16="http://schemas.microsoft.com/office/drawing/2014/main" val="10004"/>
+                  </a:ext>
+                </a:extLst>
+              </a:tr>
+            </a:tbl>
+          </a:graphicData>
+        </a:graphic>
+      </p:graphicFrame>
+      <p:graphicFrame>
+        <p:nvGraphicFramePr>
+          <p:cNvPr id="4" name="Table 3"/>
+          <p:cNvGraphicFramePr>
+            <a:graphicFrameLocks noGrp="1"/>
+          </p:cNvGraphicFramePr>
+          <p:nvPr>
+            <p:extLst>
+              <p:ext uri="{D42A27DB-BD31-4B8C-83A1-F6EECF244321}">
+                <p14:modId xmlns:p14="http://schemas.microsoft.com/office/powerpoint/2010/main" val="3197709952"/>
+              </p:ext>
+            </p:extLst>
+          </p:nvPr>
+        </p:nvGraphicFramePr>
+        <p:xfrm>
+          <a:off x="5841826" y="4114800"/>
+          <a:ext cx="5749969" cy="609600"/>
+        </p:xfrm>
+        <a:graphic>
+          <a:graphicData uri="http://schemas.openxmlformats.org/drawingml/2006/table">
+            <a:tbl>
+              <a:tblPr lastCol="1" bandRow="1">
+                <a:tableStyleId>{2D5ABB26-0587-4C30-8999-92F81FD0307C}</a:tableStyleId>
+              </a:tblPr>
+              <a:tblGrid>
+                <a:gridCol w="5054774">
+                  <a:extLst>
+                    <a:ext uri="{9D8B030D-6E8A-4147-A177-3AD203B41FA5}">
+                      <a16:colId xmlns:a16="http://schemas.microsoft.com/office/drawing/2014/main" val="20000"/>
+                    </a:ext>
+                  </a:extLst>
+                </a:gridCol>
+                <a:gridCol w="695195">
+                  <a:extLst>
+                    <a:ext uri="{9D8B030D-6E8A-4147-A177-3AD203B41FA5}">
+                      <a16:colId xmlns:a16="http://schemas.microsoft.com/office/drawing/2014/main" val="20001"/>
+                    </a:ext>
+                  </a:extLst>
+                </a:gridCol>
+              </a:tblGrid>
+              <a:tr h="609600">
+                <a:tc>
+                  <a:txBody>
+                    <a:bodyPr/>
+                    <a:lstStyle/>
+                    <a:p>
+                      <a:pPr algn="ctr" fontAlgn="b"/>
+                      <a:r>
+                        <a:rPr lang="en-US" sz="1100" u="none" strike="noStrike">
+                          <a:solidFill>
+                            <a:schemeClr val="bg1"/>
+                          </a:solidFill>
+                          <a:effectLst/>
+                        </a:rPr>
+                        <a:t>Estimated time needed to work on </a:t>
+                      </a:r>
+                      <a:r>
+                        <a:rPr lang="en-US" sz="1100" u="none" strike="noStrike" baseline="0">
+                          <a:solidFill>
+                            <a:schemeClr val="bg1"/>
+                          </a:solidFill>
+                          <a:effectLst/>
+                        </a:rPr>
+                        <a:t>goals for this coming week (typ. 13 </a:t>
+                      </a:r>
+                      <a:r>
+                        <a:rPr lang="en-US" sz="1100" u="none" strike="noStrike" baseline="0" err="1">
+                          <a:solidFill>
+                            <a:schemeClr val="bg1"/>
+                          </a:solidFill>
+                          <a:effectLst/>
+                        </a:rPr>
+                        <a:t>hrs</a:t>
+                      </a:r>
+                      <a:r>
+                        <a:rPr lang="en-US" sz="1100" u="none" strike="noStrike" baseline="0">
+                          <a:solidFill>
+                            <a:schemeClr val="bg1"/>
+                          </a:solidFill>
+                          <a:effectLst/>
+                        </a:rPr>
+                        <a:t>)</a:t>
+                      </a:r>
+                      <a:endParaRPr lang="en-US" sz="1100" b="0" i="0" u="none" strike="noStrike">
+                        <a:solidFill>
+                          <a:schemeClr val="bg1"/>
+                        </a:solidFill>
+                        <a:effectLst/>
+                        <a:latin typeface="Calibri" panose="020F0502020204030204" pitchFamily="34" charset="0"/>
+                      </a:endParaRPr>
+                    </a:p>
+                  </a:txBody>
+                  <a:tcPr marL="9525" marR="9525" marT="9525" marB="0" anchor="ctr">
+                    <a:lnL w="12700" cap="flat" cmpd="sng" algn="ctr">
+                      <a:solidFill>
+                        <a:schemeClr val="bg1">
+                          <a:lumMod val="65000"/>
+                        </a:schemeClr>
+                      </a:solidFill>
+                      <a:prstDash val="solid"/>
+                      <a:round/>
+                      <a:headEnd type="none" w="med" len="med"/>
+                      <a:tailEnd type="none" w="med" len="med"/>
+                    </a:lnL>
+                    <a:lnR w="12700" cap="flat" cmpd="sng" algn="ctr">
+                      <a:solidFill>
+                        <a:schemeClr val="bg1">
+                          <a:lumMod val="65000"/>
+                        </a:schemeClr>
+                      </a:solidFill>
+                      <a:prstDash val="solid"/>
+                      <a:round/>
+                      <a:headEnd type="none" w="med" len="med"/>
+                      <a:tailEnd type="none" w="med" len="med"/>
+                    </a:lnR>
+                    <a:lnT w="12700" cap="flat" cmpd="sng" algn="ctr">
+                      <a:solidFill>
+                        <a:schemeClr val="bg1">
+                          <a:lumMod val="65000"/>
+                        </a:schemeClr>
+                      </a:solidFill>
+                      <a:prstDash val="solid"/>
+                      <a:round/>
+                      <a:headEnd type="none" w="med" len="med"/>
+                      <a:tailEnd type="none" w="med" len="med"/>
+                    </a:lnT>
+                    <a:lnB w="12700" cap="flat" cmpd="sng" algn="ctr">
+                      <a:solidFill>
+                        <a:schemeClr val="bg1">
+                          <a:lumMod val="65000"/>
+                        </a:schemeClr>
+                      </a:solidFill>
+                      <a:prstDash val="solid"/>
+                      <a:round/>
+                      <a:headEnd type="none" w="med" len="med"/>
+                      <a:tailEnd type="none" w="med" len="med"/>
+                    </a:lnB>
+                  </a:tcPr>
+                </a:tc>
+                <a:tc>
+                  <a:txBody>
+                    <a:bodyPr/>
+                    <a:lstStyle/>
+                    <a:p>
+                      <a:pPr algn="ctr" fontAlgn="b"/>
+                      <a:r>
+                        <a:rPr lang="en-US" sz="1100" b="0" i="0" u="none" strike="noStrike">
+                          <a:solidFill>
+                            <a:schemeClr val="bg1"/>
+                          </a:solidFill>
+                          <a:effectLst/>
+                          <a:latin typeface="Calibri"/>
+                        </a:rPr>
+                        <a:t>13.5</a:t>
+                      </a:r>
+                      <a:endParaRPr lang="en-US" sz="1100" b="0" i="0" u="none" strike="noStrike">
+                        <a:solidFill>
+                          <a:schemeClr val="bg1"/>
+                        </a:solidFill>
+                        <a:effectLst/>
+                        <a:latin typeface="Calibri" panose="020F0502020204030204" pitchFamily="34" charset="0"/>
+                      </a:endParaRPr>
+                    </a:p>
+                  </a:txBody>
+                  <a:tcPr marL="9525" marR="9525" marT="9525" marB="0" anchor="ctr">
+                    <a:lnL w="12700" cap="flat" cmpd="sng" algn="ctr">
+                      <a:solidFill>
+                        <a:schemeClr val="bg1">
+                          <a:lumMod val="65000"/>
+                        </a:schemeClr>
+                      </a:solidFill>
+                      <a:prstDash val="solid"/>
+                      <a:round/>
+                      <a:headEnd type="none" w="med" len="med"/>
+                      <a:tailEnd type="none" w="med" len="med"/>
+                    </a:lnL>
+                    <a:lnR w="12700" cap="flat" cmpd="sng" algn="ctr">
+                      <a:solidFill>
+                        <a:schemeClr val="bg1">
+                          <a:lumMod val="65000"/>
+                        </a:schemeClr>
+                      </a:solidFill>
+                      <a:prstDash val="solid"/>
+                      <a:round/>
+                      <a:headEnd type="none" w="med" len="med"/>
+                      <a:tailEnd type="none" w="med" len="med"/>
+                    </a:lnR>
+                    <a:lnT w="12700" cap="flat" cmpd="sng" algn="ctr">
+                      <a:solidFill>
+                        <a:schemeClr val="bg1">
+                          <a:lumMod val="65000"/>
+                        </a:schemeClr>
+                      </a:solidFill>
+                      <a:prstDash val="solid"/>
+                      <a:round/>
+                      <a:headEnd type="none" w="med" len="med"/>
+                      <a:tailEnd type="none" w="med" len="med"/>
+                    </a:lnT>
+                    <a:lnB w="12700" cap="flat" cmpd="sng" algn="ctr">
+                      <a:solidFill>
+                        <a:schemeClr val="bg1">
+                          <a:lumMod val="65000"/>
+                        </a:schemeClr>
+                      </a:solidFill>
+                      <a:prstDash val="solid"/>
+                      <a:round/>
+                      <a:headEnd type="none" w="med" len="med"/>
+                      <a:tailEnd type="none" w="med" len="med"/>
+                    </a:lnB>
+                  </a:tcPr>
+                </a:tc>
+                <a:extLst>
+                  <a:ext uri="{0D108BD9-81ED-4DB2-BD59-A6C34878D82A}">
+                    <a16:rowId xmlns:a16="http://schemas.microsoft.com/office/drawing/2014/main" val="10000"/>
+                  </a:ext>
+                </a:extLst>
+              </a:tr>
+            </a:tbl>
+          </a:graphicData>
+        </a:graphic>
+      </p:graphicFrame>
+    </p:spTree>
+    <p:extLst>
+      <p:ext uri="{BB962C8B-B14F-4D97-AF65-F5344CB8AC3E}">
+        <p14:creationId xmlns:p14="http://schemas.microsoft.com/office/powerpoint/2010/main" val="55566174"/>
       </p:ext>
     </p:extLst>
   </p:cSld>
